--- a/posts/2/slides.pptx
+++ b/posts/2/slides.pptx
@@ -3945,54 +3945,6 @@
           </a:fontRef>
         </p:style>
       </p:sp>
-      <p:sp>
-        <p:nvSpPr>
-          <p:cNvPr id="2049656921" name="TextBox 6"/>
-          <p:cNvSpPr txBox="1"/>
-          <p:nvPr/>
-        </p:nvSpPr>
-        <p:spPr bwMode="auto">
-          <a:xfrm rot="0" flipH="0" flipV="0">
-            <a:off x="-427815" y="163461"/>
-            <a:ext cx="11188282" cy="782552"/>
-          </a:xfrm>
-          <a:prstGeom prst="rect">
-            <a:avLst/>
-          </a:prstGeom>
-        </p:spPr>
-        <p:txBody>
-          <a:bodyPr lIns="0" tIns="0" rIns="0" bIns="0" rtlCol="0" anchor="t">
-            <a:spAutoFit/>
-          </a:bodyPr>
-          <a:lstStyle/>
-          <a:p>
-            <a:pPr algn="ctr">
-              <a:lnSpc>
-                <a:spcPts val="6159"/>
-              </a:lnSpc>
-              <a:defRPr/>
-            </a:pPr>
-            <a:r>
-              <a:rPr lang="en-US" sz="2700" b="0">
-                <a:solidFill>
-                  <a:schemeClr val="bg1"/>
-                </a:solidFill>
-                <a:latin typeface="Agave"/>
-                <a:ea typeface="Agave"/>
-                <a:cs typeface="Agave"/>
-              </a:rPr>
-              <a:t>High Glycemic Loads Increase Cardiovascular Disease Risk</a:t>
-            </a:r>
-            <a:endParaRPr sz="2700" b="0">
-              <a:solidFill>
-                <a:schemeClr val="bg1"/>
-              </a:solidFill>
-              <a:latin typeface="Tinos"/>
-              <a:cs typeface="Tinos"/>
-            </a:endParaRPr>
-          </a:p>
-        </p:txBody>
-      </p:sp>
       <p:pic>
         <p:nvPicPr>
           <p:cNvPr id="1181590362" name=""/>
@@ -4007,8 +3959,8 @@
         </p:blipFill>
         <p:spPr bwMode="auto">
           <a:xfrm rot="0" flipH="0" flipV="0">
-            <a:off x="1313793" y="2160216"/>
-            <a:ext cx="8349149" cy="5717364"/>
+            <a:off x="581144" y="2495549"/>
+            <a:ext cx="9081794" cy="5096278"/>
           </a:xfrm>
           <a:prstGeom prst="roundRect">
             <a:avLst>
@@ -4017,150 +3969,6 @@
           </a:prstGeom>
         </p:spPr>
       </p:pic>
-      <p:sp>
-        <p:nvSpPr>
-          <p:cNvPr id="173679688" name=""/>
-          <p:cNvSpPr txBox="1"/>
-          <p:nvPr/>
-        </p:nvSpPr>
-        <p:spPr bwMode="auto">
-          <a:xfrm flipH="0" flipV="0">
-            <a:off x="4572000" y="2588073"/>
-            <a:ext cx="3883338" cy="823319"/>
-          </a:xfrm>
-          <a:prstGeom prst="rect">
-            <a:avLst/>
-          </a:prstGeom>
-          <a:noFill/>
-        </p:spPr>
-        <p:txBody>
-          <a:bodyPr vertOverflow="overflow" horzOverflow="overflow" vert="horz" wrap="square" lIns="91440" tIns="45720" rIns="91440" bIns="45720" numCol="1" spcCol="0" rtlCol="0" fromWordArt="0" anchor="t" anchorCtr="0" forceAA="0" upright="0" compatLnSpc="0">
-            <a:spAutoFit/>
-          </a:bodyPr>
-          <a:p>
-            <a:pPr>
-              <a:defRPr/>
-            </a:pPr>
-            <a:r>
-              <a:rPr sz="2400">
-                <a:solidFill>
-                  <a:schemeClr val="bg1"/>
-                </a:solidFill>
-                <a:latin typeface="Agave"/>
-                <a:ea typeface="Agave"/>
-                <a:cs typeface="Agave"/>
-              </a:rPr>
-              <a:t>risk of a person eating close to twice the RDA</a:t>
-            </a:r>
-            <a:endParaRPr sz="2400">
-              <a:solidFill>
-                <a:schemeClr val="bg1"/>
-              </a:solidFill>
-              <a:latin typeface="Agave"/>
-              <a:cs typeface="Agave"/>
-            </a:endParaRPr>
-          </a:p>
-        </p:txBody>
-      </p:sp>
-      <p:sp>
-        <p:nvSpPr>
-          <p:cNvPr id="498744358" name="Arc 969041505"/>
-          <p:cNvSpPr/>
-          <p:nvPr/>
-        </p:nvSpPr>
-        <p:spPr bwMode="auto">
-          <a:xfrm rot="14257814" flipH="0" flipV="0">
-            <a:off x="1730508" y="5747178"/>
-            <a:ext cx="1379481" cy="1379481"/>
-          </a:xfrm>
-          <a:prstGeom prst="arc">
-            <a:avLst>
-              <a:gd name="adj1" fmla="val 16213945"/>
-              <a:gd name="adj2" fmla="val 19989385"/>
-            </a:avLst>
-          </a:prstGeom>
-          <a:ln w="38099" cap="rnd" cmpd="sng" algn="ctr">
-            <a:solidFill>
-              <a:schemeClr val="bg1">
-                <a:lumMod val="85098"/>
-              </a:schemeClr>
-            </a:solidFill>
-            <a:prstDash val="solid"/>
-            <a:round/>
-            <a:headEnd type="arrow"/>
-            <a:tailEnd type="none"/>
-          </a:ln>
-        </p:spPr>
-        <p:style>
-          <a:lnRef idx="1">
-            <a:schemeClr val="accent1">
-              <a:shade val="50000"/>
-            </a:schemeClr>
-          </a:lnRef>
-          <a:fillRef idx="0">
-            <a:schemeClr val="accent1"/>
-          </a:fillRef>
-          <a:effectRef idx="0">
-            <a:schemeClr val="accent1"/>
-          </a:effectRef>
-          <a:fontRef idx="minor">
-            <a:schemeClr val="tx1"/>
-          </a:fontRef>
-        </p:style>
-        <p:txBody>
-          <a:bodyPr/>
-          <a:p>
-            <a:pPr>
-              <a:defRPr/>
-            </a:pPr>
-            <a:endParaRPr/>
-          </a:p>
-        </p:txBody>
-      </p:sp>
-      <p:sp>
-        <p:nvSpPr>
-          <p:cNvPr id="404381132" name=""/>
-          <p:cNvSpPr txBox="1"/>
-          <p:nvPr/>
-        </p:nvSpPr>
-        <p:spPr bwMode="auto">
-          <a:xfrm flipH="0" flipV="0">
-            <a:off x="1960420" y="4828189"/>
-            <a:ext cx="3954888" cy="1554840"/>
-          </a:xfrm>
-          <a:prstGeom prst="rect">
-            <a:avLst/>
-          </a:prstGeom>
-          <a:noFill/>
-        </p:spPr>
-        <p:txBody>
-          <a:bodyPr vertOverflow="overflow" horzOverflow="overflow" vert="horz" wrap="square" lIns="91440" tIns="45720" rIns="91440" bIns="45720" numCol="1" spcCol="0" rtlCol="0" fromWordArt="0" anchor="t" anchorCtr="0" forceAA="0" upright="0" compatLnSpc="0">
-            <a:spAutoFit/>
-          </a:bodyPr>
-          <a:p>
-            <a:pPr>
-              <a:defRPr/>
-            </a:pPr>
-            <a:r>
-              <a:rPr sz="2400">
-                <a:solidFill>
-                  <a:schemeClr val="bg1"/>
-                </a:solidFill>
-                <a:latin typeface="Agave"/>
-                <a:cs typeface="Agave"/>
-              </a:rPr>
-              <a:t>risk for a person taking the minimum Recommended Daily Allowance (RDA) i.e 130 g/day</a:t>
-            </a:r>
-            <a:endParaRPr sz="2400">
-              <a:solidFill>
-                <a:schemeClr val="bg1"/>
-              </a:solidFill>
-              <a:latin typeface="Agave"/>
-              <a:cs typeface="Agave"/>
-            </a:endParaRPr>
-          </a:p>
-        </p:txBody>
-      </p:sp>
       <p:sp>
         <p:nvSpPr>
           <p:cNvPr id="640765977" name="TextBox 6"/>
@@ -4198,71 +4006,6 @@
                 <a:cs typeface="Agave"/>
               </a:rPr>
               <a:t>1/3</a:t>
-            </a:r>
-            <a:endParaRPr sz="2600" b="0">
-              <a:solidFill>
-                <a:schemeClr val="bg1"/>
-              </a:solidFill>
-              <a:latin typeface="Tinos"/>
-              <a:cs typeface="Tinos"/>
-            </a:endParaRPr>
-          </a:p>
-        </p:txBody>
-      </p:sp>
-      <p:sp>
-        <p:nvSpPr>
-          <p:cNvPr id="894174335" name="TextBox 6"/>
-          <p:cNvSpPr txBox="1"/>
-          <p:nvPr/>
-        </p:nvSpPr>
-        <p:spPr bwMode="auto">
-          <a:xfrm rot="0" flipH="0" flipV="0">
-            <a:off x="-80786" y="710788"/>
-            <a:ext cx="10561101" cy="782552"/>
-          </a:xfrm>
-          <a:prstGeom prst="rect">
-            <a:avLst/>
-          </a:prstGeom>
-        </p:spPr>
-        <p:txBody>
-          <a:bodyPr lIns="0" tIns="0" rIns="0" bIns="0" rtlCol="0" anchor="t">
-            <a:spAutoFit/>
-          </a:bodyPr>
-          <a:lstStyle/>
-          <a:p>
-            <a:pPr algn="ctr">
-              <a:lnSpc>
-                <a:spcPts val="6159"/>
-              </a:lnSpc>
-              <a:defRPr/>
-            </a:pPr>
-            <a:r>
-              <a:rPr lang="en-US" sz="2000" b="0">
-                <a:solidFill>
-                  <a:schemeClr val="accent1">
-                    <a:lumMod val="60000"/>
-                    <a:lumOff val="40000"/>
-                  </a:schemeClr>
-                </a:solidFill>
-                <a:latin typeface="Agave"/>
-                <a:ea typeface="Agave"/>
-                <a:cs typeface="Agave"/>
-              </a:rPr>
-              <a:t>Liu et al, 2000, </a:t>
-            </a:r>
-            <a:r>
-              <a:rPr lang="en-US" sz="2000" b="0" i="0" u="none" strike="noStrike" cap="none" spc="0">
-                <a:solidFill>
-                  <a:schemeClr val="accent1">
-                    <a:lumMod val="60000"/>
-                    <a:lumOff val="40000"/>
-                  </a:schemeClr>
-                </a:solidFill>
-                <a:latin typeface="Agave"/>
-                <a:ea typeface="Agave"/>
-                <a:cs typeface="Agave"/>
-              </a:rPr>
-              <a:t>American Journal of Clinical Nutrition, 71(6), 1455–1461.</a:t>
             </a:r>
             <a:endParaRPr sz="2600" b="0">
               <a:solidFill>
@@ -4284,8 +4027,8 @@
         </p:nvCxnSpPr>
         <p:spPr bwMode="auto">
           <a:xfrm rot="0" flipH="0" flipV="1">
-            <a:off x="1227777" y="8351416"/>
-            <a:ext cx="8278349" cy="34711"/>
+            <a:off x="3562349" y="8065663"/>
+            <a:ext cx="5753275" cy="0"/>
           </a:xfrm>
           <a:prstGeom prst="line">
             <a:avLst/>
@@ -4325,8 +4068,8 @@
         </p:nvSpPr>
         <p:spPr bwMode="auto">
           <a:xfrm flipH="0" flipV="0">
-            <a:off x="3291826" y="8523279"/>
-            <a:ext cx="5145247" cy="488039"/>
+            <a:off x="3562349" y="8218478"/>
+            <a:ext cx="5155326" cy="488039"/>
           </a:xfrm>
           <a:prstGeom prst="rect">
             <a:avLst/>
@@ -4352,7 +4095,7 @@
                 <a:ea typeface="Agave"/>
                 <a:cs typeface="Agave"/>
               </a:rPr>
-              <a:t>Glycemic Load per day</a:t>
+              <a:t>Prevalence of Type 2 diabetes</a:t>
             </a:r>
             <a:endParaRPr sz="2600">
               <a:solidFill>
@@ -4368,14 +4111,14 @@
       </p:sp>
       <p:sp>
         <p:nvSpPr>
-          <p:cNvPr id="1182499993" name="TextBox 6"/>
+          <p:cNvPr id="2119404911" name="TextBox 6"/>
           <p:cNvSpPr txBox="1"/>
           <p:nvPr/>
         </p:nvSpPr>
         <p:spPr bwMode="auto">
           <a:xfrm rot="0" flipH="0" flipV="0">
-            <a:off x="353745" y="9405342"/>
-            <a:ext cx="3410420" cy="782425"/>
+            <a:off x="6297108" y="5354903"/>
+            <a:ext cx="3365829" cy="1688450"/>
           </a:xfrm>
           <a:prstGeom prst="rect">
             <a:avLst/>
@@ -4387,14 +4130,14 @@
           </a:bodyPr>
           <a:lstStyle/>
           <a:p>
-            <a:pPr algn="ctr">
+            <a:pPr algn="l">
               <a:lnSpc>
-                <a:spcPts val="6158"/>
+                <a:spcPct val="100000"/>
               </a:lnSpc>
               <a:defRPr/>
             </a:pPr>
             <a:r>
-              <a:rPr lang="en-US" sz="2600" b="0">
+              <a:rPr lang="en-US" sz="2200" b="0">
                 <a:solidFill>
                   <a:schemeClr val="bg1"/>
                 </a:solidFill>
@@ -4402,38 +4145,63 @@
                 <a:ea typeface="Agave"/>
                 <a:cs typeface="Agave"/>
               </a:rPr>
-              <a:t>Why Do I Get Sick?</a:t>
-            </a:r>
-            <a:endParaRPr sz="2600" b="0">
+              <a:t>those who </a:t>
+            </a:r>
+            <a:r>
+              <a:rPr lang="en-US" sz="2200" b="0">
+                <a:solidFill>
+                  <a:schemeClr val="bg1"/>
+                </a:solidFill>
+                <a:latin typeface="Open Sans"/>
+                <a:ea typeface="Open Sans"/>
+                <a:cs typeface="Open Sans"/>
+              </a:rPr>
+              <a:t>consume </a:t>
+            </a:r>
+            <a:r>
+              <a:rPr lang="en-US" sz="2200" b="0">
+                <a:solidFill>
+                  <a:schemeClr val="bg1"/>
+                </a:solidFill>
+                <a:latin typeface="Agave"/>
+                <a:ea typeface="Agave"/>
+                <a:cs typeface="Agave"/>
+              </a:rPr>
+              <a:t>mostly plant products have the lowest prevalence of type 2 diabetes </a:t>
+            </a:r>
+            <a:endParaRPr lang="en-US" sz="2200" b="0">
               <a:solidFill>
                 <a:schemeClr val="bg1"/>
               </a:solidFill>
-              <a:latin typeface="Tinos"/>
-              <a:cs typeface="Tinos"/>
+              <a:latin typeface="Agave"/>
+              <a:ea typeface="Agave"/>
+              <a:cs typeface="Agave"/>
             </a:endParaRPr>
           </a:p>
         </p:txBody>
       </p:sp>
       <p:cxnSp>
         <p:nvCxnSpPr>
-          <p:cNvPr id="1961066754" name=""/>
+          <p:cNvPr id="0" name=""/>
           <p:cNvCxnSpPr>
             <a:cxnSpLocks/>
           </p:cNvCxnSpPr>
           <p:nvPr/>
         </p:nvCxnSpPr>
         <p:spPr bwMode="auto">
-          <a:xfrm rot="10799989" flipH="0" flipV="0">
-            <a:off x="1092134" y="1906133"/>
-            <a:ext cx="0" cy="6361203"/>
+          <a:xfrm rot="0" flipH="1" flipV="0">
+            <a:off x="2592748" y="6134097"/>
+            <a:ext cx="3598498" cy="464997"/>
           </a:xfrm>
-          <a:prstGeom prst="line">
-            <a:avLst/>
+          <a:prstGeom prst="curvedConnector3">
+            <a:avLst>
+              <a:gd name="adj1" fmla="val 122580"/>
+            </a:avLst>
           </a:prstGeom>
-          <a:ln w="57150" cap="flat" cmpd="sng" algn="ctr">
+          <a:ln w="38099" cap="flat" cmpd="sng" algn="ctr">
             <a:solidFill>
               <a:schemeClr val="bg1">
-                <a:lumMod val="74901"/>
+                <a:lumMod val="94901"/>
               </a:schemeClr>
             </a:solidFill>
             <a:prstDash val="solid"/>
@@ -4457,182 +4225,580 @@
           </a:fontRef>
         </p:style>
       </p:cxnSp>
-      <p:cxnSp>
-        <p:nvCxnSpPr>
-          <p:cNvPr id="0" name=""/>
-          <p:cNvCxnSpPr>
-            <a:cxnSpLocks/>
-          </p:cNvCxnSpPr>
+      <p:sp>
+        <p:nvSpPr>
+          <p:cNvPr id="1730009929" name="TextBox 6"/>
+          <p:cNvSpPr txBox="1"/>
           <p:nvPr/>
-        </p:nvCxnSpPr>
+        </p:nvSpPr>
         <p:spPr bwMode="auto">
-          <a:xfrm rot="5399976" flipH="0" flipV="1">
-            <a:off x="7505042" y="2775387"/>
-            <a:ext cx="689741" cy="2430516"/>
+          <a:xfrm rot="0" flipH="0" flipV="0">
+            <a:off x="3901477" y="2994021"/>
+            <a:ext cx="5419185" cy="396599"/>
           </a:xfrm>
-          <a:prstGeom prst="curvedConnector2">
+          <a:prstGeom prst="rect">
             <a:avLst/>
           </a:prstGeom>
-          <a:ln w="38099" cap="flat" cmpd="sng" algn="ctr">
+        </p:spPr>
+        <p:txBody>
+          <a:bodyPr lIns="0" tIns="0" rIns="0" bIns="0" rtlCol="0" anchor="t">
+            <a:spAutoFit/>
+          </a:bodyPr>
+          <a:lstStyle/>
+          <a:p>
+            <a:pPr algn="l">
+              <a:lnSpc>
+                <a:spcPct val="100000"/>
+              </a:lnSpc>
+              <a:defRPr/>
+            </a:pPr>
+            <a:r>
+              <a:rPr lang="en-US" sz="2600" b="0" i="0" u="none" strike="noStrike" cap="none" spc="0">
+                <a:solidFill>
+                  <a:schemeClr val="tx2"/>
+                </a:solidFill>
+                <a:latin typeface="Agave"/>
+                <a:ea typeface="Agave"/>
+                <a:cs typeface="Agave"/>
+              </a:rPr>
+              <a:t>——🌱</a:t>
+            </a:r>
+            <a:r>
+              <a:rPr lang="en-US" sz="2600" b="0" i="0" u="none" strike="noStrike" cap="none" spc="0">
+                <a:solidFill>
+                  <a:schemeClr val="tx2"/>
+                </a:solidFill>
+                <a:latin typeface="Agave"/>
+                <a:ea typeface="Agave"/>
+                <a:cs typeface="Agave"/>
+              </a:rPr>
+              <a:t>🧀</a:t>
+            </a:r>
+            <a:r>
+              <a:rPr lang="en-US" sz="2600" b="0" i="0" u="none" strike="noStrike" cap="none" spc="0">
+                <a:solidFill>
+                  <a:schemeClr val="tx2"/>
+                </a:solidFill>
+                <a:latin typeface="Agave"/>
+                <a:ea typeface="Agave"/>
+                <a:cs typeface="Agave"/>
+              </a:rPr>
+              <a:t>🐟</a:t>
+            </a:r>
+            <a:r>
+              <a:rPr lang="en-US" sz="2600" b="0" i="0" u="none" strike="noStrike" cap="none" spc="0">
+                <a:solidFill>
+                  <a:schemeClr val="tx2"/>
+                </a:solidFill>
+                <a:latin typeface="Agave"/>
+                <a:ea typeface="Agave"/>
+                <a:cs typeface="Agave"/>
+              </a:rPr>
+              <a:t>🍖</a:t>
+            </a:r>
+            <a:r>
+              <a:rPr lang="en-US" sz="2600" b="0" i="0" u="none" strike="noStrike" cap="none" spc="0">
+                <a:solidFill>
+                  <a:schemeClr val="tx2"/>
+                </a:solidFill>
+                <a:latin typeface="Agave"/>
+                <a:ea typeface="Agave"/>
+                <a:cs typeface="Agave"/>
+              </a:rPr>
+              <a:t>🥩—————————————————</a:t>
+            </a:r>
+            <a:endParaRPr sz="1800" b="0">
+              <a:solidFill>
+                <a:schemeClr val="tx2"/>
+              </a:solidFill>
+              <a:latin typeface="Agave"/>
+              <a:ea typeface="Agave"/>
+              <a:cs typeface="Agave"/>
+            </a:endParaRPr>
+          </a:p>
+        </p:txBody>
+      </p:sp>
+      <p:sp>
+        <p:nvSpPr>
+          <p:cNvPr id="1200676914" name="TextBox 6"/>
+          <p:cNvSpPr txBox="1"/>
+          <p:nvPr/>
+        </p:nvSpPr>
+        <p:spPr bwMode="auto">
+          <a:xfrm rot="0" flipH="0" flipV="0">
+            <a:off x="3863376" y="3813169"/>
+            <a:ext cx="4494258" cy="396599"/>
+          </a:xfrm>
+          <a:prstGeom prst="rect">
+            <a:avLst/>
+          </a:prstGeom>
+        </p:spPr>
+        <p:txBody>
+          <a:bodyPr lIns="0" tIns="0" rIns="0" bIns="0" rtlCol="0" anchor="t">
+            <a:spAutoFit/>
+          </a:bodyPr>
+          <a:lstStyle/>
+          <a:p>
+            <a:pPr algn="l">
+              <a:lnSpc>
+                <a:spcPct val="100000"/>
+              </a:lnSpc>
+              <a:defRPr/>
+            </a:pPr>
+            <a:r>
+              <a:rPr lang="en-US" sz="2600" b="0" i="0" u="none" strike="noStrike" cap="none" spc="0">
+                <a:solidFill>
+                  <a:schemeClr val="tx2"/>
+                </a:solidFill>
+                <a:latin typeface="Agave"/>
+                <a:ea typeface="Agave"/>
+                <a:cs typeface="Agave"/>
+              </a:rPr>
+              <a:t>——🌱</a:t>
+            </a:r>
+            <a:r>
+              <a:rPr lang="en-US" sz="2600" b="0" i="0" u="none" strike="noStrike" cap="none" spc="0">
+                <a:solidFill>
+                  <a:schemeClr val="tx2"/>
+                </a:solidFill>
+                <a:latin typeface="Agave"/>
+                <a:ea typeface="Agave"/>
+                <a:cs typeface="Agave"/>
+              </a:rPr>
+              <a:t>🧀</a:t>
+            </a:r>
+            <a:r>
+              <a:rPr lang="en-US" sz="2600" b="0" i="0" u="none" strike="noStrike" cap="none" spc="0">
+                <a:solidFill>
+                  <a:schemeClr val="tx2"/>
+                </a:solidFill>
+                <a:latin typeface="Agave"/>
+                <a:ea typeface="Agave"/>
+                <a:cs typeface="Agave"/>
+              </a:rPr>
+              <a:t>🐟</a:t>
+            </a:r>
+            <a:r>
+              <a:rPr lang="en-US" sz="2600" b="0" i="0" u="none" strike="noStrike" cap="none" spc="0">
+                <a:solidFill>
+                  <a:schemeClr val="tx2"/>
+                </a:solidFill>
+                <a:latin typeface="Agave"/>
+                <a:ea typeface="Agave"/>
+                <a:cs typeface="Agave"/>
+              </a:rPr>
+              <a:t>🍖—————————————</a:t>
+            </a:r>
+            <a:endParaRPr sz="1800" b="0">
+              <a:solidFill>
+                <a:schemeClr val="tx2"/>
+              </a:solidFill>
+              <a:latin typeface="Agave"/>
+              <a:ea typeface="Agave"/>
+              <a:cs typeface="Agave"/>
+            </a:endParaRPr>
+          </a:p>
+        </p:txBody>
+      </p:sp>
+      <p:sp>
+        <p:nvSpPr>
+          <p:cNvPr id="437785497" name="TextBox 6"/>
+          <p:cNvSpPr txBox="1"/>
+          <p:nvPr/>
+        </p:nvSpPr>
+        <p:spPr bwMode="auto">
+          <a:xfrm rot="0" flipH="0" flipV="0">
+            <a:off x="3863376" y="4670419"/>
+            <a:ext cx="3306100" cy="792839"/>
+          </a:xfrm>
+          <a:prstGeom prst="rect">
+            <a:avLst/>
+          </a:prstGeom>
+        </p:spPr>
+        <p:txBody>
+          <a:bodyPr lIns="0" tIns="0" rIns="0" bIns="0" rtlCol="0" anchor="t">
+            <a:spAutoFit/>
+          </a:bodyPr>
+          <a:lstStyle/>
+          <a:p>
+            <a:pPr algn="l">
+              <a:lnSpc>
+                <a:spcPct val="100000"/>
+              </a:lnSpc>
+              <a:defRPr/>
+            </a:pPr>
+            <a:r>
+              <a:rPr lang="en-US" sz="2600" b="0" i="0" u="none" strike="noStrike" cap="none" spc="0">
+                <a:solidFill>
+                  <a:schemeClr val="tx2"/>
+                </a:solidFill>
+                <a:latin typeface="Agave"/>
+                <a:ea typeface="Agave"/>
+                <a:cs typeface="Agave"/>
+              </a:rPr>
+              <a:t>——🌱</a:t>
+            </a:r>
+            <a:r>
+              <a:rPr lang="en-US" sz="2600" b="0" i="0" u="none" strike="noStrike" cap="none" spc="0">
+                <a:solidFill>
+                  <a:schemeClr val="tx2"/>
+                </a:solidFill>
+                <a:latin typeface="Agave"/>
+                <a:ea typeface="Agave"/>
+                <a:cs typeface="Agave"/>
+              </a:rPr>
+              <a:t>🧀</a:t>
+            </a:r>
+            <a:r>
+              <a:rPr lang="en-US" sz="2600" b="0" i="0" u="none" strike="noStrike" cap="none" spc="0">
+                <a:solidFill>
+                  <a:schemeClr val="tx2"/>
+                </a:solidFill>
+                <a:latin typeface="Agave"/>
+                <a:ea typeface="Agave"/>
+                <a:cs typeface="Agave"/>
+              </a:rPr>
+              <a:t>🐟————————————</a:t>
+            </a:r>
+            <a:endParaRPr sz="1800" b="0">
+              <a:solidFill>
+                <a:schemeClr val="tx2"/>
+              </a:solidFill>
+              <a:latin typeface="Agave"/>
+              <a:ea typeface="Agave"/>
+              <a:cs typeface="Agave"/>
+            </a:endParaRPr>
+          </a:p>
+        </p:txBody>
+      </p:sp>
+      <p:sp>
+        <p:nvSpPr>
+          <p:cNvPr id="93539498" name="TextBox 6"/>
+          <p:cNvSpPr txBox="1"/>
+          <p:nvPr/>
+        </p:nvSpPr>
+        <p:spPr bwMode="auto">
+          <a:xfrm rot="0" flipH="0" flipV="0">
+            <a:off x="3825279" y="5584818"/>
+            <a:ext cx="3305020" cy="396599"/>
+          </a:xfrm>
+          <a:prstGeom prst="rect">
+            <a:avLst/>
+          </a:prstGeom>
+        </p:spPr>
+        <p:txBody>
+          <a:bodyPr lIns="0" tIns="0" rIns="0" bIns="0" rtlCol="0" anchor="t">
+            <a:spAutoFit/>
+          </a:bodyPr>
+          <a:lstStyle/>
+          <a:p>
+            <a:pPr algn="l">
+              <a:lnSpc>
+                <a:spcPct val="100000"/>
+              </a:lnSpc>
+              <a:defRPr/>
+            </a:pPr>
+            <a:r>
+              <a:rPr lang="en-US" sz="2600" b="0" i="0" u="none" strike="noStrike" cap="none" spc="0">
+                <a:solidFill>
+                  <a:schemeClr val="tx2"/>
+                </a:solidFill>
+                <a:latin typeface="Agave"/>
+                <a:ea typeface="Agave"/>
+                <a:cs typeface="Agave"/>
+              </a:rPr>
+              <a:t>——🌱</a:t>
+            </a:r>
+            <a:r>
+              <a:rPr lang="en-US" sz="2600" b="0" i="0" u="none" strike="noStrike" cap="none" spc="0">
+                <a:solidFill>
+                  <a:schemeClr val="tx2"/>
+                </a:solidFill>
+                <a:latin typeface="Agave"/>
+                <a:ea typeface="Agave"/>
+                <a:cs typeface="Agave"/>
+              </a:rPr>
+              <a:t>🧀——————</a:t>
+            </a:r>
+            <a:endParaRPr sz="1800" b="0">
+              <a:solidFill>
+                <a:schemeClr val="tx2"/>
+              </a:solidFill>
+              <a:latin typeface="Agave"/>
+              <a:ea typeface="Agave"/>
+              <a:cs typeface="Agave"/>
+            </a:endParaRPr>
+          </a:p>
+        </p:txBody>
+      </p:sp>
+      <p:sp>
+        <p:nvSpPr>
+          <p:cNvPr id="70580216" name="TextBox 6"/>
+          <p:cNvSpPr txBox="1"/>
+          <p:nvPr/>
+        </p:nvSpPr>
+        <p:spPr bwMode="auto">
+          <a:xfrm rot="0" flipH="0" flipV="0">
+            <a:off x="3787176" y="6403968"/>
+            <a:ext cx="3305380" cy="396599"/>
+          </a:xfrm>
+          <a:prstGeom prst="rect">
+            <a:avLst/>
+          </a:prstGeom>
+        </p:spPr>
+        <p:txBody>
+          <a:bodyPr lIns="0" tIns="0" rIns="0" bIns="0" rtlCol="0" anchor="t">
+            <a:spAutoFit/>
+          </a:bodyPr>
+          <a:lstStyle/>
+          <a:p>
+            <a:pPr algn="l">
+              <a:lnSpc>
+                <a:spcPct val="100000"/>
+              </a:lnSpc>
+              <a:defRPr/>
+            </a:pPr>
+            <a:r>
+              <a:rPr lang="en-US" sz="2600" b="0" i="0" u="none" strike="noStrike" cap="none" spc="0">
+                <a:solidFill>
+                  <a:schemeClr val="tx2"/>
+                </a:solidFill>
+                <a:latin typeface="Agave"/>
+                <a:ea typeface="Agave"/>
+                <a:cs typeface="Agave"/>
+              </a:rPr>
+              <a:t>——🌱———————</a:t>
+            </a:r>
+            <a:endParaRPr sz="1800" b="0">
+              <a:solidFill>
+                <a:schemeClr val="tx2"/>
+              </a:solidFill>
+              <a:latin typeface="Agave"/>
+              <a:ea typeface="Agave"/>
+              <a:cs typeface="Agave"/>
+            </a:endParaRPr>
+          </a:p>
+        </p:txBody>
+      </p:sp>
+      <p:sp>
+        <p:nvSpPr>
+          <p:cNvPr id="17123962" name="TextBox 6"/>
+          <p:cNvSpPr txBox="1"/>
+          <p:nvPr/>
+        </p:nvSpPr>
+        <p:spPr bwMode="auto">
+          <a:xfrm rot="0" flipH="0" flipV="0">
+            <a:off x="-291593" y="163459"/>
+            <a:ext cx="11076679" cy="1056618"/>
+          </a:xfrm>
+          <a:prstGeom prst="rect">
+            <a:avLst/>
+          </a:prstGeom>
+        </p:spPr>
+        <p:txBody>
+          <a:bodyPr lIns="0" tIns="0" rIns="0" bIns="0" rtlCol="0" anchor="t">
+            <a:spAutoFit/>
+          </a:bodyPr>
+          <a:lstStyle/>
+          <a:p>
+            <a:pPr algn="ctr">
+              <a:lnSpc>
+                <a:spcPts val="6157"/>
+              </a:lnSpc>
+              <a:defRPr/>
+            </a:pPr>
+            <a:r>
+              <a:rPr lang="en-US" sz="2700" b="0" i="0" u="none" strike="noStrike" cap="none" spc="0">
+                <a:solidFill>
+                  <a:schemeClr val="bg1"/>
+                </a:solidFill>
+                <a:latin typeface="Agave"/>
+                <a:ea typeface="Agave"/>
+                <a:cs typeface="Agave"/>
+              </a:rPr>
+              <a:t>Animal Products and Type 2 Diabetes</a:t>
+            </a:r>
+            <a:endParaRPr sz="2700" b="0">
+              <a:solidFill>
+                <a:schemeClr val="bg1"/>
+              </a:solidFill>
+              <a:latin typeface="Tinos"/>
+              <a:cs typeface="Tinos"/>
+            </a:endParaRPr>
+          </a:p>
+          <a:p>
+            <a:pPr>
+              <a:defRPr/>
+            </a:pPr>
+            <a:endParaRPr>
+              <a:solidFill>
+                <a:schemeClr val="bg1"/>
+              </a:solidFill>
+            </a:endParaRPr>
+          </a:p>
+        </p:txBody>
+      </p:sp>
+      <p:sp>
+        <p:nvSpPr>
+          <p:cNvPr id="1096498349" name="TextBox 6"/>
+          <p:cNvSpPr txBox="1"/>
+          <p:nvPr/>
+        </p:nvSpPr>
+        <p:spPr bwMode="auto">
+          <a:xfrm rot="0" flipH="0" flipV="0">
+            <a:off x="-80784" y="710786"/>
+            <a:ext cx="10567578" cy="782425"/>
+          </a:xfrm>
+          <a:prstGeom prst="rect">
+            <a:avLst/>
+          </a:prstGeom>
+        </p:spPr>
+        <p:txBody>
+          <a:bodyPr lIns="0" tIns="0" rIns="0" bIns="0" rtlCol="0" anchor="t">
+            <a:spAutoFit/>
+          </a:bodyPr>
+          <a:lstStyle/>
+          <a:p>
+            <a:pPr algn="ctr">
+              <a:lnSpc>
+                <a:spcPts val="6157"/>
+              </a:lnSpc>
+              <a:defRPr/>
+            </a:pPr>
+            <a:r>
+              <a:rPr lang="en-US" sz="2000" b="0">
+                <a:solidFill>
+                  <a:schemeClr val="accent1">
+                    <a:lumMod val="60000"/>
+                    <a:lumOff val="40000"/>
+                  </a:schemeClr>
+                </a:solidFill>
+                <a:latin typeface="Agave"/>
+                <a:ea typeface="Agave"/>
+                <a:cs typeface="Agave"/>
+              </a:rPr>
+              <a:t>Barnard et al, </a:t>
+            </a:r>
+            <a:r>
+              <a:rPr lang="en-US" sz="2000" b="0" i="0" u="none" strike="noStrike" cap="none" spc="0">
+                <a:solidFill>
+                  <a:schemeClr val="accent1">
+                    <a:lumMod val="60000"/>
+                    <a:lumOff val="40000"/>
+                  </a:schemeClr>
+                </a:solidFill>
+                <a:latin typeface="Agave"/>
+                <a:ea typeface="Agave"/>
+                <a:cs typeface="Agave"/>
+              </a:rPr>
+              <a:t>Nutrients 2014, 6, 897-910</a:t>
+            </a:r>
+            <a:endParaRPr sz="2600" b="0">
+              <a:solidFill>
+                <a:schemeClr val="bg1"/>
+              </a:solidFill>
+              <a:latin typeface="Tinos"/>
+              <a:cs typeface="Tinos"/>
+            </a:endParaRPr>
+          </a:p>
+        </p:txBody>
+      </p:sp>
+      <p:sp>
+        <p:nvSpPr>
+          <p:cNvPr id="1408898935" name="TextBox 6"/>
+          <p:cNvSpPr txBox="1"/>
+          <p:nvPr/>
+        </p:nvSpPr>
+        <p:spPr bwMode="auto">
+          <a:xfrm rot="0" flipH="0" flipV="0">
+            <a:off x="501507" y="9279211"/>
+            <a:ext cx="4016786" cy="782298"/>
+          </a:xfrm>
+          <a:prstGeom prst="rect">
+            <a:avLst/>
+          </a:prstGeom>
+        </p:spPr>
+        <p:txBody>
+          <a:bodyPr lIns="0" tIns="0" rIns="0" bIns="0" rtlCol="0" anchor="t">
+            <a:spAutoFit/>
+          </a:bodyPr>
+          <a:lstStyle/>
+          <a:p>
+            <a:pPr algn="ctr">
+              <a:lnSpc>
+                <a:spcPts val="6156"/>
+              </a:lnSpc>
+              <a:defRPr/>
+            </a:pPr>
+            <a:r>
+              <a:rPr lang="en-US" sz="2600" b="0">
+                <a:solidFill>
+                  <a:schemeClr val="bg1"/>
+                </a:solidFill>
+                <a:latin typeface="Agave"/>
+                <a:ea typeface="Agave"/>
+                <a:cs typeface="Agave"/>
+              </a:rPr>
+              <a:t>Counsels on Lifestyle</a:t>
+            </a:r>
+            <a:endParaRPr sz="2600" b="0">
+              <a:solidFill>
+                <a:schemeClr val="bg1"/>
+              </a:solidFill>
+              <a:latin typeface="Tinos"/>
+              <a:cs typeface="Tinos"/>
+            </a:endParaRPr>
+          </a:p>
+        </p:txBody>
+      </p:sp>
+      <p:sp>
+        <p:nvSpPr>
+          <p:cNvPr id="726204644" name=""/>
+          <p:cNvSpPr/>
+          <p:nvPr/>
+        </p:nvSpPr>
+        <p:spPr bwMode="auto">
+          <a:xfrm flipH="0" flipV="0">
+            <a:off x="25439" y="0"/>
+            <a:ext cx="10247583" cy="10286997"/>
+          </a:xfrm>
+          <a:prstGeom prst="rect">
+            <a:avLst/>
+          </a:prstGeom>
+          <a:noFill/>
+          <a:ln w="57150" cap="flat" cmpd="sng" algn="ctr">
             <a:solidFill>
               <a:schemeClr val="bg1"/>
             </a:solidFill>
             <a:prstDash val="solid"/>
-            <a:tailEnd type="arrow" len="med"/>
           </a:ln>
         </p:spPr>
         <p:style>
-          <a:lnRef idx="1">
+          <a:lnRef idx="2">
             <a:schemeClr val="accent1">
               <a:shade val="50000"/>
             </a:schemeClr>
           </a:lnRef>
-          <a:fillRef idx="0">
+          <a:fillRef idx="1">
             <a:schemeClr val="accent1"/>
           </a:fillRef>
           <a:effectRef idx="0">
             <a:schemeClr val="accent1"/>
           </a:effectRef>
           <a:fontRef idx="minor">
-            <a:schemeClr val="tx1"/>
+            <a:schemeClr val="lt1"/>
           </a:fontRef>
         </p:style>
-      </p:cxnSp>
-      <p:sp>
-        <p:nvSpPr>
-          <p:cNvPr id="1840234485" name=""/>
-          <p:cNvSpPr txBox="1"/>
-          <p:nvPr/>
-        </p:nvSpPr>
-        <p:spPr bwMode="auto">
-          <a:xfrm rot="16199969" flipH="0" flipV="0">
-            <a:off x="-1779197" y="4811119"/>
-            <a:ext cx="5159287" cy="427079"/>
-          </a:xfrm>
-          <a:prstGeom prst="rect">
-            <a:avLst/>
-          </a:prstGeom>
-          <a:noFill/>
-        </p:spPr>
-        <p:txBody>
-          <a:bodyPr vertOverflow="overflow" horzOverflow="overflow" vert="horz" wrap="square" lIns="91440" tIns="45720" rIns="91440" bIns="45720" numCol="1" spcCol="0" rtlCol="0" fromWordArt="0" anchor="t" anchorCtr="0" forceAA="0" upright="0" compatLnSpc="0">
-            <a:spAutoFit/>
-          </a:bodyPr>
-          <a:p>
-            <a:pPr>
-              <a:defRPr/>
-            </a:pPr>
-            <a:r>
-              <a:rPr sz="2200">
-                <a:solidFill>
-                  <a:schemeClr val="bg1">
-                    <a:lumMod val="75000"/>
-                  </a:schemeClr>
-                </a:solidFill>
-                <a:latin typeface="Agave"/>
-                <a:ea typeface="Agave"/>
-                <a:cs typeface="Agave"/>
-              </a:rPr>
-              <a:t>Risk of Cardiovascular Disease</a:t>
-            </a:r>
-            <a:endParaRPr sz="2200">
-              <a:solidFill>
-                <a:schemeClr val="bg1">
-                  <a:lumMod val="75000"/>
-                </a:schemeClr>
-              </a:solidFill>
-              <a:latin typeface="Agave"/>
-              <a:cs typeface="Agave"/>
-            </a:endParaRPr>
-          </a:p>
-        </p:txBody>
-      </p:sp>
-      <p:sp>
-        <p:nvSpPr>
-          <p:cNvPr id="1544106469" name=""/>
-          <p:cNvSpPr txBox="1"/>
-          <p:nvPr/>
-        </p:nvSpPr>
-        <p:spPr bwMode="auto">
-          <a:xfrm flipH="0" flipV="0">
-            <a:off x="1669830" y="3512187"/>
-            <a:ext cx="3891978" cy="457559"/>
-          </a:xfrm>
-          <a:prstGeom prst="rect">
-            <a:avLst/>
-          </a:prstGeom>
-          <a:noFill/>
-        </p:spPr>
-        <p:txBody>
-          <a:bodyPr vertOverflow="overflow" horzOverflow="overflow" vert="horz" wrap="square" lIns="91440" tIns="45720" rIns="91440" bIns="45720" numCol="1" spcCol="0" rtlCol="0" fromWordArt="0" anchor="t" anchorCtr="0" forceAA="0" upright="0" compatLnSpc="0">
-            <a:spAutoFit/>
-          </a:bodyPr>
-          <a:p>
-            <a:pPr>
-              <a:defRPr/>
-            </a:pPr>
-            <a:r>
-              <a:rPr sz="2400">
-                <a:solidFill>
-                  <a:schemeClr val="bg1"/>
-                </a:solidFill>
-                <a:latin typeface="Agave"/>
-                <a:ea typeface="Agave"/>
-                <a:cs typeface="Agave"/>
-              </a:rPr>
-              <a:t>range of risk</a:t>
-            </a:r>
-            <a:endParaRPr sz="2400">
-              <a:solidFill>
-                <a:schemeClr val="bg1"/>
-              </a:solidFill>
-              <a:latin typeface="Agave"/>
-              <a:cs typeface="Agave"/>
-            </a:endParaRPr>
-          </a:p>
-        </p:txBody>
-      </p:sp>
-      <p:cxnSp>
-        <p:nvCxnSpPr>
-          <p:cNvPr id="1921275789" name=""/>
-          <p:cNvCxnSpPr>
-            <a:cxnSpLocks/>
-          </p:cNvCxnSpPr>
-          <p:nvPr/>
-        </p:nvCxnSpPr>
-        <p:spPr bwMode="auto">
-          <a:xfrm rot="5399942" flipH="0" flipV="1">
-            <a:off x="4625201" y="2391769"/>
-            <a:ext cx="800111" cy="3941373"/>
-          </a:xfrm>
-          <a:prstGeom prst="curvedConnector2">
-            <a:avLst/>
-          </a:prstGeom>
-          <a:ln w="38099" cap="flat" cmpd="sng" algn="ctr">
-            <a:solidFill>
-              <a:schemeClr val="bg1"/>
-            </a:solidFill>
-            <a:prstDash val="solid"/>
-            <a:tailEnd type="arrow" len="med"/>
-          </a:ln>
-        </p:spPr>
-        <p:style>
-          <a:lnRef idx="1">
-            <a:schemeClr val="accent1">
-              <a:shade val="50000"/>
-            </a:schemeClr>
-          </a:lnRef>
-          <a:fillRef idx="0">
-            <a:schemeClr val="accent1"/>
-          </a:fillRef>
-          <a:effectRef idx="0">
-            <a:schemeClr val="accent1"/>
-          </a:effectRef>
-          <a:fontRef idx="minor">
-            <a:schemeClr val="tx1"/>
-          </a:fontRef>
-        </p:style>
-      </p:cxnSp>
+        <p:txBody>
+          <a:bodyPr/>
+          <a:p>
+            <a:pPr>
+              <a:defRPr/>
+            </a:pPr>
+            <a:endParaRPr/>
+          </a:p>
+        </p:txBody>
+      </p:sp>
     </p:spTree>
   </p:cSld>
   <p:clrMapOvr>
@@ -4767,62 +4933,14 @@
       </p:sp>
       <p:sp>
         <p:nvSpPr>
-          <p:cNvPr id="132835768" name="TextBox 6"/>
-          <p:cNvSpPr txBox="1"/>
-          <p:nvPr/>
-        </p:nvSpPr>
-        <p:spPr bwMode="auto">
-          <a:xfrm rot="0" flipH="0" flipV="0">
-            <a:off x="353745" y="9405342"/>
-            <a:ext cx="3410060" cy="782552"/>
-          </a:xfrm>
-          <a:prstGeom prst="rect">
-            <a:avLst/>
-          </a:prstGeom>
-        </p:spPr>
-        <p:txBody>
-          <a:bodyPr lIns="0" tIns="0" rIns="0" bIns="0" rtlCol="0" anchor="t">
-            <a:spAutoFit/>
-          </a:bodyPr>
-          <a:lstStyle/>
-          <a:p>
-            <a:pPr algn="ctr">
-              <a:lnSpc>
-                <a:spcPts val="6159"/>
-              </a:lnSpc>
-              <a:defRPr/>
-            </a:pPr>
-            <a:r>
-              <a:rPr lang="en-US" sz="2600" b="0">
-                <a:solidFill>
-                  <a:schemeClr val="bg1"/>
-                </a:solidFill>
-                <a:latin typeface="Agave"/>
-                <a:ea typeface="Agave"/>
-                <a:cs typeface="Agave"/>
-              </a:rPr>
-              <a:t>Why Do I Get Sick?</a:t>
-            </a:r>
-            <a:endParaRPr sz="2600" b="0">
-              <a:solidFill>
-                <a:schemeClr val="bg1"/>
-              </a:solidFill>
-              <a:latin typeface="Tinos"/>
-              <a:cs typeface="Tinos"/>
-            </a:endParaRPr>
-          </a:p>
-        </p:txBody>
-      </p:sp>
-      <p:sp>
-        <p:nvSpPr>
           <p:cNvPr id="1708333852" name=""/>
           <p:cNvSpPr txBox="1"/>
           <p:nvPr/>
         </p:nvSpPr>
         <p:spPr bwMode="auto">
           <a:xfrm flipH="0" flipV="0">
-            <a:off x="1028692" y="1785080"/>
-            <a:ext cx="8477794" cy="7772759"/>
+            <a:off x="1028691" y="1785078"/>
+            <a:ext cx="8623592" cy="8016599"/>
           </a:xfrm>
           <a:prstGeom prst="rect">
             <a:avLst/>
@@ -4846,7 +4964,29 @@
                 <a:ea typeface="Agave"/>
                 <a:cs typeface="Agave"/>
               </a:rPr>
-              <a:t>Glycemic Load means how quickly a food increases your blood sugar.</a:t>
+              <a:t>Meat consumption is </a:t>
+            </a:r>
+            <a:r>
+              <a:rPr lang="en-US" sz="2600" b="0" i="0" u="none" strike="noStrike" cap="none" spc="0">
+                <a:solidFill>
+                  <a:schemeClr val="accent3"/>
+                </a:solidFill>
+                <a:latin typeface="Agave"/>
+                <a:ea typeface="Agave"/>
+                <a:cs typeface="Agave"/>
+              </a:rPr>
+              <a:t>consistently </a:t>
+            </a:r>
+            <a:r>
+              <a:rPr lang="en-US" sz="2600" b="0" i="0" u="none" strike="noStrike" cap="none" spc="0">
+                <a:solidFill>
+                  <a:schemeClr val="bg1"/>
+                </a:solidFill>
+                <a:latin typeface="Agave"/>
+                <a:ea typeface="Agave"/>
+                <a:cs typeface="Agave"/>
+              </a:rPr>
+              <a:t>associated with diabetes risk. </a:t>
             </a:r>
             <a:endParaRPr lang="en-US" sz="2600" b="0" i="0" u="none" strike="noStrike" cap="none" spc="0">
               <a:solidFill>
@@ -4882,7 +5022,7 @@
                 <a:ea typeface="Agave"/>
                 <a:cs typeface="Agave"/>
               </a:rPr>
-              <a:t>Foods like added sugar, candy, white flour, white rice and breakfast meal and drinks with added sugar have a higher glycemic load than fruits and whole foods.</a:t>
+              <a:t>Recently published findings from the Chicago</a:t>
             </a:r>
             <a:endParaRPr lang="en-US" sz="2600" b="0" i="0" u="none" strike="noStrike" cap="none" spc="0">
               <a:solidFill>
@@ -4896,6 +5036,39 @@
             <a:pPr>
               <a:defRPr/>
             </a:pPr>
+            <a:r>
+              <a:rPr lang="en-US" sz="2600" b="0" i="0" u="none" strike="noStrike" cap="none" spc="0">
+                <a:solidFill>
+                  <a:schemeClr val="bg1"/>
+                </a:solidFill>
+                <a:latin typeface="Agave"/>
+                <a:ea typeface="Agave"/>
+                <a:cs typeface="Agave"/>
+              </a:rPr>
+              <a:t>Western Electric Study indicated an association between animal protein intake and obesity</a:t>
+            </a:r>
+            <a:r>
+              <a:rPr lang="en-US" sz="2600" b="0" i="0" u="none" strike="noStrike" cap="none" spc="0">
+                <a:solidFill>
+                  <a:schemeClr val="bg1"/>
+                </a:solidFill>
+                <a:latin typeface="Agave"/>
+                <a:ea typeface="Agave"/>
+                <a:cs typeface="Agave"/>
+              </a:rPr>
+              <a:t>. </a:t>
+            </a:r>
+            <a:r>
+              <a:rPr lang="en-US" sz="2600" b="0" i="0" u="none" strike="noStrike" cap="none" spc="0">
+                <a:solidFill>
+                  <a:schemeClr val="bg1"/>
+                </a:solidFill>
+                <a:latin typeface="Agave"/>
+                <a:ea typeface="Agave"/>
+                <a:cs typeface="Agave"/>
+              </a:rPr>
+              <a:t>A diet eliminating meat was shown to reduce visceral fat</a:t>
+            </a:r>
             <a:endParaRPr lang="en-US" sz="2600" b="0" i="0" u="none" strike="noStrike" cap="none" spc="0">
               <a:solidFill>
                 <a:schemeClr val="bg1"/>
@@ -4917,29 +5090,7 @@
                 <a:ea typeface="Agave"/>
                 <a:cs typeface="Agave"/>
               </a:rPr>
-              <a:t>A </a:t>
-            </a:r>
-            <a:r>
-              <a:rPr lang="en-US" sz="2600" b="0" i="0" u="none" strike="noStrike" cap="none" spc="0">
-                <a:solidFill>
-                  <a:schemeClr val="bg1"/>
-                </a:solidFill>
-                <a:latin typeface="Agave"/>
-                <a:ea typeface="Agave"/>
-                <a:cs typeface="Agave"/>
-              </a:rPr>
-              <a:t>glycemic load from refined foods like white rice increases the risk of </a:t>
-            </a:r>
-            <a:r>
-              <a:rPr lang="en-US" sz="2600" b="0" i="0" u="none" strike="noStrike" cap="none" spc="0">
-                <a:solidFill>
-                  <a:schemeClr val="bg1"/>
-                </a:solidFill>
-                <a:latin typeface="Agave"/>
-                <a:ea typeface="Agave"/>
-                <a:cs typeface="Agave"/>
-              </a:rPr>
-              <a:t>CVD, independent of known coronary disease risk factors.</a:t>
+              <a:t>and improve insulin sensitivity, compared with a more conventional diabetic diet</a:t>
             </a:r>
             <a:endParaRPr lang="en-US" sz="2600" b="0" i="0" u="none" strike="noStrike" cap="none" spc="0">
               <a:solidFill>
@@ -4951,42 +5102,6 @@
             </a:endParaRPr>
           </a:p>
           <a:p>
-            <a:pPr algn="l">
-              <a:defRPr/>
-            </a:pPr>
-            <a:endParaRPr sz="3600">
-              <a:solidFill>
-                <a:schemeClr val="bg1"/>
-              </a:solidFill>
-              <a:latin typeface="Agave"/>
-              <a:cs typeface="Agave"/>
-            </a:endParaRPr>
-          </a:p>
-          <a:p>
-            <a:pPr>
-              <a:defRPr/>
-            </a:pPr>
-            <a:r>
-              <a:rPr lang="en-US" sz="2600" b="0" i="0" u="none" strike="noStrike" cap="none" spc="0">
-                <a:solidFill>
-                  <a:schemeClr val="bg1"/>
-                </a:solidFill>
-                <a:latin typeface="Agave"/>
-                <a:ea typeface="Agave"/>
-                <a:cs typeface="Agave"/>
-              </a:rPr>
-              <a:t>The risk of CVD when taking a higher glycemic load was higher in women with above average weights</a:t>
-            </a:r>
-            <a:endParaRPr lang="en-US" sz="2600" b="0" i="0" u="none" strike="noStrike" cap="none" spc="0">
-              <a:solidFill>
-                <a:schemeClr val="bg1"/>
-              </a:solidFill>
-              <a:latin typeface="Agave"/>
-              <a:ea typeface="Agave"/>
-              <a:cs typeface="Agave"/>
-            </a:endParaRPr>
-          </a:p>
-          <a:p>
             <a:pPr>
               <a:defRPr/>
             </a:pPr>
@@ -5005,14 +5120,60 @@
             <a:r>
               <a:rPr lang="en-US" sz="2600" b="0" i="0" u="none" strike="noStrike" cap="none" spc="0">
                 <a:solidFill>
-                  <a:srgbClr val="FFC000"/>
-                </a:solidFill>
-                <a:latin typeface="Agave"/>
-                <a:ea typeface="Agave"/>
-                <a:cs typeface="Agave"/>
-              </a:rPr>
-              <a:t>Am I eating foods that are giving me a high glycemic load? How can I replace them with better foods that can protect me instead?</a:t>
-            </a:r>
+                  <a:schemeClr val="accent3"/>
+                </a:solidFill>
+                <a:latin typeface="Agave"/>
+                <a:ea typeface="Agave"/>
+                <a:cs typeface="Agave"/>
+              </a:rPr>
+              <a:t>Dietary habits are readily </a:t>
+            </a:r>
+            <a:r>
+              <a:rPr lang="en-US" sz="2600" b="0" i="0" u="none" strike="noStrike" cap="none" spc="0">
+                <a:solidFill>
+                  <a:schemeClr val="accent3"/>
+                </a:solidFill>
+                <a:latin typeface="Agave"/>
+                <a:ea typeface="Agave"/>
+                <a:cs typeface="Agave"/>
+              </a:rPr>
+              <a:t>modifiable</a:t>
+            </a:r>
+            <a:r>
+              <a:rPr lang="en-US" sz="2600" b="0" i="0" u="none" strike="noStrike" cap="none" spc="0">
+                <a:solidFill>
+                  <a:schemeClr val="bg1"/>
+                </a:solidFill>
+                <a:latin typeface="Agave"/>
+                <a:ea typeface="Agave"/>
+                <a:cs typeface="Agave"/>
+              </a:rPr>
+              <a:t>, but individuals and clinicians will consider dietary changes only if they are aware of the </a:t>
+            </a:r>
+            <a:r>
+              <a:rPr lang="en-US" sz="2600" b="0" i="0" u="none" strike="noStrike" cap="none" spc="0">
+                <a:solidFill>
+                  <a:schemeClr val="bg1"/>
+                </a:solidFill>
+                <a:latin typeface="Agave"/>
+                <a:ea typeface="Agave"/>
+                <a:cs typeface="Agave"/>
+              </a:rPr>
+              <a:t>potential benefits of doing so. </a:t>
+            </a:r>
+            <a:endParaRPr sz="2600" b="0" i="0" u="none" strike="noStrike" cap="none" spc="0">
+              <a:solidFill>
+                <a:schemeClr val="accent3"/>
+              </a:solidFill>
+              <a:latin typeface="Agave"/>
+              <a:ea typeface="Agave"/>
+              <a:cs typeface="Agave"/>
+            </a:endParaRPr>
+          </a:p>
+          <a:p>
+            <a:pPr>
+              <a:defRPr/>
+            </a:pPr>
             <a:endParaRPr lang="en-US" sz="2600" b="0" i="0" u="none" strike="noStrike" cap="none" spc="0">
               <a:solidFill>
                 <a:schemeClr val="bg1"/>
@@ -5025,6 +5186,51 @@
             <a:pPr>
               <a:defRPr/>
             </a:pPr>
+            <a:r>
+              <a:rPr lang="en-US" sz="2600" b="0" i="0" u="none" strike="noStrike" cap="none" spc="0">
+                <a:solidFill>
+                  <a:srgbClr val="FFC000"/>
+                </a:solidFill>
+                <a:latin typeface="Agave"/>
+                <a:ea typeface="Agave"/>
+                <a:cs typeface="Agave"/>
+              </a:rPr>
+              <a:t>What are the potential benefits that changing my diet might bring me? How can I slowly replace some foods with more </a:t>
+            </a:r>
+            <a:r>
+              <a:rPr lang="en-US" sz="2600" b="0" i="0" u="none" strike="noStrike" cap="none" spc="0">
+                <a:solidFill>
+                  <a:srgbClr val="FFC000"/>
+                </a:solidFill>
+                <a:latin typeface="Agave"/>
+                <a:ea typeface="Agave"/>
+                <a:cs typeface="Agave"/>
+              </a:rPr>
+              <a:t>nutritious</a:t>
+            </a:r>
+            <a:r>
+              <a:rPr lang="en-US" sz="2600" b="0" i="0" u="none" strike="noStrike" cap="none" spc="0">
+                <a:solidFill>
+                  <a:srgbClr val="FFC000"/>
+                </a:solidFill>
+                <a:latin typeface="Agave"/>
+                <a:ea typeface="Agave"/>
+                <a:cs typeface="Agave"/>
+              </a:rPr>
+              <a:t> ones if I do change my diet?</a:t>
+            </a:r>
+            <a:endParaRPr lang="en-US" sz="2600" b="0" i="0" u="none" strike="noStrike" cap="none" spc="0">
+              <a:solidFill>
+                <a:schemeClr val="bg1"/>
+              </a:solidFill>
+              <a:latin typeface="Agave"/>
+              <a:cs typeface="Agave"/>
+            </a:endParaRPr>
+          </a:p>
+          <a:p>
+            <a:pPr>
+              <a:defRPr/>
+            </a:pPr>
             <a:endParaRPr sz="2600" b="0" i="0" u="none" strike="noStrike" cap="none" spc="0">
               <a:solidFill>
                 <a:schemeClr val="bg1"/>
@@ -5037,14 +5243,14 @@
       </p:sp>
       <p:sp>
         <p:nvSpPr>
-          <p:cNvPr id="207176182" name="TextBox 6"/>
+          <p:cNvPr id="361070276" name="TextBox 6"/>
           <p:cNvSpPr txBox="1"/>
           <p:nvPr/>
         </p:nvSpPr>
         <p:spPr bwMode="auto">
           <a:xfrm rot="0" flipH="0" flipV="0">
-            <a:off x="-291596" y="163461"/>
-            <a:ext cx="10968682" cy="1056872"/>
+            <a:off x="-80784" y="710786"/>
+            <a:ext cx="10567219" cy="782425"/>
           </a:xfrm>
           <a:prstGeom prst="rect">
             <a:avLst/>
@@ -5063,6 +5269,119 @@
               <a:defRPr/>
             </a:pPr>
             <a:r>
+              <a:rPr lang="en-US" sz="2000" b="0">
+                <a:solidFill>
+                  <a:schemeClr val="accent1">
+                    <a:lumMod val="60000"/>
+                    <a:lumOff val="40000"/>
+                  </a:schemeClr>
+                </a:solidFill>
+                <a:latin typeface="Agave"/>
+                <a:ea typeface="Agave"/>
+                <a:cs typeface="Agave"/>
+              </a:rPr>
+              <a:t>Barnard et al, </a:t>
+            </a:r>
+            <a:r>
+              <a:rPr lang="en-US" sz="2000" b="0" i="0" u="none" strike="noStrike" cap="none" spc="0">
+                <a:solidFill>
+                  <a:schemeClr val="accent1">
+                    <a:lumMod val="60000"/>
+                    <a:lumOff val="40000"/>
+                  </a:schemeClr>
+                </a:solidFill>
+                <a:latin typeface="Agave"/>
+                <a:ea typeface="Agave"/>
+                <a:cs typeface="Agave"/>
+              </a:rPr>
+              <a:t>Nutrients 2014, 6, 897-910</a:t>
+            </a:r>
+            <a:endParaRPr sz="2600" b="0">
+              <a:solidFill>
+                <a:schemeClr val="bg1"/>
+              </a:solidFill>
+              <a:latin typeface="Tinos"/>
+              <a:cs typeface="Tinos"/>
+            </a:endParaRPr>
+          </a:p>
+        </p:txBody>
+      </p:sp>
+      <p:sp>
+        <p:nvSpPr>
+          <p:cNvPr id="425070444" name="TextBox 6"/>
+          <p:cNvSpPr txBox="1"/>
+          <p:nvPr/>
+        </p:nvSpPr>
+        <p:spPr bwMode="auto">
+          <a:xfrm rot="0" flipH="0" flipV="0">
+            <a:off x="501507" y="9279211"/>
+            <a:ext cx="4016786" cy="782298"/>
+          </a:xfrm>
+          <a:prstGeom prst="rect">
+            <a:avLst/>
+          </a:prstGeom>
+        </p:spPr>
+        <p:txBody>
+          <a:bodyPr lIns="0" tIns="0" rIns="0" bIns="0" rtlCol="0" anchor="t">
+            <a:spAutoFit/>
+          </a:bodyPr>
+          <a:lstStyle/>
+          <a:p>
+            <a:pPr algn="ctr">
+              <a:lnSpc>
+                <a:spcPts val="6156"/>
+              </a:lnSpc>
+              <a:defRPr/>
+            </a:pPr>
+            <a:r>
+              <a:rPr lang="en-US" sz="2600" b="0">
+                <a:solidFill>
+                  <a:schemeClr val="bg1"/>
+                </a:solidFill>
+                <a:latin typeface="Agave"/>
+                <a:ea typeface="Agave"/>
+                <a:cs typeface="Agave"/>
+              </a:rPr>
+              <a:t>Counsels on Lifestyle</a:t>
+            </a:r>
+            <a:endParaRPr sz="2600" b="0">
+              <a:solidFill>
+                <a:schemeClr val="bg1"/>
+              </a:solidFill>
+              <a:latin typeface="Tinos"/>
+              <a:cs typeface="Tinos"/>
+            </a:endParaRPr>
+          </a:p>
+        </p:txBody>
+      </p:sp>
+      <p:sp>
+        <p:nvSpPr>
+          <p:cNvPr id="224141577" name="TextBox 6"/>
+          <p:cNvSpPr txBox="1"/>
+          <p:nvPr/>
+        </p:nvSpPr>
+        <p:spPr bwMode="auto">
+          <a:xfrm rot="0" flipH="0" flipV="0">
+            <a:off x="-291593" y="163459"/>
+            <a:ext cx="11077038" cy="1056618"/>
+          </a:xfrm>
+          <a:prstGeom prst="rect">
+            <a:avLst/>
+          </a:prstGeom>
+        </p:spPr>
+        <p:txBody>
+          <a:bodyPr lIns="0" tIns="0" rIns="0" bIns="0" rtlCol="0" anchor="t">
+            <a:spAutoFit/>
+          </a:bodyPr>
+          <a:lstStyle/>
+          <a:p>
+            <a:pPr algn="ctr">
+              <a:lnSpc>
+                <a:spcPts val="6156"/>
+              </a:lnSpc>
+              <a:defRPr/>
+            </a:pPr>
+            <a:r>
               <a:rPr lang="en-US" sz="2700" b="0" i="0" u="none" strike="noStrike" cap="none" spc="0">
                 <a:solidFill>
                   <a:schemeClr val="bg1"/>
@@ -5071,7 +5390,7 @@
                 <a:ea typeface="Agave"/>
                 <a:cs typeface="Agave"/>
               </a:rPr>
-              <a:t>High Glycemic Loads Increase Cardiovascular Disease Risk</a:t>
+              <a:t>Animal Products and Type 2 Diabetes</a:t>
             </a:r>
             <a:endParaRPr sz="2700" b="0">
               <a:solidFill>
@@ -5095,66 +5414,49 @@
       </p:sp>
       <p:sp>
         <p:nvSpPr>
-          <p:cNvPr id="361070276" name="TextBox 6"/>
-          <p:cNvSpPr txBox="1"/>
+          <p:cNvPr id="987526966" name=""/>
+          <p:cNvSpPr/>
           <p:nvPr/>
         </p:nvSpPr>
         <p:spPr bwMode="auto">
-          <a:xfrm rot="0" flipH="0" flipV="0">
-            <a:off x="-80785" y="710787"/>
-            <a:ext cx="10561460" cy="782552"/>
+          <a:xfrm flipH="0" flipV="0">
+            <a:off x="25439" y="0"/>
+            <a:ext cx="10247583" cy="10286997"/>
           </a:xfrm>
           <a:prstGeom prst="rect">
             <a:avLst/>
           </a:prstGeom>
+          <a:noFill/>
+          <a:ln w="57150" cap="flat" cmpd="sng" algn="ctr">
+            <a:solidFill>
+              <a:schemeClr val="bg1"/>
+            </a:solidFill>
+            <a:prstDash val="solid"/>
+          </a:ln>
         </p:spPr>
-        <p:txBody>
-          <a:bodyPr lIns="0" tIns="0" rIns="0" bIns="0" rtlCol="0" anchor="t">
-            <a:spAutoFit/>
-          </a:bodyPr>
-          <a:lstStyle/>
-          <a:p>
-            <a:pPr algn="ctr">
-              <a:lnSpc>
-                <a:spcPts val="6158"/>
-              </a:lnSpc>
-              <a:defRPr/>
-            </a:pPr>
-            <a:r>
-              <a:rPr lang="en-US" sz="2000" b="0">
-                <a:solidFill>
-                  <a:schemeClr val="accent1">
-                    <a:lumMod val="60000"/>
-                    <a:lumOff val="40000"/>
-                  </a:schemeClr>
-                </a:solidFill>
-                <a:latin typeface="Agave"/>
-                <a:ea typeface="Agave"/>
-                <a:cs typeface="Agave"/>
-              </a:rPr>
-              <a:t>Liu et al, 2000, </a:t>
-            </a:r>
-            <a:r>
-              <a:rPr lang="en-US" sz="2000" b="0" i="0" u="none" strike="noStrike" cap="none" spc="0">
-                <a:solidFill>
-                  <a:schemeClr val="accent1">
-                    <a:lumMod val="60000"/>
-                    <a:lumOff val="40000"/>
-                  </a:schemeClr>
-                </a:solidFill>
-                <a:latin typeface="Agave"/>
-                <a:ea typeface="Agave"/>
-                <a:cs typeface="Agave"/>
-              </a:rPr>
-              <a:t>American Journal of Clinical Nutrition, 71(6), 1455–1461.</a:t>
-            </a:r>
-            <a:endParaRPr sz="2600" b="0">
-              <a:solidFill>
-                <a:schemeClr val="bg1"/>
-              </a:solidFill>
-              <a:latin typeface="Tinos"/>
-              <a:cs typeface="Tinos"/>
-            </a:endParaRPr>
+        <p:style>
+          <a:lnRef idx="2">
+            <a:schemeClr val="accent1">
+              <a:shade val="50000"/>
+            </a:schemeClr>
+          </a:lnRef>
+          <a:fillRef idx="1">
+            <a:schemeClr val="accent1"/>
+          </a:fillRef>
+          <a:effectRef idx="0">
+            <a:schemeClr val="accent1"/>
+          </a:effectRef>
+          <a:fontRef idx="minor">
+            <a:schemeClr val="lt1"/>
+          </a:fontRef>
+        </p:style>
+        <p:txBody>
+          <a:bodyPr/>
+          <a:p>
+            <a:pPr>
+              <a:defRPr/>
+            </a:pPr>
+            <a:endParaRPr/>
           </a:p>
         </p:txBody>
       </p:sp>
@@ -5292,14 +5594,435 @@
       </p:sp>
       <p:sp>
         <p:nvSpPr>
-          <p:cNvPr id="2023603822" name="TextBox 6"/>
+          <p:cNvPr id="1359300248" name=""/>
           <p:cNvSpPr txBox="1"/>
           <p:nvPr/>
         </p:nvSpPr>
         <p:spPr bwMode="auto">
+          <a:xfrm flipH="0" flipV="0">
+            <a:off x="1004102" y="1869804"/>
+            <a:ext cx="8308953" cy="7407000"/>
+          </a:xfrm>
+          <a:prstGeom prst="rect">
+            <a:avLst/>
+          </a:prstGeom>
+          <a:noFill/>
+        </p:spPr>
+        <p:txBody>
+          <a:bodyPr vertOverflow="overflow" horzOverflow="overflow" vert="horz" wrap="square" lIns="91440" tIns="45720" rIns="91440" bIns="45720" numCol="1" spcCol="0" rtlCol="0" fromWordArt="0" anchor="t" anchorCtr="0" forceAA="0" upright="0" compatLnSpc="0">
+            <a:spAutoFit/>
+          </a:bodyPr>
+          <a:p>
+            <a:pPr>
+              <a:defRPr/>
+            </a:pPr>
+            <a:r>
+              <a:rPr lang="en-US" sz="2400" b="0" i="0" u="none" strike="noStrike" cap="none" spc="0">
+                <a:solidFill>
+                  <a:schemeClr val="accent3"/>
+                </a:solidFill>
+                <a:latin typeface="Agave"/>
+                <a:ea typeface="Agave"/>
+                <a:cs typeface="Agave"/>
+              </a:rPr>
+              <a:t>When flesh is discarded,</a:t>
+            </a:r>
+            <a:r>
+              <a:rPr lang="en-US" sz="2400" b="0" i="0" u="none" strike="noStrike" cap="none" spc="0">
+                <a:solidFill>
+                  <a:schemeClr val="bg1"/>
+                </a:solidFill>
+                <a:latin typeface="Agave"/>
+                <a:ea typeface="Agave"/>
+                <a:cs typeface="Agave"/>
+              </a:rPr>
+              <a:t> its place should be supplied with </a:t>
+            </a:r>
+            <a:r>
+              <a:rPr lang="en-US" sz="2400" b="0" i="0" u="none" strike="noStrike" cap="none" spc="0">
+                <a:solidFill>
+                  <a:schemeClr val="bg1"/>
+                </a:solidFill>
+                <a:latin typeface="Agave"/>
+                <a:ea typeface="Agave"/>
+                <a:cs typeface="Agave"/>
+              </a:rPr>
+              <a:t>a </a:t>
+            </a:r>
+            <a:r>
+              <a:rPr lang="en-US" sz="2400" b="0" i="0" u="none" strike="noStrike" cap="none" spc="0">
+                <a:solidFill>
+                  <a:schemeClr val="accent3"/>
+                </a:solidFill>
+                <a:latin typeface="Agave"/>
+                <a:ea typeface="Agave"/>
+                <a:cs typeface="Agave"/>
+              </a:rPr>
+              <a:t>variety of grains, nuts, vegetables</a:t>
+            </a:r>
+            <a:r>
+              <a:rPr lang="en-US" sz="2400" b="0" i="0" u="none" strike="noStrike" cap="none" spc="0">
+                <a:solidFill>
+                  <a:schemeClr val="bg1"/>
+                </a:solidFill>
+                <a:latin typeface="Agave"/>
+                <a:ea typeface="Agave"/>
+                <a:cs typeface="Agave"/>
+              </a:rPr>
+              <a:t>, </a:t>
+            </a:r>
+            <a:r>
+              <a:rPr lang="en-US" sz="2400" b="0" i="0" u="none" strike="noStrike" cap="none" spc="0">
+                <a:solidFill>
+                  <a:schemeClr val="accent3"/>
+                </a:solidFill>
+                <a:latin typeface="Agave"/>
+                <a:ea typeface="Agave"/>
+                <a:cs typeface="Agave"/>
+              </a:rPr>
+              <a:t>and fruits</a:t>
+            </a:r>
+            <a:r>
+              <a:rPr lang="en-US" sz="2400" b="0" i="0" u="none" strike="noStrike" cap="none" spc="0">
+                <a:solidFill>
+                  <a:schemeClr val="bg1"/>
+                </a:solidFill>
+                <a:latin typeface="Agave"/>
+                <a:ea typeface="Agave"/>
+                <a:cs typeface="Agave"/>
+              </a:rPr>
+              <a:t>, </a:t>
+            </a:r>
+            <a:endParaRPr lang="en-US" sz="2400" b="0" i="0" u="none" strike="noStrike" cap="none" spc="0">
+              <a:solidFill>
+                <a:schemeClr val="bg1"/>
+              </a:solidFill>
+              <a:latin typeface="Agave"/>
+              <a:ea typeface="Agave"/>
+              <a:cs typeface="Agave"/>
+            </a:endParaRPr>
+          </a:p>
+          <a:p>
+            <a:pPr>
+              <a:defRPr/>
+            </a:pPr>
+            <a:endParaRPr lang="en-US" sz="2400" b="0" i="0" u="none" strike="noStrike" cap="none" spc="0">
+              <a:solidFill>
+                <a:schemeClr val="bg1"/>
+              </a:solidFill>
+              <a:latin typeface="Agave"/>
+              <a:cs typeface="Agave"/>
+            </a:endParaRPr>
+          </a:p>
+          <a:p>
+            <a:pPr>
+              <a:defRPr/>
+            </a:pPr>
+            <a:r>
+              <a:rPr lang="en-US" sz="2400" b="0" i="0" u="none" strike="noStrike" cap="none" spc="0">
+                <a:solidFill>
+                  <a:schemeClr val="accent3"/>
+                </a:solidFill>
+                <a:latin typeface="Agave"/>
+                <a:ea typeface="Agave"/>
+                <a:cs typeface="Agave"/>
+              </a:rPr>
+              <a:t>None should be urged </a:t>
+            </a:r>
+            <a:r>
+              <a:rPr lang="en-US" sz="2400" b="0" i="0" u="none" strike="noStrike" cap="none" spc="0">
+                <a:solidFill>
+                  <a:schemeClr val="accent3"/>
+                </a:solidFill>
+                <a:latin typeface="Agave"/>
+                <a:ea typeface="Agave"/>
+                <a:cs typeface="Agave"/>
+              </a:rPr>
+              <a:t>to make the change abruptly...</a:t>
+            </a:r>
+            <a:endParaRPr lang="en-US" sz="2400" b="0" i="0" u="none" strike="noStrike" cap="none" spc="0">
+              <a:solidFill>
+                <a:schemeClr val="accent3"/>
+              </a:solidFill>
+              <a:latin typeface="Agave"/>
+              <a:ea typeface="Agave"/>
+              <a:cs typeface="Agave"/>
+            </a:endParaRPr>
+          </a:p>
+          <a:p>
+            <a:pPr>
+              <a:defRPr/>
+            </a:pPr>
+            <a:endParaRPr lang="en-US" sz="2400" b="0" i="0" u="none" strike="noStrike" cap="none" spc="0">
+              <a:solidFill>
+                <a:schemeClr val="bg1"/>
+              </a:solidFill>
+              <a:latin typeface="Agave"/>
+              <a:ea typeface="Agave"/>
+              <a:cs typeface="Agave"/>
+            </a:endParaRPr>
+          </a:p>
+          <a:p>
+            <a:pPr>
+              <a:defRPr/>
+            </a:pPr>
+            <a:r>
+              <a:rPr lang="en-US" sz="2400" b="0" i="0" u="none" strike="noStrike" cap="none" spc="0">
+                <a:solidFill>
+                  <a:schemeClr val="bg1">
+                    <a:lumMod val="95000"/>
+                  </a:schemeClr>
+                </a:solidFill>
+                <a:latin typeface="Agave"/>
+                <a:ea typeface="Agave"/>
+                <a:cs typeface="Agave"/>
+              </a:rPr>
+              <a:t>L</a:t>
+            </a:r>
+            <a:r>
+              <a:rPr lang="en-US" sz="2400" b="0" i="0" u="none" strike="noStrike" cap="none" spc="0">
+                <a:solidFill>
+                  <a:schemeClr val="bg1">
+                    <a:lumMod val="95000"/>
+                  </a:schemeClr>
+                </a:solidFill>
+                <a:latin typeface="Agave"/>
+                <a:ea typeface="Agave"/>
+                <a:cs typeface="Agave"/>
+              </a:rPr>
+              <a:t>et</a:t>
+            </a:r>
+            <a:r>
+              <a:rPr lang="en-US" sz="2400" b="0" i="0" u="none" strike="noStrike" cap="none" spc="0">
+                <a:solidFill>
+                  <a:schemeClr val="bg1">
+                    <a:lumMod val="95000"/>
+                  </a:schemeClr>
+                </a:solidFill>
+                <a:latin typeface="Agave"/>
+                <a:ea typeface="Agave"/>
+                <a:cs typeface="Agave"/>
+              </a:rPr>
+              <a:t> the diet reform be progressive. Let the people be taught how to prepare food without the use of milk or butter. Tell them that the time will soon come when there will be no safety in using eggs, milk, cream, or butter, </a:t>
+            </a:r>
+            <a:endParaRPr lang="en-US" sz="2400" b="0" i="0" u="none" strike="noStrike" cap="none" spc="0">
+              <a:solidFill>
+                <a:schemeClr val="bg1">
+                  <a:lumMod val="95000"/>
+                </a:schemeClr>
+              </a:solidFill>
+              <a:latin typeface="Agave"/>
+              <a:ea typeface="Agave"/>
+              <a:cs typeface="Agave"/>
+            </a:endParaRPr>
+          </a:p>
+          <a:p>
+            <a:pPr>
+              <a:defRPr/>
+            </a:pPr>
+            <a:r>
+              <a:rPr lang="en-US" sz="2400" b="0" i="1" u="none" strike="noStrike" cap="none" spc="0">
+                <a:solidFill>
+                  <a:srgbClr val="EB6F92"/>
+                </a:solidFill>
+                <a:latin typeface="Agave"/>
+                <a:ea typeface="Agave"/>
+                <a:cs typeface="Agave"/>
+              </a:rPr>
+              <a:t>—Testimonies for the Church, vol. 7, p. 135.</a:t>
+            </a:r>
+            <a:endParaRPr sz="2400" b="0" i="1" u="none" strike="noStrike" cap="none" spc="0">
+              <a:solidFill>
+                <a:srgbClr val="EB6F92"/>
+              </a:solidFill>
+              <a:latin typeface="Agave"/>
+              <a:ea typeface="Agave"/>
+              <a:cs typeface="Agave"/>
+            </a:endParaRPr>
+          </a:p>
+          <a:p>
+            <a:pPr>
+              <a:defRPr/>
+            </a:pPr>
+            <a:endParaRPr lang="en-US" sz="2400" b="0" i="0" u="none" strike="noStrike" cap="none" spc="0">
+              <a:solidFill>
+                <a:schemeClr val="bg1"/>
+              </a:solidFill>
+              <a:latin typeface="Agave"/>
+              <a:cs typeface="Agave"/>
+            </a:endParaRPr>
+          </a:p>
+          <a:p>
+            <a:pPr>
+              <a:defRPr/>
+            </a:pPr>
+            <a:r>
+              <a:rPr lang="en-US" sz="2400" b="0" i="0" u="none" strike="noStrike" cap="none" spc="0">
+                <a:solidFill>
+                  <a:schemeClr val="bg1"/>
+                </a:solidFill>
+                <a:latin typeface="Agave"/>
+                <a:ea typeface="Agave"/>
+                <a:cs typeface="Agave"/>
+              </a:rPr>
+              <a:t>....</a:t>
+            </a:r>
+            <a:r>
+              <a:rPr lang="en-US" sz="2400" b="0" i="0" u="none" strike="noStrike" cap="none" spc="0">
+                <a:solidFill>
+                  <a:schemeClr val="accent3"/>
+                </a:solidFill>
+                <a:latin typeface="Agave"/>
+                <a:ea typeface="Agave"/>
+                <a:cs typeface="Agave"/>
+              </a:rPr>
+              <a:t>With care and skill</a:t>
+            </a:r>
+            <a:r>
+              <a:rPr lang="en-US" sz="2400" b="0" i="0" u="none" strike="noStrike" cap="none" spc="0">
+                <a:solidFill>
+                  <a:schemeClr val="bg1"/>
+                </a:solidFill>
+                <a:latin typeface="Agave"/>
+                <a:ea typeface="Agave"/>
+                <a:cs typeface="Agave"/>
+              </a:rPr>
+              <a:t>, dishes may be prepared</a:t>
+            </a:r>
+            <a:endParaRPr lang="en-US" sz="2400" b="0" i="0" u="none" strike="noStrike" cap="none" spc="0">
+              <a:solidFill>
+                <a:schemeClr val="bg1"/>
+              </a:solidFill>
+              <a:latin typeface="Agave"/>
+              <a:ea typeface="Agave"/>
+              <a:cs typeface="Agave"/>
+            </a:endParaRPr>
+          </a:p>
+          <a:p>
+            <a:pPr>
+              <a:defRPr/>
+            </a:pPr>
+            <a:r>
+              <a:rPr lang="en-US" sz="2400" b="0" i="0" u="none" strike="noStrike" cap="none" spc="0">
+                <a:solidFill>
+                  <a:schemeClr val="bg1"/>
+                </a:solidFill>
+                <a:latin typeface="Agave"/>
+                <a:ea typeface="Agave"/>
+                <a:cs typeface="Agave"/>
+              </a:rPr>
+              <a:t>that will be both nutritious and appetizing...</a:t>
+            </a:r>
+            <a:r>
+              <a:rPr lang="en-US" sz="2400" b="0" i="0" u="none" strike="noStrike" cap="none" spc="0">
+                <a:solidFill>
+                  <a:schemeClr val="bg1"/>
+                </a:solidFill>
+                <a:latin typeface="Agave"/>
+                <a:ea typeface="Agave"/>
+                <a:cs typeface="Agave"/>
+              </a:rPr>
+              <a:t> </a:t>
+            </a:r>
+            <a:r>
+              <a:rPr lang="en-US" sz="2400" b="0" i="0" u="none" strike="noStrike" cap="none" spc="0">
+                <a:solidFill>
+                  <a:schemeClr val="bg1"/>
+                </a:solidFill>
+                <a:latin typeface="Agave"/>
+                <a:ea typeface="Agave"/>
+                <a:cs typeface="Agave"/>
+              </a:rPr>
+              <a:t>In all cases, </a:t>
+            </a:r>
+            <a:r>
+              <a:rPr lang="en-US" sz="2400" b="0" i="0" u="none" strike="noStrike" cap="none" spc="0">
+                <a:solidFill>
+                  <a:schemeClr val="accent3"/>
+                </a:solidFill>
+                <a:latin typeface="Agave"/>
+                <a:ea typeface="Agave"/>
+                <a:cs typeface="Agave"/>
+              </a:rPr>
+              <a:t>educate the conscience, enlist the will, supply good, </a:t>
+            </a:r>
+            <a:r>
+              <a:rPr lang="en-US" sz="2400" b="0" i="0" u="none" strike="noStrike" cap="none" spc="0">
+                <a:solidFill>
+                  <a:schemeClr val="accent3"/>
+                </a:solidFill>
+                <a:latin typeface="Agave"/>
+                <a:ea typeface="Agave"/>
+                <a:cs typeface="Agave"/>
+              </a:rPr>
+              <a:t>wholesome food,</a:t>
+            </a:r>
+            <a:r>
+              <a:rPr lang="en-US" sz="2400" b="0" i="0" u="none" strike="noStrike" cap="none" spc="0">
+                <a:solidFill>
+                  <a:schemeClr val="bg1"/>
+                </a:solidFill>
+                <a:latin typeface="Agave"/>
+                <a:ea typeface="Agave"/>
+                <a:cs typeface="Agave"/>
+              </a:rPr>
+              <a:t> and the change will be readily made, and the </a:t>
+            </a:r>
+            <a:r>
+              <a:rPr lang="en-US" sz="2400" b="0" i="0" u="none" strike="noStrike" cap="none" spc="0">
+                <a:solidFill>
+                  <a:schemeClr val="bg1"/>
+                </a:solidFill>
+                <a:latin typeface="Agave"/>
+                <a:ea typeface="Agave"/>
+                <a:cs typeface="Agave"/>
+              </a:rPr>
+              <a:t>demand for flesh will soon cease. </a:t>
+            </a:r>
+            <a:endParaRPr sz="2400" b="0" i="0" u="none" strike="noStrike" cap="none" spc="0">
+              <a:solidFill>
+                <a:schemeClr val="accent3"/>
+              </a:solidFill>
+              <a:latin typeface="Agave"/>
+              <a:cs typeface="Agave"/>
+            </a:endParaRPr>
+          </a:p>
+          <a:p>
+            <a:pPr>
+              <a:defRPr/>
+            </a:pPr>
+            <a:r>
+              <a:rPr lang="en-US" sz="2400" b="0" i="1" u="none" strike="noStrike" cap="none" spc="0">
+                <a:solidFill>
+                  <a:srgbClr val="EB6F92"/>
+                </a:solidFill>
+                <a:latin typeface="Agave"/>
+                <a:ea typeface="Agave"/>
+                <a:cs typeface="Agave"/>
+              </a:rPr>
+              <a:t>—The Ministry of Healing, 316, [1905]</a:t>
+            </a:r>
+            <a:endParaRPr sz="2400" b="0" i="1" u="none" strike="noStrike" cap="none" spc="0">
+              <a:solidFill>
+                <a:srgbClr val="EB6F92"/>
+              </a:solidFill>
+              <a:latin typeface="Agave"/>
+              <a:ea typeface="Agave"/>
+              <a:cs typeface="Agave"/>
+            </a:endParaRPr>
+          </a:p>
+        </p:txBody>
+      </p:sp>
+      <p:sp>
+        <p:nvSpPr>
+          <p:cNvPr id="1782274913" name="TextBox 6"/>
+          <p:cNvSpPr txBox="1"/>
+          <p:nvPr/>
+        </p:nvSpPr>
+        <p:spPr bwMode="auto">
           <a:xfrm rot="0" flipH="0" flipV="0">
-            <a:off x="353745" y="9405342"/>
-            <a:ext cx="3410780" cy="782552"/>
+            <a:off x="-80784" y="710786"/>
+            <a:ext cx="10567578" cy="782425"/>
           </a:xfrm>
           <a:prstGeom prst="rect">
             <a:avLst/>
@@ -5313,20 +6036,37 @@
           <a:p>
             <a:pPr algn="ctr">
               <a:lnSpc>
-                <a:spcPts val="6159"/>
+                <a:spcPts val="6157"/>
               </a:lnSpc>
               <a:defRPr/>
             </a:pPr>
             <a:r>
-              <a:rPr lang="en-US" sz="2600" b="0">
-                <a:solidFill>
-                  <a:schemeClr val="bg1"/>
-                </a:solidFill>
-                <a:latin typeface="Agave"/>
-                <a:ea typeface="Agave"/>
-                <a:cs typeface="Agave"/>
-              </a:rPr>
-              <a:t>Why Do I Get Sick?</a:t>
+              <a:rPr lang="en-US" sz="2000" b="0">
+                <a:solidFill>
+                  <a:schemeClr val="accent1">
+                    <a:lumMod val="60000"/>
+                    <a:lumOff val="40000"/>
+                  </a:schemeClr>
+                </a:solidFill>
+                <a:latin typeface="Agave"/>
+                <a:ea typeface="Agave"/>
+                <a:cs typeface="Agave"/>
+              </a:rPr>
+              <a:t>Barnard et al, </a:t>
+            </a:r>
+            <a:r>
+              <a:rPr lang="en-US" sz="2000" b="0" i="0" u="none" strike="noStrike" cap="none" spc="0">
+                <a:solidFill>
+                  <a:schemeClr val="accent1">
+                    <a:lumMod val="60000"/>
+                    <a:lumOff val="40000"/>
+                  </a:schemeClr>
+                </a:solidFill>
+                <a:latin typeface="Agave"/>
+                <a:ea typeface="Agave"/>
+                <a:cs typeface="Agave"/>
+              </a:rPr>
+              <a:t>Nutrients 2014, 6, 897-910</a:t>
             </a:r>
             <a:endParaRPr sz="2600" b="0">
               <a:solidFill>
@@ -5340,282 +6080,14 @@
       </p:sp>
       <p:sp>
         <p:nvSpPr>
-          <p:cNvPr id="1359300248" name=""/>
+          <p:cNvPr id="1517692667" name="TextBox 6"/>
           <p:cNvSpPr txBox="1"/>
           <p:nvPr/>
         </p:nvSpPr>
         <p:spPr bwMode="auto">
-          <a:xfrm flipH="0" flipV="0">
-            <a:off x="1004105" y="1869804"/>
-            <a:ext cx="8245955" cy="6431639"/>
-          </a:xfrm>
-          <a:prstGeom prst="rect">
-            <a:avLst/>
-          </a:prstGeom>
-          <a:noFill/>
-        </p:spPr>
-        <p:txBody>
-          <a:bodyPr vertOverflow="overflow" horzOverflow="overflow" vert="horz" wrap="square" lIns="91440" tIns="45720" rIns="91440" bIns="45720" numCol="1" spcCol="0" rtlCol="0" fromWordArt="0" anchor="t" anchorCtr="0" forceAA="0" upright="0" compatLnSpc="0">
-            <a:spAutoFit/>
-          </a:bodyPr>
-          <a:p>
-            <a:pPr>
-              <a:defRPr/>
-            </a:pPr>
-            <a:r>
-              <a:rPr lang="en-US" sz="2600" b="0" i="0" u="none" strike="noStrike" cap="none" spc="0">
-                <a:solidFill>
-                  <a:schemeClr val="bg1"/>
-                </a:solidFill>
-                <a:latin typeface="Agave"/>
-                <a:ea typeface="Agave"/>
-                <a:cs typeface="Agave"/>
-              </a:rPr>
-              <a:t>Proverbs 25:16 Have you found honey?</a:t>
-            </a:r>
-            <a:endParaRPr sz="2600" b="0" i="0" u="none" strike="noStrike" cap="none" spc="0">
-              <a:solidFill>
-                <a:schemeClr val="bg1"/>
-              </a:solidFill>
-              <a:latin typeface="Agave"/>
-              <a:cs typeface="Agave"/>
-            </a:endParaRPr>
-          </a:p>
-          <a:p>
-            <a:pPr>
-              <a:defRPr/>
-            </a:pPr>
-            <a:r>
-              <a:rPr lang="en-US" sz="2600" b="0" i="0" u="none" strike="noStrike" cap="none" spc="0">
-                <a:solidFill>
-                  <a:schemeClr val="bg1"/>
-                </a:solidFill>
-                <a:latin typeface="Agave"/>
-                <a:ea typeface="Agave"/>
-                <a:cs typeface="Agave"/>
-              </a:rPr>
-              <a:t> Eat as much as is sufficient for you,</a:t>
-            </a:r>
-            <a:endParaRPr sz="2600" b="0" i="0" u="none" strike="noStrike" cap="none" spc="0">
-              <a:solidFill>
-                <a:schemeClr val="bg1"/>
-              </a:solidFill>
-              <a:latin typeface="Agave"/>
-              <a:cs typeface="Agave"/>
-            </a:endParaRPr>
-          </a:p>
-          <a:p>
-            <a:pPr>
-              <a:defRPr/>
-            </a:pPr>
-            <a:r>
-              <a:rPr lang="en-US" sz="2600" b="0" i="0" u="none" strike="noStrike" cap="none" spc="0">
-                <a:solidFill>
-                  <a:schemeClr val="bg1"/>
-                </a:solidFill>
-                <a:latin typeface="Agave"/>
-                <a:ea typeface="Agave"/>
-                <a:cs typeface="Agave"/>
-              </a:rPr>
-              <a:t> lest you eat too much, and vomit it.</a:t>
-            </a:r>
-            <a:endParaRPr lang="en-US" sz="2600" b="0" i="0" u="sng" strike="noStrike" cap="none" spc="0">
-              <a:solidFill>
-                <a:schemeClr val="bg1"/>
-              </a:solidFill>
-              <a:latin typeface="Agave"/>
-              <a:ea typeface="Agave"/>
-              <a:cs typeface="Agave"/>
-            </a:endParaRPr>
-          </a:p>
-          <a:p>
-            <a:pPr>
-              <a:defRPr/>
-            </a:pPr>
-            <a:endParaRPr sz="2600" b="0" i="0" u="sng" strike="noStrike" cap="none" spc="0">
-              <a:solidFill>
-                <a:schemeClr val="bg1"/>
-              </a:solidFill>
-              <a:latin typeface="Agave"/>
-              <a:ea typeface="Agave"/>
-              <a:cs typeface="Agave"/>
-            </a:endParaRPr>
-          </a:p>
-          <a:p>
-            <a:pPr>
-              <a:defRPr/>
-            </a:pPr>
-            <a:r>
-              <a:rPr lang="en-US" sz="2600" b="0" i="0" u="none" strike="noStrike" cap="none" spc="0">
-                <a:solidFill>
-                  <a:schemeClr val="bg1"/>
-                </a:solidFill>
-                <a:latin typeface="Agave"/>
-                <a:ea typeface="Agave"/>
-                <a:cs typeface="Agave"/>
-              </a:rPr>
-              <a:t>Far too much sugar is ordinarily used in food. Cakes, sweet puddings, pastries, jellies, jams, </a:t>
-            </a:r>
-            <a:endParaRPr sz="2600" b="0" i="0" u="none" strike="noStrike" cap="none" spc="0">
-              <a:solidFill>
-                <a:schemeClr val="bg1"/>
-              </a:solidFill>
-              <a:latin typeface="Agave"/>
-              <a:ea typeface="Agave"/>
-              <a:cs typeface="Agave"/>
-            </a:endParaRPr>
-          </a:p>
-          <a:p>
-            <a:pPr>
-              <a:defRPr/>
-            </a:pPr>
-            <a:endParaRPr sz="2600" b="0" i="0" u="none" strike="noStrike" cap="none" spc="0">
-              <a:solidFill>
-                <a:schemeClr val="bg1"/>
-              </a:solidFill>
-              <a:latin typeface="Agave"/>
-              <a:cs typeface="Agave"/>
-            </a:endParaRPr>
-          </a:p>
-          <a:p>
-            <a:pPr>
-              <a:defRPr/>
-            </a:pPr>
-            <a:r>
-              <a:rPr lang="en-US" sz="2600" b="0" i="0" u="none" strike="noStrike" cap="none" spc="0">
-                <a:solidFill>
-                  <a:schemeClr val="bg1"/>
-                </a:solidFill>
-                <a:latin typeface="Agave"/>
-                <a:ea typeface="Agave"/>
-                <a:cs typeface="Agave"/>
-              </a:rPr>
-              <a:t>“Sugar clogs the system. It hinders the working of the living machine. (2T 369, 370).</a:t>
-            </a:r>
-            <a:endParaRPr lang="en-US" sz="2600" b="0" i="0" u="none" strike="noStrike" cap="none" spc="0">
-              <a:solidFill>
-                <a:schemeClr val="bg1"/>
-              </a:solidFill>
-              <a:latin typeface="Agave"/>
-              <a:ea typeface="Agave"/>
-              <a:cs typeface="Agave"/>
-            </a:endParaRPr>
-          </a:p>
-          <a:p>
-            <a:pPr>
-              <a:defRPr/>
-            </a:pPr>
-            <a:endParaRPr sz="2600" b="0" i="0" u="none" strike="noStrike" cap="none" spc="0">
-              <a:solidFill>
-                <a:schemeClr val="bg1"/>
-              </a:solidFill>
-              <a:latin typeface="Agave"/>
-              <a:cs typeface="Agave"/>
-            </a:endParaRPr>
-          </a:p>
-          <a:p>
-            <a:pPr>
-              <a:defRPr/>
-            </a:pPr>
-            <a:r>
-              <a:rPr lang="en-US" sz="2600" b="0" i="0" u="none" strike="noStrike" cap="none" spc="0">
-                <a:solidFill>
-                  <a:schemeClr val="bg1"/>
-                </a:solidFill>
-                <a:latin typeface="Agave"/>
-                <a:ea typeface="Agave"/>
-                <a:cs typeface="Agave"/>
-              </a:rPr>
-              <a:t>Fine-flour bread </a:t>
-            </a:r>
-            <a:r>
-              <a:rPr lang="en-US" sz="2600" b="0" i="0" u="none" strike="noStrike" cap="none" spc="0">
-                <a:solidFill>
-                  <a:schemeClr val="bg1"/>
-                </a:solidFill>
-                <a:latin typeface="Agave"/>
-                <a:ea typeface="Agave"/>
-                <a:cs typeface="Agave"/>
-              </a:rPr>
-              <a:t>does not impart to the system the nourishment that is to be found in </a:t>
-            </a:r>
-            <a:r>
-              <a:rPr lang="en-US" sz="2600" b="0" i="0" u="none" strike="noStrike" cap="none" spc="0">
-                <a:solidFill>
-                  <a:schemeClr val="bg1"/>
-                </a:solidFill>
-                <a:latin typeface="Agave"/>
-                <a:ea typeface="Agave"/>
-                <a:cs typeface="Agave"/>
-              </a:rPr>
-              <a:t>unbolted-wheat bread. Its common use will not keep the system in </a:t>
-            </a:r>
-            <a:r>
-              <a:rPr lang="en-US" sz="2600" b="0" i="0" u="none" strike="noStrike" cap="none" spc="0">
-                <a:solidFill>
-                  <a:schemeClr val="bg1"/>
-                </a:solidFill>
-                <a:latin typeface="Agave"/>
-                <a:ea typeface="Agave"/>
-                <a:cs typeface="Agave"/>
-              </a:rPr>
-              <a:t>the best condition. </a:t>
-            </a:r>
-            <a:endParaRPr lang="en-US" sz="2600" b="0" i="0" u="none" strike="noStrike" cap="none" spc="0">
-              <a:solidFill>
-                <a:schemeClr val="bg1"/>
-              </a:solidFill>
-              <a:latin typeface="Agave"/>
-              <a:cs typeface="Agave"/>
-            </a:endParaRPr>
-          </a:p>
-          <a:p>
-            <a:pPr>
-              <a:defRPr/>
-            </a:pPr>
-            <a:endParaRPr sz="2600" b="0" i="0" u="none" strike="noStrike" cap="none" spc="0">
-              <a:solidFill>
-                <a:schemeClr val="bg1"/>
-              </a:solidFill>
-              <a:latin typeface="Agave"/>
-              <a:cs typeface="Agave"/>
-            </a:endParaRPr>
-          </a:p>
-          <a:p>
-            <a:pPr>
-              <a:defRPr/>
-            </a:pPr>
-            <a:r>
-              <a:rPr lang="en-US" sz="2600" b="0" i="0" u="none" strike="noStrike" cap="none" spc="0">
-                <a:solidFill>
-                  <a:schemeClr val="bg1"/>
-                </a:solidFill>
-                <a:latin typeface="Agave"/>
-                <a:ea typeface="Agave"/>
-                <a:cs typeface="Agave"/>
-              </a:rPr>
-              <a:t>[Counsels on Food and Diet, Ellen G. White]</a:t>
-            </a:r>
-            <a:endParaRPr sz="2600" b="0" i="0" u="none" strike="noStrike" cap="none" spc="0">
-              <a:solidFill>
-                <a:schemeClr val="bg1"/>
-              </a:solidFill>
-              <a:latin typeface="Agave"/>
-              <a:cs typeface="Agave"/>
-            </a:endParaRPr>
-          </a:p>
-        </p:txBody>
-      </p:sp>
-      <p:sp>
-        <p:nvSpPr>
-          <p:cNvPr id="650904954" name="TextBox 6"/>
-          <p:cNvSpPr txBox="1"/>
-          <p:nvPr/>
-        </p:nvSpPr>
-        <p:spPr bwMode="auto">
           <a:xfrm rot="0" flipH="0" flipV="0">
-            <a:off x="-291596" y="163461"/>
-            <a:ext cx="10968682" cy="1056872"/>
+            <a:off x="501507" y="9279211"/>
+            <a:ext cx="4016786" cy="782298"/>
           </a:xfrm>
           <a:prstGeom prst="rect">
             <a:avLst/>
@@ -5629,11 +6101,59 @@
           <a:p>
             <a:pPr algn="ctr">
               <a:lnSpc>
-                <a:spcPts val="6158"/>
+                <a:spcPts val="6156"/>
               </a:lnSpc>
               <a:defRPr/>
             </a:pPr>
             <a:r>
+              <a:rPr lang="en-US" sz="2600" b="0">
+                <a:solidFill>
+                  <a:schemeClr val="bg1"/>
+                </a:solidFill>
+                <a:latin typeface="Agave"/>
+                <a:ea typeface="Agave"/>
+                <a:cs typeface="Agave"/>
+              </a:rPr>
+              <a:t>Counsels on Lifestyle</a:t>
+            </a:r>
+            <a:endParaRPr sz="2600" b="0">
+              <a:solidFill>
+                <a:schemeClr val="bg1"/>
+              </a:solidFill>
+              <a:latin typeface="Tinos"/>
+              <a:cs typeface="Tinos"/>
+            </a:endParaRPr>
+          </a:p>
+        </p:txBody>
+      </p:sp>
+      <p:sp>
+        <p:nvSpPr>
+          <p:cNvPr id="1348480353" name="TextBox 6"/>
+          <p:cNvSpPr txBox="1"/>
+          <p:nvPr/>
+        </p:nvSpPr>
+        <p:spPr bwMode="auto">
+          <a:xfrm rot="0" flipH="0" flipV="0">
+            <a:off x="-291593" y="163459"/>
+            <a:ext cx="11077038" cy="1056618"/>
+          </a:xfrm>
+          <a:prstGeom prst="rect">
+            <a:avLst/>
+          </a:prstGeom>
+        </p:spPr>
+        <p:txBody>
+          <a:bodyPr lIns="0" tIns="0" rIns="0" bIns="0" rtlCol="0" anchor="t">
+            <a:spAutoFit/>
+          </a:bodyPr>
+          <a:lstStyle/>
+          <a:p>
+            <a:pPr algn="ctr">
+              <a:lnSpc>
+                <a:spcPts val="6156"/>
+              </a:lnSpc>
+              <a:defRPr/>
+            </a:pPr>
+            <a:r>
               <a:rPr lang="en-US" sz="2700" b="0" i="0" u="none" strike="noStrike" cap="none" spc="0">
                 <a:solidFill>
                   <a:schemeClr val="bg1"/>
@@ -5642,7 +6162,7 @@
                 <a:ea typeface="Agave"/>
                 <a:cs typeface="Agave"/>
               </a:rPr>
-              <a:t>High Glycemic Loads Increase Cardiovascular Disease Risk</a:t>
+              <a:t>Animal Products and Type 2 Diabetes</a:t>
             </a:r>
             <a:endParaRPr sz="2700" b="0">
               <a:solidFill>
@@ -5666,66 +6186,49 @@
       </p:sp>
       <p:sp>
         <p:nvSpPr>
-          <p:cNvPr id="386726756" name="TextBox 6"/>
-          <p:cNvSpPr txBox="1"/>
+          <p:cNvPr id="1355248024" name=""/>
+          <p:cNvSpPr/>
           <p:nvPr/>
         </p:nvSpPr>
         <p:spPr bwMode="auto">
-          <a:xfrm rot="0" flipH="0" flipV="0">
-            <a:off x="-80785" y="710787"/>
-            <a:ext cx="10561460" cy="782552"/>
+          <a:xfrm flipH="0" flipV="0">
+            <a:off x="25439" y="0"/>
+            <a:ext cx="10247583" cy="10286997"/>
           </a:xfrm>
           <a:prstGeom prst="rect">
             <a:avLst/>
           </a:prstGeom>
+          <a:noFill/>
+          <a:ln w="57150" cap="flat" cmpd="sng" algn="ctr">
+            <a:solidFill>
+              <a:schemeClr val="bg1"/>
+            </a:solidFill>
+            <a:prstDash val="solid"/>
+          </a:ln>
         </p:spPr>
-        <p:txBody>
-          <a:bodyPr lIns="0" tIns="0" rIns="0" bIns="0" rtlCol="0" anchor="t">
-            <a:spAutoFit/>
-          </a:bodyPr>
-          <a:lstStyle/>
-          <a:p>
-            <a:pPr algn="ctr">
-              <a:lnSpc>
-                <a:spcPts val="6158"/>
-              </a:lnSpc>
-              <a:defRPr/>
-            </a:pPr>
-            <a:r>
-              <a:rPr lang="en-US" sz="2000" b="0">
-                <a:solidFill>
-                  <a:schemeClr val="accent1">
-                    <a:lumMod val="60000"/>
-                    <a:lumOff val="40000"/>
-                  </a:schemeClr>
-                </a:solidFill>
-                <a:latin typeface="Agave"/>
-                <a:ea typeface="Agave"/>
-                <a:cs typeface="Agave"/>
-              </a:rPr>
-              <a:t>Liu et al, 2000, </a:t>
-            </a:r>
-            <a:r>
-              <a:rPr lang="en-US" sz="2000" b="0" i="0" u="none" strike="noStrike" cap="none" spc="0">
-                <a:solidFill>
-                  <a:schemeClr val="accent1">
-                    <a:lumMod val="60000"/>
-                    <a:lumOff val="40000"/>
-                  </a:schemeClr>
-                </a:solidFill>
-                <a:latin typeface="Agave"/>
-                <a:ea typeface="Agave"/>
-                <a:cs typeface="Agave"/>
-              </a:rPr>
-              <a:t>American Journal of Clinical Nutrition, 71(6), 1455–1461.</a:t>
-            </a:r>
-            <a:endParaRPr sz="2600" b="0">
-              <a:solidFill>
-                <a:schemeClr val="bg1"/>
-              </a:solidFill>
-              <a:latin typeface="Tinos"/>
-              <a:cs typeface="Tinos"/>
-            </a:endParaRPr>
+        <p:style>
+          <a:lnRef idx="2">
+            <a:schemeClr val="accent1">
+              <a:shade val="50000"/>
+            </a:schemeClr>
+          </a:lnRef>
+          <a:fillRef idx="1">
+            <a:schemeClr val="accent1"/>
+          </a:fillRef>
+          <a:effectRef idx="0">
+            <a:schemeClr val="accent1"/>
+          </a:effectRef>
+          <a:fontRef idx="minor">
+            <a:schemeClr val="lt1"/>
+          </a:fontRef>
+        </p:style>
+        <p:txBody>
+          <a:bodyPr/>
+          <a:p>
+            <a:pPr>
+              <a:defRPr/>
+            </a:pPr>
+            <a:endParaRPr/>
           </a:p>
         </p:txBody>
       </p:sp>

--- a/posts/2/slides.pptx
+++ b/posts/2/slides.pptx
@@ -4940,7 +4940,7 @@
         <p:spPr bwMode="auto">
           <a:xfrm flipH="0" flipV="0">
             <a:off x="1028691" y="1785078"/>
-            <a:ext cx="8623592" cy="8016599"/>
+            <a:ext cx="8706751" cy="8016599"/>
           </a:xfrm>
           <a:prstGeom prst="rect">
             <a:avLst/>
@@ -4958,13 +4958,24 @@
             <a:r>
               <a:rPr lang="en-US" sz="2600" b="0" i="0" u="none" strike="noStrike" cap="none" spc="0">
                 <a:solidFill>
+                  <a:srgbClr val="00B0F0"/>
+                </a:solidFill>
+                <a:latin typeface="Agave"/>
+                <a:ea typeface="Agave"/>
+                <a:cs typeface="Agave"/>
+              </a:rPr>
+              <a:t>Meat consumption</a:t>
+            </a:r>
+            <a:r>
+              <a:rPr lang="en-US" sz="2600" b="0" i="0" u="none" strike="noStrike" cap="none" spc="0">
+                <a:solidFill>
                   <a:schemeClr val="bg1"/>
                 </a:solidFill>
                 <a:latin typeface="Agave"/>
                 <a:ea typeface="Agave"/>
                 <a:cs typeface="Agave"/>
               </a:rPr>
-              <a:t>Meat consumption is </a:t>
+              <a:t> is </a:t>
             </a:r>
             <a:r>
               <a:rPr lang="en-US" sz="2600" b="0" i="0" u="none" strike="noStrike" cap="none" spc="0">
@@ -4986,7 +4997,29 @@
                 <a:ea typeface="Agave"/>
                 <a:cs typeface="Agave"/>
               </a:rPr>
-              <a:t>associated with diabetes risk. </a:t>
+              <a:t>associated with </a:t>
+            </a:r>
+            <a:r>
+              <a:rPr lang="en-US" sz="2600" b="0" i="0" u="none" strike="noStrike" cap="none" spc="0">
+                <a:solidFill>
+                  <a:srgbClr val="00B0F0"/>
+                </a:solidFill>
+                <a:latin typeface="Agave"/>
+                <a:ea typeface="Agave"/>
+                <a:cs typeface="Agave"/>
+              </a:rPr>
+              <a:t>diabetes risk</a:t>
+            </a:r>
+            <a:r>
+              <a:rPr lang="en-US" sz="2600" b="0" i="0" u="none" strike="noStrike" cap="none" spc="0">
+                <a:solidFill>
+                  <a:schemeClr val="bg1"/>
+                </a:solidFill>
+                <a:latin typeface="Agave"/>
+                <a:ea typeface="Agave"/>
+                <a:cs typeface="Agave"/>
+              </a:rPr>
+              <a:t>. </a:t>
             </a:r>
             <a:endParaRPr lang="en-US" sz="2600" b="0" i="0" u="none" strike="noStrike" cap="none" spc="0">
               <a:solidFill>
@@ -5061,7 +5094,7 @@
             <a:r>
               <a:rPr lang="en-US" sz="2600" b="0" i="0" u="none" strike="noStrike" cap="none" spc="0">
                 <a:solidFill>
-                  <a:schemeClr val="bg1"/>
+                  <a:srgbClr val="92D050"/>
                 </a:solidFill>
                 <a:latin typeface="Agave"/>
                 <a:ea typeface="Agave"/>
@@ -5069,9 +5102,9 @@
               </a:rPr>
               <a:t>A diet eliminating meat was shown to reduce visceral fat</a:t>
             </a:r>
-            <a:endParaRPr lang="en-US" sz="2600" b="0" i="0" u="none" strike="noStrike" cap="none" spc="0">
+            <a:endParaRPr sz="2600" b="0" i="0" u="none" strike="noStrike" cap="none" spc="0">
               <a:solidFill>
-                <a:schemeClr val="bg1"/>
+                <a:srgbClr val="92D050"/>
               </a:solidFill>
               <a:latin typeface="Agave"/>
               <a:cs typeface="Agave"/>
@@ -5084,7 +5117,7 @@
             <a:r>
               <a:rPr lang="en-US" sz="2600" b="0" i="0" u="none" strike="noStrike" cap="none" spc="0">
                 <a:solidFill>
-                  <a:schemeClr val="bg1"/>
+                  <a:srgbClr val="92D050"/>
                 </a:solidFill>
                 <a:latin typeface="Agave"/>
                 <a:ea typeface="Agave"/>
@@ -5148,18 +5181,40 @@
                 <a:ea typeface="Agave"/>
                 <a:cs typeface="Agave"/>
               </a:rPr>
-              <a:t>, but individuals and clinicians will consider dietary changes only if they are aware of the </a:t>
+              <a:t>, but individuals and clinicians will consider dietary changes only </a:t>
             </a:r>
             <a:r>
               <a:rPr lang="en-US" sz="2600" b="0" i="0" u="none" strike="noStrike" cap="none" spc="0">
                 <a:solidFill>
+                  <a:srgbClr val="00B0F0"/>
+                </a:solidFill>
+                <a:latin typeface="Agave"/>
+                <a:ea typeface="Agave"/>
+                <a:cs typeface="Agave"/>
+              </a:rPr>
+              <a:t>if they are aware of the </a:t>
+            </a:r>
+            <a:r>
+              <a:rPr lang="en-US" sz="2600" b="0" i="0" u="none" strike="noStrike" cap="none" spc="0">
+                <a:solidFill>
+                  <a:srgbClr val="00B0F0"/>
+                </a:solidFill>
+                <a:latin typeface="Agave"/>
+                <a:ea typeface="Agave"/>
+                <a:cs typeface="Agave"/>
+              </a:rPr>
+              <a:t>potential benefits of doing so</a:t>
+            </a:r>
+            <a:r>
+              <a:rPr lang="en-US" sz="2600" b="0" i="0" u="none" strike="noStrike" cap="none" spc="0">
+                <a:solidFill>
                   <a:schemeClr val="bg1"/>
                 </a:solidFill>
                 <a:latin typeface="Agave"/>
                 <a:ea typeface="Agave"/>
                 <a:cs typeface="Agave"/>
               </a:rPr>
-              <a:t>potential benefits of doing so. </a:t>
+              <a:t>. </a:t>
             </a:r>
             <a:endParaRPr sz="2600" b="0" i="0" u="none" strike="noStrike" cap="none" spc="0">
               <a:solidFill>
@@ -5195,7 +5250,44 @@
                 <a:ea typeface="Agave"/>
                 <a:cs typeface="Agave"/>
               </a:rPr>
-              <a:t>What are the potential benefits that changing my diet might bring me? How can I slowly replace some foods with more </a:t>
+              <a:t>Are there any benefits in my current diet?</a:t>
+            </a:r>
+            <a:endParaRPr lang="en-US" sz="2600" b="0" i="0" u="none" strike="noStrike" cap="none" spc="0">
+              <a:solidFill>
+                <a:srgbClr val="FFC000"/>
+              </a:solidFill>
+              <a:latin typeface="Agave"/>
+              <a:ea typeface="Agave"/>
+              <a:cs typeface="Agave"/>
+            </a:endParaRPr>
+          </a:p>
+          <a:p>
+            <a:pPr>
+              <a:defRPr/>
+            </a:pPr>
+            <a:endParaRPr lang="en-US" sz="2600" b="0" i="0" u="none" strike="noStrike" cap="none" spc="0">
+              <a:solidFill>
+                <a:srgbClr val="FFC000"/>
+              </a:solidFill>
+              <a:latin typeface="Agave"/>
+              <a:ea typeface="Agave"/>
+              <a:cs typeface="Agave"/>
+            </a:endParaRPr>
+          </a:p>
+          <a:p>
+            <a:pPr>
+              <a:defRPr/>
+            </a:pPr>
+            <a:r>
+              <a:rPr lang="en-US" sz="2600" b="0" i="0" u="none" strike="noStrike" cap="none" spc="0">
+                <a:solidFill>
+                  <a:srgbClr val="FFC000"/>
+                </a:solidFill>
+                <a:latin typeface="Agave"/>
+                <a:ea typeface="Agave"/>
+                <a:cs typeface="Agave"/>
+              </a:rPr>
+              <a:t>How can I slowly replace some foods with more </a:t>
             </a:r>
             <a:r>
               <a:rPr lang="en-US" sz="2600" b="0" i="0" u="none" strike="noStrike" cap="none" spc="0">
@@ -5600,8 +5692,8 @@
         </p:nvSpPr>
         <p:spPr bwMode="auto">
           <a:xfrm flipH="0" flipV="0">
-            <a:off x="1004102" y="1869804"/>
-            <a:ext cx="8308953" cy="7407000"/>
+            <a:off x="1004101" y="1869804"/>
+            <a:ext cx="8309672" cy="7407000"/>
           </a:xfrm>
           <a:prstGeom prst="rect">
             <a:avLst/>
@@ -5769,6 +5861,50 @@
             <a:r>
               <a:rPr lang="en-US" sz="2400" b="0" i="0" u="none" strike="noStrike" cap="none" spc="0">
                 <a:solidFill>
+                  <a:srgbClr val="FFC000"/>
+                </a:solidFill>
+                <a:latin typeface="Agave"/>
+                <a:ea typeface="Agave"/>
+                <a:cs typeface="Agave"/>
+              </a:rPr>
+              <a:t>L</a:t>
+            </a:r>
+            <a:r>
+              <a:rPr lang="en-US" sz="2400" b="0" i="0" u="none" strike="noStrike" cap="none" spc="0">
+                <a:solidFill>
+                  <a:srgbClr val="FFC000"/>
+                </a:solidFill>
+                <a:latin typeface="Agave"/>
+                <a:ea typeface="Agave"/>
+                <a:cs typeface="Agave"/>
+              </a:rPr>
+              <a:t>et</a:t>
+            </a:r>
+            <a:r>
+              <a:rPr lang="en-US" sz="2400" b="0" i="0" u="none" strike="noStrike" cap="none" spc="0">
+                <a:solidFill>
+                  <a:srgbClr val="FFC000"/>
+                </a:solidFill>
+                <a:latin typeface="Agave"/>
+                <a:ea typeface="Agave"/>
+                <a:cs typeface="Agave"/>
+              </a:rPr>
+              <a:t> the diet reform be progressive. Let the people be taught how to prepare food without the use of milk or butter</a:t>
+            </a:r>
+            <a:r>
+              <a:rPr lang="en-US" sz="2400" b="0" i="0" u="none" strike="noStrike" cap="none" spc="0">
+                <a:solidFill>
+                  <a:srgbClr val="92D050"/>
+                </a:solidFill>
+                <a:latin typeface="Agave"/>
+                <a:ea typeface="Agave"/>
+                <a:cs typeface="Agave"/>
+              </a:rPr>
+              <a:t>.</a:t>
+            </a:r>
+            <a:r>
+              <a:rPr lang="en-US" sz="2400" b="0" i="0" u="none" strike="noStrike" cap="none" spc="0">
+                <a:solidFill>
                   <a:schemeClr val="bg1">
                     <a:lumMod val="95000"/>
                   </a:schemeClr>
@@ -5777,33 +5913,7 @@
                 <a:ea typeface="Agave"/>
                 <a:cs typeface="Agave"/>
               </a:rPr>
-              <a:t>L</a:t>
-            </a:r>
-            <a:r>
-              <a:rPr lang="en-US" sz="2400" b="0" i="0" u="none" strike="noStrike" cap="none" spc="0">
-                <a:solidFill>
-                  <a:schemeClr val="bg1">
-                    <a:lumMod val="95000"/>
-                  </a:schemeClr>
-                </a:solidFill>
-                <a:latin typeface="Agave"/>
-                <a:ea typeface="Agave"/>
-                <a:cs typeface="Agave"/>
-              </a:rPr>
-              <a:t>et</a:t>
-            </a:r>
-            <a:r>
-              <a:rPr lang="en-US" sz="2400" b="0" i="0" u="none" strike="noStrike" cap="none" spc="0">
-                <a:solidFill>
-                  <a:schemeClr val="bg1">
-                    <a:lumMod val="95000"/>
-                  </a:schemeClr>
-                </a:solidFill>
-                <a:latin typeface="Agave"/>
-                <a:ea typeface="Agave"/>
-                <a:cs typeface="Agave"/>
-              </a:rPr>
-              <a:t> the diet reform be progressive. Let the people be taught how to prepare food without the use of milk or butter. Tell them that the time will soon come when there will be no safety in using eggs, milk, cream, or butter, </a:t>
+              <a:t> Tell them that the time will soon come when there will be no safety in using eggs, milk, cream, or butter, </a:t>
             </a:r>
             <a:endParaRPr lang="en-US" sz="2400" b="0" i="0" u="none" strike="noStrike" cap="none" spc="0">
               <a:solidFill>

--- a/posts/2/slides.pptx
+++ b/posts/2/slides.pptx
@@ -3883,10 +3883,9 @@
     <p:bg>
       <p:bgPr shadeToTitle="0">
         <a:solidFill>
-          <a:schemeClr val="accent4">
-            <a:lumMod val="50000"/>
+          <a:srgbClr val="26233A">
             <a:alpha val="99999"/>
-          </a:schemeClr>
+          </a:srgbClr>
         </a:solidFill>
       </p:bgPr>
     </p:bg>
@@ -3904,47 +3903,6 @@
           <a:chExt cx="0" cy="0"/>
         </a:xfrm>
       </p:grpSpPr>
-      <p:sp>
-        <p:nvSpPr>
-          <p:cNvPr id="1211603716" name=""/>
-          <p:cNvSpPr/>
-          <p:nvPr/>
-        </p:nvSpPr>
-        <p:spPr bwMode="auto">
-          <a:xfrm flipH="0" flipV="0">
-            <a:off x="581146" y="1619248"/>
-            <a:ext cx="9081799" cy="7938594"/>
-          </a:xfrm>
-          <a:prstGeom prst="roundRect">
-            <a:avLst>
-              <a:gd name="adj" fmla="val 3765"/>
-            </a:avLst>
-          </a:prstGeom>
-          <a:solidFill>
-            <a:srgbClr val="232136"/>
-          </a:solidFill>
-          <a:ln w="25400" cap="flat" cmpd="sng" algn="ctr">
-            <a:noFill/>
-            <a:prstDash val="solid"/>
-          </a:ln>
-        </p:spPr>
-        <p:style>
-          <a:lnRef idx="2">
-            <a:schemeClr val="accent1">
-              <a:shade val="50000"/>
-            </a:schemeClr>
-          </a:lnRef>
-          <a:fillRef idx="1">
-            <a:schemeClr val="accent1"/>
-          </a:fillRef>
-          <a:effectRef idx="0">
-            <a:schemeClr val="accent1"/>
-          </a:effectRef>
-          <a:fontRef idx="minor">
-            <a:schemeClr val="lt1"/>
-          </a:fontRef>
-        </p:style>
-      </p:sp>
       <p:pic>
         <p:nvPicPr>
           <p:cNvPr id="1181590362" name=""/>
@@ -3959,8 +3917,8 @@
         </p:blipFill>
         <p:spPr bwMode="auto">
           <a:xfrm rot="0" flipH="0" flipV="0">
-            <a:off x="581144" y="2495549"/>
-            <a:ext cx="9081794" cy="5096278"/>
+            <a:off x="581143" y="2460077"/>
+            <a:ext cx="9417835" cy="5438446"/>
           </a:xfrm>
           <a:prstGeom prst="roundRect">
             <a:avLst>
@@ -3969,54 +3927,6 @@
           </a:prstGeom>
         </p:spPr>
       </p:pic>
-      <p:sp>
-        <p:nvSpPr>
-          <p:cNvPr id="640765977" name="TextBox 6"/>
-          <p:cNvSpPr txBox="1"/>
-          <p:nvPr/>
-        </p:nvSpPr>
-        <p:spPr bwMode="auto">
-          <a:xfrm rot="0" flipH="0" flipV="0">
-            <a:off x="8875237" y="9443440"/>
-            <a:ext cx="1261780" cy="782552"/>
-          </a:xfrm>
-          <a:prstGeom prst="rect">
-            <a:avLst/>
-          </a:prstGeom>
-        </p:spPr>
-        <p:txBody>
-          <a:bodyPr lIns="0" tIns="0" rIns="0" bIns="0" rtlCol="0" anchor="t">
-            <a:spAutoFit/>
-          </a:bodyPr>
-          <a:lstStyle/>
-          <a:p>
-            <a:pPr algn="ctr">
-              <a:lnSpc>
-                <a:spcPts val="6159"/>
-              </a:lnSpc>
-              <a:defRPr/>
-            </a:pPr>
-            <a:r>
-              <a:rPr lang="en-US" sz="2600" b="0">
-                <a:solidFill>
-                  <a:schemeClr val="bg1"/>
-                </a:solidFill>
-                <a:latin typeface="Agave"/>
-                <a:ea typeface="Agave"/>
-                <a:cs typeface="Agave"/>
-              </a:rPr>
-              <a:t>1/3</a:t>
-            </a:r>
-            <a:endParaRPr sz="2600" b="0">
-              <a:solidFill>
-                <a:schemeClr val="bg1"/>
-              </a:solidFill>
-              <a:latin typeface="Tinos"/>
-              <a:cs typeface="Tinos"/>
-            </a:endParaRPr>
-          </a:p>
-        </p:txBody>
-      </p:sp>
       <p:cxnSp>
         <p:nvCxnSpPr>
           <p:cNvPr id="645384857" name=""/>
@@ -4027,20 +3937,18 @@
         </p:nvCxnSpPr>
         <p:spPr bwMode="auto">
           <a:xfrm rot="0" flipH="0" flipV="1">
-            <a:off x="3562349" y="8065663"/>
+            <a:off x="3564000" y="8228224"/>
             <a:ext cx="5753275" cy="0"/>
           </a:xfrm>
           <a:prstGeom prst="line">
             <a:avLst/>
           </a:prstGeom>
-          <a:ln w="57150" cap="flat" cmpd="sng" algn="ctr">
+          <a:ln w="38099" cap="flat" cmpd="sng" algn="ctr">
             <a:solidFill>
-              <a:schemeClr val="bg1">
-                <a:lumMod val="74901"/>
-              </a:schemeClr>
+              <a:schemeClr val="bg1"/>
             </a:solidFill>
             <a:prstDash val="solid"/>
-            <a:tailEnd type="arrow" len="med"/>
+            <a:tailEnd type="oval" len="med"/>
           </a:ln>
         </p:spPr>
         <p:style>
@@ -4068,8 +3976,8 @@
         </p:nvSpPr>
         <p:spPr bwMode="auto">
           <a:xfrm flipH="0" flipV="0">
-            <a:off x="3562349" y="8218478"/>
-            <a:ext cx="5155326" cy="488039"/>
+            <a:off x="3562348" y="8382701"/>
+            <a:ext cx="5155685" cy="488039"/>
           </a:xfrm>
           <a:prstGeom prst="rect">
             <a:avLst/>
@@ -4087,9 +3995,7 @@
             <a:r>
               <a:rPr sz="2600">
                 <a:solidFill>
-                  <a:schemeClr val="bg1">
-                    <a:lumMod val="75000"/>
-                  </a:schemeClr>
+                  <a:schemeClr val="bg1"/>
                 </a:solidFill>
                 <a:latin typeface="Agave"/>
                 <a:ea typeface="Agave"/>
@@ -4099,9 +4005,7 @@
             </a:r>
             <a:endParaRPr sz="2600">
               <a:solidFill>
-                <a:schemeClr val="bg1">
-                  <a:lumMod val="75000"/>
-                </a:schemeClr>
+                <a:schemeClr val="bg1"/>
               </a:solidFill>
               <a:latin typeface="Agave"/>
               <a:cs typeface="Agave"/>
@@ -4111,14 +4015,14 @@
       </p:sp>
       <p:sp>
         <p:nvSpPr>
-          <p:cNvPr id="2119404911" name="TextBox 6"/>
+          <p:cNvPr id="1730009929" name="TextBox 6"/>
           <p:cNvSpPr txBox="1"/>
           <p:nvPr/>
         </p:nvSpPr>
         <p:spPr bwMode="auto">
           <a:xfrm rot="0" flipH="0" flipV="0">
-            <a:off x="6297108" y="5354903"/>
-            <a:ext cx="3365829" cy="1688450"/>
+            <a:off x="3984579" y="2956648"/>
+            <a:ext cx="5428544" cy="548999"/>
           </a:xfrm>
           <a:prstGeom prst="rect">
             <a:avLst/>
@@ -4137,41 +4041,63 @@
               <a:defRPr/>
             </a:pPr>
             <a:r>
-              <a:rPr lang="en-US" sz="2200" b="0">
-                <a:solidFill>
-                  <a:schemeClr val="bg1"/>
+              <a:rPr lang="en-US" sz="3600" b="1" i="0" u="none" strike="noStrike" cap="none" spc="0">
+                <a:solidFill>
+                  <a:srgbClr val="26233A"/>
                 </a:solidFill>
                 <a:latin typeface="Agave"/>
                 <a:ea typeface="Agave"/>
                 <a:cs typeface="Agave"/>
               </a:rPr>
-              <a:t>those who </a:t>
-            </a:r>
-            <a:r>
-              <a:rPr lang="en-US" sz="2200" b="0">
-                <a:solidFill>
-                  <a:schemeClr val="bg1"/>
-                </a:solidFill>
-                <a:latin typeface="Open Sans"/>
-                <a:ea typeface="Open Sans"/>
-                <a:cs typeface="Open Sans"/>
-              </a:rPr>
-              <a:t>consume </a:t>
-            </a:r>
-            <a:r>
-              <a:rPr lang="en-US" sz="2200" b="0">
-                <a:solidFill>
-                  <a:schemeClr val="bg1"/>
+              <a:t>🌿</a:t>
+            </a:r>
+            <a:r>
+              <a:rPr lang="en-US" sz="3600" b="1" i="0" u="none" strike="noStrike" cap="none" spc="0">
+                <a:solidFill>
+                  <a:srgbClr val="26233A"/>
                 </a:solidFill>
                 <a:latin typeface="Agave"/>
                 <a:ea typeface="Agave"/>
                 <a:cs typeface="Agave"/>
               </a:rPr>
-              <a:t>mostly plant products have the lowest prevalence of type 2 diabetes </a:t>
-            </a:r>
-            <a:endParaRPr lang="en-US" sz="2200" b="0">
+              <a:t>  🧀  </a:t>
+            </a:r>
+            <a:r>
+              <a:rPr lang="en-US" sz="3600" b="1" i="0" u="none" strike="noStrike" cap="none" spc="0">
+                <a:solidFill>
+                  <a:srgbClr val="26233A"/>
+                </a:solidFill>
+                <a:latin typeface="Agave"/>
+                <a:ea typeface="Agave"/>
+                <a:cs typeface="Agave"/>
+              </a:rPr>
+              <a:t>🐟</a:t>
+            </a:r>
+            <a:r>
+              <a:rPr lang="en-US" sz="3600" b="1" i="0" u="none" strike="noStrike" cap="none" spc="0">
+                <a:solidFill>
+                  <a:srgbClr val="26233A"/>
+                </a:solidFill>
+                <a:latin typeface="Agave"/>
+                <a:ea typeface="Agave"/>
+                <a:cs typeface="Agave"/>
+              </a:rPr>
+              <a:t>  🍖</a:t>
+            </a:r>
+            <a:r>
+              <a:rPr lang="en-US" sz="3600" b="1" i="0" u="none" strike="noStrike" cap="none" spc="0">
+                <a:solidFill>
+                  <a:srgbClr val="26233A"/>
+                </a:solidFill>
+                <a:latin typeface="Agave"/>
+                <a:ea typeface="Agave"/>
+                <a:cs typeface="Agave"/>
+              </a:rPr>
+              <a:t>  🥩</a:t>
+            </a:r>
+            <a:endParaRPr sz="2200" b="1">
               <a:solidFill>
-                <a:schemeClr val="bg1"/>
+                <a:srgbClr val="26233A"/>
               </a:solidFill>
               <a:latin typeface="Agave"/>
               <a:ea typeface="Agave"/>
@@ -4180,61 +4106,16 @@
           </a:p>
         </p:txBody>
       </p:sp>
-      <p:cxnSp>
-        <p:nvCxnSpPr>
-          <p:cNvPr id="0" name=""/>
-          <p:cNvCxnSpPr>
-            <a:cxnSpLocks/>
-          </p:cNvCxnSpPr>
-          <p:nvPr/>
-        </p:nvCxnSpPr>
-        <p:spPr bwMode="auto">
-          <a:xfrm rot="0" flipH="1" flipV="0">
-            <a:off x="2592748" y="6134097"/>
-            <a:ext cx="3598498" cy="464997"/>
-          </a:xfrm>
-          <a:prstGeom prst="curvedConnector3">
-            <a:avLst>
-              <a:gd name="adj1" fmla="val 122580"/>
-            </a:avLst>
-          </a:prstGeom>
-          <a:ln w="38099" cap="flat" cmpd="sng" algn="ctr">
-            <a:solidFill>
-              <a:schemeClr val="bg1">
-                <a:lumMod val="94901"/>
-              </a:schemeClr>
-            </a:solidFill>
-            <a:prstDash val="solid"/>
-            <a:tailEnd type="arrow" len="med"/>
-          </a:ln>
-        </p:spPr>
-        <p:style>
-          <a:lnRef idx="1">
-            <a:schemeClr val="accent1">
-              <a:shade val="50000"/>
-            </a:schemeClr>
-          </a:lnRef>
-          <a:fillRef idx="0">
-            <a:schemeClr val="accent1"/>
-          </a:fillRef>
-          <a:effectRef idx="0">
-            <a:schemeClr val="accent1"/>
-          </a:effectRef>
-          <a:fontRef idx="minor">
-            <a:schemeClr val="tx1"/>
-          </a:fontRef>
-        </p:style>
-      </p:cxnSp>
-      <p:sp>
-        <p:nvSpPr>
-          <p:cNvPr id="1730009929" name="TextBox 6"/>
+      <p:sp>
+        <p:nvSpPr>
+          <p:cNvPr id="1200676914" name="TextBox 6"/>
           <p:cNvSpPr txBox="1"/>
           <p:nvPr/>
         </p:nvSpPr>
         <p:spPr bwMode="auto">
           <a:xfrm rot="0" flipH="0" flipV="0">
-            <a:off x="3901477" y="2994021"/>
-            <a:ext cx="5419185" cy="396599"/>
+            <a:off x="3991640" y="3880489"/>
+            <a:ext cx="4511538" cy="548999"/>
           </a:xfrm>
           <a:prstGeom prst="rect">
             <a:avLst/>
@@ -4253,31 +4134,113 @@
               <a:defRPr/>
             </a:pPr>
             <a:r>
-              <a:rPr lang="en-US" sz="2600" b="0" i="0" u="none" strike="noStrike" cap="none" spc="0">
-                <a:solidFill>
-                  <a:schemeClr val="tx2"/>
+              <a:rPr lang="en-US" sz="3600" b="1" i="0" u="none" strike="noStrike" cap="none" spc="0">
+                <a:solidFill>
+                  <a:srgbClr val="26233A"/>
                 </a:solidFill>
                 <a:latin typeface="Agave"/>
                 <a:ea typeface="Agave"/>
                 <a:cs typeface="Agave"/>
               </a:rPr>
-              <a:t>——🌱</a:t>
-            </a:r>
-            <a:r>
-              <a:rPr lang="en-US" sz="2600" b="0" i="0" u="none" strike="noStrike" cap="none" spc="0">
-                <a:solidFill>
-                  <a:schemeClr val="tx2"/>
+              <a:t>🌿</a:t>
+            </a:r>
+            <a:r>
+              <a:rPr lang="en-US" sz="3600" b="1" i="0" u="none" strike="noStrike" cap="none" spc="0">
+                <a:solidFill>
+                  <a:srgbClr val="26233A"/>
                 </a:solidFill>
                 <a:latin typeface="Agave"/>
                 <a:ea typeface="Agave"/>
                 <a:cs typeface="Agave"/>
               </a:rPr>
-              <a:t>🧀</a:t>
-            </a:r>
-            <a:r>
-              <a:rPr lang="en-US" sz="2600" b="0" i="0" u="none" strike="noStrike" cap="none" spc="0">
-                <a:solidFill>
-                  <a:schemeClr val="tx2"/>
+              <a:t>  🧀  </a:t>
+            </a:r>
+            <a:r>
+              <a:rPr lang="en-US" sz="3600" b="1" i="0" u="none" strike="noStrike" cap="none" spc="0">
+                <a:solidFill>
+                  <a:srgbClr val="26233A"/>
+                </a:solidFill>
+                <a:latin typeface="Agave"/>
+                <a:ea typeface="Agave"/>
+                <a:cs typeface="Agave"/>
+              </a:rPr>
+              <a:t>🐟 </a:t>
+            </a:r>
+            <a:r>
+              <a:rPr lang="en-US" sz="3600" b="1" i="0" u="none" strike="noStrike" cap="none" spc="0">
+                <a:solidFill>
+                  <a:srgbClr val="26233A"/>
+                </a:solidFill>
+                <a:latin typeface="Agave"/>
+                <a:ea typeface="Agave"/>
+                <a:cs typeface="Agave"/>
+              </a:rPr>
+              <a:t> 🍖</a:t>
+            </a:r>
+            <a:endParaRPr sz="2200" b="1">
+              <a:solidFill>
+                <a:srgbClr val="26233A"/>
+              </a:solidFill>
+              <a:latin typeface="Agave"/>
+              <a:ea typeface="Agave"/>
+              <a:cs typeface="Agave"/>
+            </a:endParaRPr>
+          </a:p>
+        </p:txBody>
+      </p:sp>
+      <p:sp>
+        <p:nvSpPr>
+          <p:cNvPr id="437785497" name="TextBox 6"/>
+          <p:cNvSpPr txBox="1"/>
+          <p:nvPr/>
+        </p:nvSpPr>
+        <p:spPr bwMode="auto">
+          <a:xfrm rot="0" flipH="0" flipV="0">
+            <a:off x="3932109" y="4797270"/>
+            <a:ext cx="3320859" cy="548999"/>
+          </a:xfrm>
+          <a:prstGeom prst="rect">
+            <a:avLst/>
+          </a:prstGeom>
+        </p:spPr>
+        <p:txBody>
+          <a:bodyPr lIns="0" tIns="0" rIns="0" bIns="0" rtlCol="0" anchor="t">
+            <a:spAutoFit/>
+          </a:bodyPr>
+          <a:lstStyle/>
+          <a:p>
+            <a:pPr algn="l">
+              <a:lnSpc>
+                <a:spcPct val="100000"/>
+              </a:lnSpc>
+              <a:defRPr/>
+            </a:pPr>
+            <a:r>
+              <a:rPr lang="en-US" sz="3600" b="1" i="0" u="none" strike="noStrike" cap="none" spc="0">
+                <a:solidFill>
+                  <a:srgbClr val="26233A"/>
+                </a:solidFill>
+                <a:latin typeface="Agave"/>
+                <a:ea typeface="Agave"/>
+                <a:cs typeface="Agave"/>
+              </a:rPr>
+              <a:t>🌿</a:t>
+            </a:r>
+            <a:r>
+              <a:rPr lang="en-US" sz="3600" b="1" i="0" u="none" strike="noStrike" cap="none" spc="0">
+                <a:solidFill>
+                  <a:srgbClr val="26233A"/>
+                </a:solidFill>
+                <a:latin typeface="Agave"/>
+                <a:ea typeface="Agave"/>
+                <a:cs typeface="Agave"/>
+              </a:rPr>
+              <a:t>  🧀  </a:t>
+            </a:r>
+            <a:r>
+              <a:rPr lang="en-US" sz="3600" b="1" i="0" u="none" strike="noStrike" cap="none" spc="0">
+                <a:solidFill>
+                  <a:srgbClr val="26233A"/>
                 </a:solidFill>
                 <a:latin typeface="Agave"/>
                 <a:ea typeface="Agave"/>
@@ -4285,31 +4248,9 @@
               </a:rPr>
               <a:t>🐟</a:t>
             </a:r>
-            <a:r>
-              <a:rPr lang="en-US" sz="2600" b="0" i="0" u="none" strike="noStrike" cap="none" spc="0">
-                <a:solidFill>
-                  <a:schemeClr val="tx2"/>
-                </a:solidFill>
-                <a:latin typeface="Agave"/>
-                <a:ea typeface="Agave"/>
-                <a:cs typeface="Agave"/>
-              </a:rPr>
-              <a:t>🍖</a:t>
-            </a:r>
-            <a:r>
-              <a:rPr lang="en-US" sz="2600" b="0" i="0" u="none" strike="noStrike" cap="none" spc="0">
-                <a:solidFill>
-                  <a:schemeClr val="tx2"/>
-                </a:solidFill>
-                <a:latin typeface="Agave"/>
-                <a:ea typeface="Agave"/>
-                <a:cs typeface="Agave"/>
-              </a:rPr>
-              <a:t>🥩—————————————————</a:t>
-            </a:r>
-            <a:endParaRPr sz="1800" b="0">
+            <a:endParaRPr sz="2200" b="1">
               <a:solidFill>
-                <a:schemeClr val="tx2"/>
+                <a:srgbClr val="26233A"/>
               </a:solidFill>
               <a:latin typeface="Agave"/>
               <a:ea typeface="Agave"/>
@@ -4320,14 +4261,14 @@
       </p:sp>
       <p:sp>
         <p:nvSpPr>
-          <p:cNvPr id="1200676914" name="TextBox 6"/>
+          <p:cNvPr id="93539498" name="TextBox 6"/>
           <p:cNvSpPr txBox="1"/>
           <p:nvPr/>
         </p:nvSpPr>
         <p:spPr bwMode="auto">
           <a:xfrm rot="0" flipH="0" flipV="0">
-            <a:off x="3863376" y="3813169"/>
-            <a:ext cx="4494258" cy="396599"/>
+            <a:off x="3894012" y="5675950"/>
+            <a:ext cx="3320859" cy="548999"/>
           </a:xfrm>
           <a:prstGeom prst="rect">
             <a:avLst/>
@@ -4346,52 +4287,30 @@
               <a:defRPr/>
             </a:pPr>
             <a:r>
-              <a:rPr lang="en-US" sz="2600" b="0" i="0" u="none" strike="noStrike" cap="none" spc="0">
-                <a:solidFill>
-                  <a:schemeClr val="tx2"/>
+              <a:rPr lang="en-US" sz="3600" b="1" i="0" u="none" strike="noStrike" cap="none" spc="0">
+                <a:solidFill>
+                  <a:srgbClr val="26233A"/>
                 </a:solidFill>
                 <a:latin typeface="Agave"/>
                 <a:ea typeface="Agave"/>
                 <a:cs typeface="Agave"/>
               </a:rPr>
-              <a:t>——🌱</a:t>
-            </a:r>
-            <a:r>
-              <a:rPr lang="en-US" sz="2600" b="0" i="0" u="none" strike="noStrike" cap="none" spc="0">
-                <a:solidFill>
-                  <a:schemeClr val="tx2"/>
+              <a:t>🌿</a:t>
+            </a:r>
+            <a:r>
+              <a:rPr lang="en-US" sz="3600" b="1" i="0" u="none" strike="noStrike" cap="none" spc="0">
+                <a:solidFill>
+                  <a:srgbClr val="26233A"/>
                 </a:solidFill>
                 <a:latin typeface="Agave"/>
                 <a:ea typeface="Agave"/>
                 <a:cs typeface="Agave"/>
               </a:rPr>
-              <a:t>🧀</a:t>
-            </a:r>
-            <a:r>
-              <a:rPr lang="en-US" sz="2600" b="0" i="0" u="none" strike="noStrike" cap="none" spc="0">
-                <a:solidFill>
-                  <a:schemeClr val="tx2"/>
-                </a:solidFill>
-                <a:latin typeface="Agave"/>
-                <a:ea typeface="Agave"/>
-                <a:cs typeface="Agave"/>
-              </a:rPr>
-              <a:t>🐟</a:t>
-            </a:r>
-            <a:r>
-              <a:rPr lang="en-US" sz="2600" b="0" i="0" u="none" strike="noStrike" cap="none" spc="0">
-                <a:solidFill>
-                  <a:schemeClr val="tx2"/>
-                </a:solidFill>
-                <a:latin typeface="Agave"/>
-                <a:ea typeface="Agave"/>
-                <a:cs typeface="Agave"/>
-              </a:rPr>
-              <a:t>🍖—————————————</a:t>
-            </a:r>
-            <a:endParaRPr sz="1800" b="0">
+              <a:t>  🧀</a:t>
+            </a:r>
+            <a:endParaRPr sz="2200" b="1">
               <a:solidFill>
-                <a:schemeClr val="tx2"/>
+                <a:srgbClr val="26233A"/>
               </a:solidFill>
               <a:latin typeface="Agave"/>
               <a:ea typeface="Agave"/>
@@ -4402,14 +4321,14 @@
       </p:sp>
       <p:sp>
         <p:nvSpPr>
-          <p:cNvPr id="437785497" name="TextBox 6"/>
+          <p:cNvPr id="70580216" name="TextBox 6"/>
           <p:cNvSpPr txBox="1"/>
           <p:nvPr/>
         </p:nvSpPr>
         <p:spPr bwMode="auto">
           <a:xfrm rot="0" flipH="0" flipV="0">
-            <a:off x="3863376" y="4670419"/>
-            <a:ext cx="3306100" cy="792839"/>
+            <a:off x="3855908" y="6614163"/>
+            <a:ext cx="3319059" cy="548999"/>
           </a:xfrm>
           <a:prstGeom prst="rect">
             <a:avLst/>
@@ -4428,325 +4347,23 @@
               <a:defRPr/>
             </a:pPr>
             <a:r>
-              <a:rPr lang="en-US" sz="2600" b="0" i="0" u="none" strike="noStrike" cap="none" spc="0">
-                <a:solidFill>
-                  <a:schemeClr val="tx2"/>
+              <a:rPr lang="en-US" sz="3600" b="1" i="0" u="none" strike="noStrike" cap="none" spc="0">
+                <a:solidFill>
+                  <a:srgbClr val="26233A"/>
                 </a:solidFill>
                 <a:latin typeface="Agave"/>
                 <a:ea typeface="Agave"/>
                 <a:cs typeface="Agave"/>
               </a:rPr>
-              <a:t>——🌱</a:t>
-            </a:r>
-            <a:r>
-              <a:rPr lang="en-US" sz="2600" b="0" i="0" u="none" strike="noStrike" cap="none" spc="0">
-                <a:solidFill>
-                  <a:schemeClr val="tx2"/>
-                </a:solidFill>
-                <a:latin typeface="Agave"/>
-                <a:ea typeface="Agave"/>
-                <a:cs typeface="Agave"/>
-              </a:rPr>
-              <a:t>🧀</a:t>
-            </a:r>
-            <a:r>
-              <a:rPr lang="en-US" sz="2600" b="0" i="0" u="none" strike="noStrike" cap="none" spc="0">
-                <a:solidFill>
-                  <a:schemeClr val="tx2"/>
-                </a:solidFill>
-                <a:latin typeface="Agave"/>
-                <a:ea typeface="Agave"/>
-                <a:cs typeface="Agave"/>
-              </a:rPr>
-              <a:t>🐟————————————</a:t>
-            </a:r>
-            <a:endParaRPr sz="1800" b="0">
+              <a:t>🌿</a:t>
+            </a:r>
+            <a:endParaRPr sz="2200" b="1">
               <a:solidFill>
-                <a:schemeClr val="tx2"/>
+                <a:srgbClr val="26233A"/>
               </a:solidFill>
               <a:latin typeface="Agave"/>
               <a:ea typeface="Agave"/>
               <a:cs typeface="Agave"/>
-            </a:endParaRPr>
-          </a:p>
-        </p:txBody>
-      </p:sp>
-      <p:sp>
-        <p:nvSpPr>
-          <p:cNvPr id="93539498" name="TextBox 6"/>
-          <p:cNvSpPr txBox="1"/>
-          <p:nvPr/>
-        </p:nvSpPr>
-        <p:spPr bwMode="auto">
-          <a:xfrm rot="0" flipH="0" flipV="0">
-            <a:off x="3825279" y="5584818"/>
-            <a:ext cx="3305020" cy="396599"/>
-          </a:xfrm>
-          <a:prstGeom prst="rect">
-            <a:avLst/>
-          </a:prstGeom>
-        </p:spPr>
-        <p:txBody>
-          <a:bodyPr lIns="0" tIns="0" rIns="0" bIns="0" rtlCol="0" anchor="t">
-            <a:spAutoFit/>
-          </a:bodyPr>
-          <a:lstStyle/>
-          <a:p>
-            <a:pPr algn="l">
-              <a:lnSpc>
-                <a:spcPct val="100000"/>
-              </a:lnSpc>
-              <a:defRPr/>
-            </a:pPr>
-            <a:r>
-              <a:rPr lang="en-US" sz="2600" b="0" i="0" u="none" strike="noStrike" cap="none" spc="0">
-                <a:solidFill>
-                  <a:schemeClr val="tx2"/>
-                </a:solidFill>
-                <a:latin typeface="Agave"/>
-                <a:ea typeface="Agave"/>
-                <a:cs typeface="Agave"/>
-              </a:rPr>
-              <a:t>——🌱</a:t>
-            </a:r>
-            <a:r>
-              <a:rPr lang="en-US" sz="2600" b="0" i="0" u="none" strike="noStrike" cap="none" spc="0">
-                <a:solidFill>
-                  <a:schemeClr val="tx2"/>
-                </a:solidFill>
-                <a:latin typeface="Agave"/>
-                <a:ea typeface="Agave"/>
-                <a:cs typeface="Agave"/>
-              </a:rPr>
-              <a:t>🧀——————</a:t>
-            </a:r>
-            <a:endParaRPr sz="1800" b="0">
-              <a:solidFill>
-                <a:schemeClr val="tx2"/>
-              </a:solidFill>
-              <a:latin typeface="Agave"/>
-              <a:ea typeface="Agave"/>
-              <a:cs typeface="Agave"/>
-            </a:endParaRPr>
-          </a:p>
-        </p:txBody>
-      </p:sp>
-      <p:sp>
-        <p:nvSpPr>
-          <p:cNvPr id="70580216" name="TextBox 6"/>
-          <p:cNvSpPr txBox="1"/>
-          <p:nvPr/>
-        </p:nvSpPr>
-        <p:spPr bwMode="auto">
-          <a:xfrm rot="0" flipH="0" flipV="0">
-            <a:off x="3787176" y="6403968"/>
-            <a:ext cx="3305380" cy="396599"/>
-          </a:xfrm>
-          <a:prstGeom prst="rect">
-            <a:avLst/>
-          </a:prstGeom>
-        </p:spPr>
-        <p:txBody>
-          <a:bodyPr lIns="0" tIns="0" rIns="0" bIns="0" rtlCol="0" anchor="t">
-            <a:spAutoFit/>
-          </a:bodyPr>
-          <a:lstStyle/>
-          <a:p>
-            <a:pPr algn="l">
-              <a:lnSpc>
-                <a:spcPct val="100000"/>
-              </a:lnSpc>
-              <a:defRPr/>
-            </a:pPr>
-            <a:r>
-              <a:rPr lang="en-US" sz="2600" b="0" i="0" u="none" strike="noStrike" cap="none" spc="0">
-                <a:solidFill>
-                  <a:schemeClr val="tx2"/>
-                </a:solidFill>
-                <a:latin typeface="Agave"/>
-                <a:ea typeface="Agave"/>
-                <a:cs typeface="Agave"/>
-              </a:rPr>
-              <a:t>——🌱———————</a:t>
-            </a:r>
-            <a:endParaRPr sz="1800" b="0">
-              <a:solidFill>
-                <a:schemeClr val="tx2"/>
-              </a:solidFill>
-              <a:latin typeface="Agave"/>
-              <a:ea typeface="Agave"/>
-              <a:cs typeface="Agave"/>
-            </a:endParaRPr>
-          </a:p>
-        </p:txBody>
-      </p:sp>
-      <p:sp>
-        <p:nvSpPr>
-          <p:cNvPr id="17123962" name="TextBox 6"/>
-          <p:cNvSpPr txBox="1"/>
-          <p:nvPr/>
-        </p:nvSpPr>
-        <p:spPr bwMode="auto">
-          <a:xfrm rot="0" flipH="0" flipV="0">
-            <a:off x="-291593" y="163459"/>
-            <a:ext cx="11076679" cy="1056618"/>
-          </a:xfrm>
-          <a:prstGeom prst="rect">
-            <a:avLst/>
-          </a:prstGeom>
-        </p:spPr>
-        <p:txBody>
-          <a:bodyPr lIns="0" tIns="0" rIns="0" bIns="0" rtlCol="0" anchor="t">
-            <a:spAutoFit/>
-          </a:bodyPr>
-          <a:lstStyle/>
-          <a:p>
-            <a:pPr algn="ctr">
-              <a:lnSpc>
-                <a:spcPts val="6157"/>
-              </a:lnSpc>
-              <a:defRPr/>
-            </a:pPr>
-            <a:r>
-              <a:rPr lang="en-US" sz="2700" b="0" i="0" u="none" strike="noStrike" cap="none" spc="0">
-                <a:solidFill>
-                  <a:schemeClr val="bg1"/>
-                </a:solidFill>
-                <a:latin typeface="Agave"/>
-                <a:ea typeface="Agave"/>
-                <a:cs typeface="Agave"/>
-              </a:rPr>
-              <a:t>Animal Products and Type 2 Diabetes</a:t>
-            </a:r>
-            <a:endParaRPr sz="2700" b="0">
-              <a:solidFill>
-                <a:schemeClr val="bg1"/>
-              </a:solidFill>
-              <a:latin typeface="Tinos"/>
-              <a:cs typeface="Tinos"/>
-            </a:endParaRPr>
-          </a:p>
-          <a:p>
-            <a:pPr>
-              <a:defRPr/>
-            </a:pPr>
-            <a:endParaRPr>
-              <a:solidFill>
-                <a:schemeClr val="bg1"/>
-              </a:solidFill>
-            </a:endParaRPr>
-          </a:p>
-        </p:txBody>
-      </p:sp>
-      <p:sp>
-        <p:nvSpPr>
-          <p:cNvPr id="1096498349" name="TextBox 6"/>
-          <p:cNvSpPr txBox="1"/>
-          <p:nvPr/>
-        </p:nvSpPr>
-        <p:spPr bwMode="auto">
-          <a:xfrm rot="0" flipH="0" flipV="0">
-            <a:off x="-80784" y="710786"/>
-            <a:ext cx="10567578" cy="782425"/>
-          </a:xfrm>
-          <a:prstGeom prst="rect">
-            <a:avLst/>
-          </a:prstGeom>
-        </p:spPr>
-        <p:txBody>
-          <a:bodyPr lIns="0" tIns="0" rIns="0" bIns="0" rtlCol="0" anchor="t">
-            <a:spAutoFit/>
-          </a:bodyPr>
-          <a:lstStyle/>
-          <a:p>
-            <a:pPr algn="ctr">
-              <a:lnSpc>
-                <a:spcPts val="6157"/>
-              </a:lnSpc>
-              <a:defRPr/>
-            </a:pPr>
-            <a:r>
-              <a:rPr lang="en-US" sz="2000" b="0">
-                <a:solidFill>
-                  <a:schemeClr val="accent1">
-                    <a:lumMod val="60000"/>
-                    <a:lumOff val="40000"/>
-                  </a:schemeClr>
-                </a:solidFill>
-                <a:latin typeface="Agave"/>
-                <a:ea typeface="Agave"/>
-                <a:cs typeface="Agave"/>
-              </a:rPr>
-              <a:t>Barnard et al, </a:t>
-            </a:r>
-            <a:r>
-              <a:rPr lang="en-US" sz="2000" b="0" i="0" u="none" strike="noStrike" cap="none" spc="0">
-                <a:solidFill>
-                  <a:schemeClr val="accent1">
-                    <a:lumMod val="60000"/>
-                    <a:lumOff val="40000"/>
-                  </a:schemeClr>
-                </a:solidFill>
-                <a:latin typeface="Agave"/>
-                <a:ea typeface="Agave"/>
-                <a:cs typeface="Agave"/>
-              </a:rPr>
-              <a:t>Nutrients 2014, 6, 897-910</a:t>
-            </a:r>
-            <a:endParaRPr sz="2600" b="0">
-              <a:solidFill>
-                <a:schemeClr val="bg1"/>
-              </a:solidFill>
-              <a:latin typeface="Tinos"/>
-              <a:cs typeface="Tinos"/>
-            </a:endParaRPr>
-          </a:p>
-        </p:txBody>
-      </p:sp>
-      <p:sp>
-        <p:nvSpPr>
-          <p:cNvPr id="1408898935" name="TextBox 6"/>
-          <p:cNvSpPr txBox="1"/>
-          <p:nvPr/>
-        </p:nvSpPr>
-        <p:spPr bwMode="auto">
-          <a:xfrm rot="0" flipH="0" flipV="0">
-            <a:off x="501507" y="9279211"/>
-            <a:ext cx="4016786" cy="782298"/>
-          </a:xfrm>
-          <a:prstGeom prst="rect">
-            <a:avLst/>
-          </a:prstGeom>
-        </p:spPr>
-        <p:txBody>
-          <a:bodyPr lIns="0" tIns="0" rIns="0" bIns="0" rtlCol="0" anchor="t">
-            <a:spAutoFit/>
-          </a:bodyPr>
-          <a:lstStyle/>
-          <a:p>
-            <a:pPr algn="ctr">
-              <a:lnSpc>
-                <a:spcPts val="6156"/>
-              </a:lnSpc>
-              <a:defRPr/>
-            </a:pPr>
-            <a:r>
-              <a:rPr lang="en-US" sz="2600" b="0">
-                <a:solidFill>
-                  <a:schemeClr val="bg1"/>
-                </a:solidFill>
-                <a:latin typeface="Agave"/>
-                <a:ea typeface="Agave"/>
-                <a:cs typeface="Agave"/>
-              </a:rPr>
-              <a:t>Counsels on Lifestyle</a:t>
-            </a:r>
-            <a:endParaRPr sz="2600" b="0">
-              <a:solidFill>
-                <a:schemeClr val="bg1"/>
-              </a:solidFill>
-              <a:latin typeface="Tinos"/>
-              <a:cs typeface="Tinos"/>
             </a:endParaRPr>
           </a:p>
         </p:txBody>
@@ -4799,6 +4416,234 @@
           </a:p>
         </p:txBody>
       </p:sp>
+      <p:sp>
+        <p:nvSpPr>
+          <p:cNvPr id="1930394974" name="TextBox 6"/>
+          <p:cNvSpPr txBox="1"/>
+          <p:nvPr/>
+        </p:nvSpPr>
+        <p:spPr bwMode="auto">
+          <a:xfrm rot="0" flipH="0" flipV="0">
+            <a:off x="588549" y="163458"/>
+            <a:ext cx="9359968" cy="1219559"/>
+          </a:xfrm>
+          <a:prstGeom prst="rect">
+            <a:avLst/>
+          </a:prstGeom>
+          <a:ln w="28575">
+            <a:noFill/>
+            <a:prstDash val="solid"/>
+          </a:ln>
+        </p:spPr>
+        <p:txBody>
+          <a:bodyPr lIns="0" tIns="0" rIns="0" bIns="0" rtlCol="0" anchor="t">
+            <a:spAutoFit/>
+          </a:bodyPr>
+          <a:lstStyle/>
+          <a:p>
+            <a:pPr algn="l">
+              <a:lnSpc>
+                <a:spcPct val="100000"/>
+              </a:lnSpc>
+              <a:defRPr/>
+            </a:pPr>
+            <a:r>
+              <a:rPr lang="en-US" sz="4000" b="0">
+                <a:solidFill>
+                  <a:schemeClr val="bg1"/>
+                </a:solidFill>
+                <a:latin typeface="Agave"/>
+                <a:ea typeface="Agave"/>
+                <a:cs typeface="Agave"/>
+              </a:rPr>
+              <a:t>Consuming Animal Products Linked to Higher Prevalence of Type 2 Diabetes</a:t>
+            </a:r>
+            <a:endParaRPr sz="4000" b="0">
+              <a:solidFill>
+                <a:schemeClr val="bg1"/>
+              </a:solidFill>
+              <a:latin typeface="Tinos"/>
+              <a:cs typeface="Tinos"/>
+            </a:endParaRPr>
+          </a:p>
+        </p:txBody>
+      </p:sp>
+      <p:sp>
+        <p:nvSpPr>
+          <p:cNvPr id="983369652" name="TextBox 6"/>
+          <p:cNvSpPr txBox="1"/>
+          <p:nvPr/>
+        </p:nvSpPr>
+        <p:spPr bwMode="auto">
+          <a:xfrm rot="0" flipH="0" flipV="0">
+            <a:off x="8875236" y="9443439"/>
+            <a:ext cx="1262139" cy="782552"/>
+          </a:xfrm>
+          <a:prstGeom prst="rect">
+            <a:avLst/>
+          </a:prstGeom>
+        </p:spPr>
+        <p:txBody>
+          <a:bodyPr lIns="0" tIns="0" rIns="0" bIns="0" rtlCol="0" anchor="t">
+            <a:spAutoFit/>
+          </a:bodyPr>
+          <a:lstStyle/>
+          <a:p>
+            <a:pPr algn="ctr">
+              <a:lnSpc>
+                <a:spcPts val="6158"/>
+              </a:lnSpc>
+              <a:defRPr/>
+            </a:pPr>
+            <a:r>
+              <a:rPr lang="en-US" sz="2600" b="0">
+                <a:solidFill>
+                  <a:schemeClr val="bg1"/>
+                </a:solidFill>
+                <a:latin typeface="Agave"/>
+                <a:ea typeface="Agave"/>
+                <a:cs typeface="Agave"/>
+              </a:rPr>
+              <a:t>1/3</a:t>
+            </a:r>
+            <a:endParaRPr sz="2600" b="0">
+              <a:solidFill>
+                <a:schemeClr val="bg1"/>
+              </a:solidFill>
+              <a:latin typeface="Tinos"/>
+              <a:cs typeface="Tinos"/>
+            </a:endParaRPr>
+          </a:p>
+        </p:txBody>
+      </p:sp>
+      <p:sp>
+        <p:nvSpPr>
+          <p:cNvPr id="1960901752" name="TextBox 6"/>
+          <p:cNvSpPr txBox="1"/>
+          <p:nvPr/>
+        </p:nvSpPr>
+        <p:spPr bwMode="auto">
+          <a:xfrm rot="0" flipH="0" flipV="0">
+            <a:off x="173058" y="9377743"/>
+            <a:ext cx="4017144" cy="782172"/>
+          </a:xfrm>
+          <a:prstGeom prst="rect">
+            <a:avLst/>
+          </a:prstGeom>
+        </p:spPr>
+        <p:txBody>
+          <a:bodyPr lIns="0" tIns="0" rIns="0" bIns="0" rtlCol="0" anchor="t">
+            <a:spAutoFit/>
+          </a:bodyPr>
+          <a:lstStyle/>
+          <a:p>
+            <a:pPr algn="ctr">
+              <a:lnSpc>
+                <a:spcPts val="6155"/>
+              </a:lnSpc>
+              <a:defRPr/>
+            </a:pPr>
+            <a:r>
+              <a:rPr lang="en-US" sz="2600" b="0">
+                <a:solidFill>
+                  <a:schemeClr val="bg1"/>
+                </a:solidFill>
+                <a:latin typeface="Agave"/>
+                <a:ea typeface="Agave"/>
+                <a:cs typeface="Agave"/>
+              </a:rPr>
+              <a:t>Counsels on Lifestyle</a:t>
+            </a:r>
+            <a:endParaRPr sz="2600" b="0">
+              <a:solidFill>
+                <a:schemeClr val="bg1"/>
+              </a:solidFill>
+              <a:latin typeface="Tinos"/>
+              <a:cs typeface="Tinos"/>
+            </a:endParaRPr>
+          </a:p>
+        </p:txBody>
+      </p:sp>
+      <p:cxnSp>
+        <p:nvCxnSpPr>
+          <p:cNvPr id="875081650" name=""/>
+          <p:cNvCxnSpPr>
+            <a:cxnSpLocks/>
+          </p:cNvCxnSpPr>
+          <p:nvPr/>
+        </p:nvCxnSpPr>
+        <p:spPr bwMode="auto">
+          <a:xfrm flipH="0" flipV="0">
+            <a:off x="13611" y="9578863"/>
+            <a:ext cx="10247581" cy="75540"/>
+          </a:xfrm>
+          <a:prstGeom prst="line">
+            <a:avLst/>
+          </a:prstGeom>
+          <a:ln w="38099" cap="flat" cmpd="sng" algn="ctr">
+            <a:solidFill>
+              <a:schemeClr val="bg1"/>
+            </a:solidFill>
+            <a:prstDash val="solid"/>
+          </a:ln>
+        </p:spPr>
+        <p:style>
+          <a:lnRef idx="1">
+            <a:schemeClr val="accent1">
+              <a:shade val="50000"/>
+            </a:schemeClr>
+          </a:lnRef>
+          <a:fillRef idx="0">
+            <a:schemeClr val="accent1"/>
+          </a:fillRef>
+          <a:effectRef idx="0">
+            <a:schemeClr val="accent1"/>
+          </a:effectRef>
+          <a:fontRef idx="minor">
+            <a:schemeClr val="tx1"/>
+          </a:fontRef>
+        </p:style>
+      </p:cxnSp>
+      <p:cxnSp>
+        <p:nvCxnSpPr>
+          <p:cNvPr id="1067950153" name=""/>
+          <p:cNvCxnSpPr>
+            <a:cxnSpLocks/>
+          </p:cNvCxnSpPr>
+          <p:nvPr/>
+        </p:nvCxnSpPr>
+        <p:spPr bwMode="auto">
+          <a:xfrm flipH="0" flipV="0">
+            <a:off x="1786" y="1520056"/>
+            <a:ext cx="10247581" cy="75540"/>
+          </a:xfrm>
+          <a:prstGeom prst="line">
+            <a:avLst/>
+          </a:prstGeom>
+          <a:ln w="38099" cap="flat" cmpd="sng" algn="ctr">
+            <a:solidFill>
+              <a:schemeClr val="bg1"/>
+            </a:solidFill>
+            <a:prstDash val="solid"/>
+          </a:ln>
+        </p:spPr>
+        <p:style>
+          <a:lnRef idx="1">
+            <a:schemeClr val="accent1">
+              <a:shade val="50000"/>
+            </a:schemeClr>
+          </a:lnRef>
+          <a:fillRef idx="0">
+            <a:schemeClr val="accent1"/>
+          </a:fillRef>
+          <a:effectRef idx="0">
+            <a:schemeClr val="accent1"/>
+          </a:effectRef>
+          <a:fontRef idx="minor">
+            <a:schemeClr val="tx1"/>
+          </a:fontRef>
+        </p:style>
+      </p:cxnSp>
     </p:spTree>
   </p:cSld>
   <p:clrMapOvr>
@@ -4821,10 +4666,9 @@
     <p:bg>
       <p:bgPr shadeToTitle="0">
         <a:solidFill>
-          <a:schemeClr val="accent4">
-            <a:lumMod val="50000"/>
+          <a:srgbClr val="26233A">
             <a:alpha val="99999"/>
-          </a:schemeClr>
+          </a:srgbClr>
         </a:solidFill>
       </p:bgPr>
     </p:bg>
@@ -4842,668 +4686,6 @@
           <a:chExt cx="0" cy="0"/>
         </a:xfrm>
       </p:grpSpPr>
-      <p:sp>
-        <p:nvSpPr>
-          <p:cNvPr id="795127148" name=""/>
-          <p:cNvSpPr/>
-          <p:nvPr/>
-        </p:nvSpPr>
-        <p:spPr bwMode="auto">
-          <a:xfrm flipH="0" flipV="0">
-            <a:off x="581145" y="1619247"/>
-            <a:ext cx="9081798" cy="7938594"/>
-          </a:xfrm>
-          <a:prstGeom prst="roundRect">
-            <a:avLst>
-              <a:gd name="adj" fmla="val 3765"/>
-            </a:avLst>
-          </a:prstGeom>
-          <a:solidFill>
-            <a:srgbClr val="232136"/>
-          </a:solidFill>
-          <a:ln w="25400" cap="flat" cmpd="sng" algn="ctr">
-            <a:noFill/>
-            <a:prstDash val="solid"/>
-          </a:ln>
-        </p:spPr>
-        <p:style>
-          <a:lnRef idx="2">
-            <a:schemeClr val="accent1">
-              <a:shade val="50000"/>
-            </a:schemeClr>
-          </a:lnRef>
-          <a:fillRef idx="1">
-            <a:schemeClr val="accent1"/>
-          </a:fillRef>
-          <a:effectRef idx="0">
-            <a:schemeClr val="accent1"/>
-          </a:effectRef>
-          <a:fontRef idx="minor">
-            <a:schemeClr val="lt1"/>
-          </a:fontRef>
-        </p:style>
-      </p:sp>
-      <p:sp>
-        <p:nvSpPr>
-          <p:cNvPr id="704332636" name="TextBox 6"/>
-          <p:cNvSpPr txBox="1"/>
-          <p:nvPr/>
-        </p:nvSpPr>
-        <p:spPr bwMode="auto">
-          <a:xfrm rot="0" flipH="0" flipV="0">
-            <a:off x="8875237" y="9443440"/>
-            <a:ext cx="1262502" cy="782552"/>
-          </a:xfrm>
-          <a:prstGeom prst="rect">
-            <a:avLst/>
-          </a:prstGeom>
-        </p:spPr>
-        <p:txBody>
-          <a:bodyPr lIns="0" tIns="0" rIns="0" bIns="0" rtlCol="0" anchor="t">
-            <a:spAutoFit/>
-          </a:bodyPr>
-          <a:lstStyle/>
-          <a:p>
-            <a:pPr algn="ctr">
-              <a:lnSpc>
-                <a:spcPts val="6159"/>
-              </a:lnSpc>
-              <a:defRPr/>
-            </a:pPr>
-            <a:r>
-              <a:rPr lang="en-US" sz="2600" b="0">
-                <a:solidFill>
-                  <a:schemeClr val="bg1"/>
-                </a:solidFill>
-                <a:latin typeface="Agave"/>
-                <a:ea typeface="Agave"/>
-                <a:cs typeface="Agave"/>
-              </a:rPr>
-              <a:t>2/3</a:t>
-            </a:r>
-            <a:endParaRPr sz="2600" b="0">
-              <a:solidFill>
-                <a:schemeClr val="bg1"/>
-              </a:solidFill>
-              <a:latin typeface="Tinos"/>
-              <a:cs typeface="Tinos"/>
-            </a:endParaRPr>
-          </a:p>
-        </p:txBody>
-      </p:sp>
-      <p:sp>
-        <p:nvSpPr>
-          <p:cNvPr id="1708333852" name=""/>
-          <p:cNvSpPr txBox="1"/>
-          <p:nvPr/>
-        </p:nvSpPr>
-        <p:spPr bwMode="auto">
-          <a:xfrm flipH="0" flipV="0">
-            <a:off x="1028691" y="1785078"/>
-            <a:ext cx="8706751" cy="8016599"/>
-          </a:xfrm>
-          <a:prstGeom prst="rect">
-            <a:avLst/>
-          </a:prstGeom>
-          <a:noFill/>
-        </p:spPr>
-        <p:txBody>
-          <a:bodyPr vertOverflow="overflow" horzOverflow="overflow" vert="horz" wrap="square" lIns="91440" tIns="45720" rIns="91440" bIns="45720" numCol="1" spcCol="0" rtlCol="0" fromWordArt="0" anchor="t" anchorCtr="0" forceAA="0" upright="0" compatLnSpc="0">
-            <a:spAutoFit/>
-          </a:bodyPr>
-          <a:p>
-            <a:pPr>
-              <a:defRPr/>
-            </a:pPr>
-            <a:r>
-              <a:rPr lang="en-US" sz="2600" b="0" i="0" u="none" strike="noStrike" cap="none" spc="0">
-                <a:solidFill>
-                  <a:srgbClr val="00B0F0"/>
-                </a:solidFill>
-                <a:latin typeface="Agave"/>
-                <a:ea typeface="Agave"/>
-                <a:cs typeface="Agave"/>
-              </a:rPr>
-              <a:t>Meat consumption</a:t>
-            </a:r>
-            <a:r>
-              <a:rPr lang="en-US" sz="2600" b="0" i="0" u="none" strike="noStrike" cap="none" spc="0">
-                <a:solidFill>
-                  <a:schemeClr val="bg1"/>
-                </a:solidFill>
-                <a:latin typeface="Agave"/>
-                <a:ea typeface="Agave"/>
-                <a:cs typeface="Agave"/>
-              </a:rPr>
-              <a:t> is </a:t>
-            </a:r>
-            <a:r>
-              <a:rPr lang="en-US" sz="2600" b="0" i="0" u="none" strike="noStrike" cap="none" spc="0">
-                <a:solidFill>
-                  <a:schemeClr val="accent3"/>
-                </a:solidFill>
-                <a:latin typeface="Agave"/>
-                <a:ea typeface="Agave"/>
-                <a:cs typeface="Agave"/>
-              </a:rPr>
-              <a:t>consistently </a:t>
-            </a:r>
-            <a:r>
-              <a:rPr lang="en-US" sz="2600" b="0" i="0" u="none" strike="noStrike" cap="none" spc="0">
-                <a:solidFill>
-                  <a:schemeClr val="bg1"/>
-                </a:solidFill>
-                <a:latin typeface="Agave"/>
-                <a:ea typeface="Agave"/>
-                <a:cs typeface="Agave"/>
-              </a:rPr>
-              <a:t>associated with </a:t>
-            </a:r>
-            <a:r>
-              <a:rPr lang="en-US" sz="2600" b="0" i="0" u="none" strike="noStrike" cap="none" spc="0">
-                <a:solidFill>
-                  <a:srgbClr val="00B0F0"/>
-                </a:solidFill>
-                <a:latin typeface="Agave"/>
-                <a:ea typeface="Agave"/>
-                <a:cs typeface="Agave"/>
-              </a:rPr>
-              <a:t>diabetes risk</a:t>
-            </a:r>
-            <a:r>
-              <a:rPr lang="en-US" sz="2600" b="0" i="0" u="none" strike="noStrike" cap="none" spc="0">
-                <a:solidFill>
-                  <a:schemeClr val="bg1"/>
-                </a:solidFill>
-                <a:latin typeface="Agave"/>
-                <a:ea typeface="Agave"/>
-                <a:cs typeface="Agave"/>
-              </a:rPr>
-              <a:t>. </a:t>
-            </a:r>
-            <a:endParaRPr lang="en-US" sz="2600" b="0" i="0" u="none" strike="noStrike" cap="none" spc="0">
-              <a:solidFill>
-                <a:schemeClr val="bg1"/>
-              </a:solidFill>
-              <a:latin typeface="Agave"/>
-              <a:ea typeface="Agave"/>
-              <a:cs typeface="Agave"/>
-            </a:endParaRPr>
-          </a:p>
-          <a:p>
-            <a:pPr>
-              <a:defRPr/>
-            </a:pPr>
-            <a:endParaRPr lang="en-US" sz="2600" b="0" i="0" u="none" strike="noStrike" cap="none" spc="0">
-              <a:solidFill>
-                <a:schemeClr val="bg1"/>
-              </a:solidFill>
-              <a:latin typeface="Agave"/>
-              <a:cs typeface="Agave"/>
-            </a:endParaRPr>
-          </a:p>
-          <a:p>
-            <a:pPr>
-              <a:defRPr/>
-            </a:pPr>
-            <a:r>
-              <a:rPr lang="en-US" sz="2600" b="0" i="0" u="none" strike="noStrike" cap="none" spc="0">
-                <a:solidFill>
-                  <a:schemeClr val="bg1"/>
-                </a:solidFill>
-                <a:latin typeface="Agave"/>
-                <a:ea typeface="Agave"/>
-                <a:cs typeface="Agave"/>
-              </a:rPr>
-              <a:t>Recently published findings from the Chicago</a:t>
-            </a:r>
-            <a:endParaRPr lang="en-US" sz="2600" b="0" i="0" u="none" strike="noStrike" cap="none" spc="0">
-              <a:solidFill>
-                <a:schemeClr val="bg1"/>
-              </a:solidFill>
-              <a:latin typeface="Agave"/>
-              <a:cs typeface="Agave"/>
-            </a:endParaRPr>
-          </a:p>
-          <a:p>
-            <a:pPr>
-              <a:defRPr/>
-            </a:pPr>
-            <a:r>
-              <a:rPr lang="en-US" sz="2600" b="0" i="0" u="none" strike="noStrike" cap="none" spc="0">
-                <a:solidFill>
-                  <a:schemeClr val="bg1"/>
-                </a:solidFill>
-                <a:latin typeface="Agave"/>
-                <a:ea typeface="Agave"/>
-                <a:cs typeface="Agave"/>
-              </a:rPr>
-              <a:t>Western Electric Study indicated an association between animal protein intake and obesity</a:t>
-            </a:r>
-            <a:r>
-              <a:rPr lang="en-US" sz="2600" b="0" i="0" u="none" strike="noStrike" cap="none" spc="0">
-                <a:solidFill>
-                  <a:schemeClr val="bg1"/>
-                </a:solidFill>
-                <a:latin typeface="Agave"/>
-                <a:ea typeface="Agave"/>
-                <a:cs typeface="Agave"/>
-              </a:rPr>
-              <a:t>. </a:t>
-            </a:r>
-            <a:r>
-              <a:rPr lang="en-US" sz="2600" b="0" i="0" u="none" strike="noStrike" cap="none" spc="0">
-                <a:solidFill>
-                  <a:srgbClr val="92D050"/>
-                </a:solidFill>
-                <a:latin typeface="Agave"/>
-                <a:ea typeface="Agave"/>
-                <a:cs typeface="Agave"/>
-              </a:rPr>
-              <a:t>A diet eliminating meat was shown to reduce visceral fat</a:t>
-            </a:r>
-            <a:endParaRPr sz="2600" b="0" i="0" u="none" strike="noStrike" cap="none" spc="0">
-              <a:solidFill>
-                <a:srgbClr val="92D050"/>
-              </a:solidFill>
-              <a:latin typeface="Agave"/>
-              <a:cs typeface="Agave"/>
-            </a:endParaRPr>
-          </a:p>
-          <a:p>
-            <a:pPr>
-              <a:defRPr/>
-            </a:pPr>
-            <a:r>
-              <a:rPr lang="en-US" sz="2600" b="0" i="0" u="none" strike="noStrike" cap="none" spc="0">
-                <a:solidFill>
-                  <a:srgbClr val="92D050"/>
-                </a:solidFill>
-                <a:latin typeface="Agave"/>
-                <a:ea typeface="Agave"/>
-                <a:cs typeface="Agave"/>
-              </a:rPr>
-              <a:t>and improve insulin sensitivity, compared with a more conventional diabetic diet</a:t>
-            </a:r>
-            <a:endParaRPr lang="en-US" sz="2600" b="0" i="0" u="none" strike="noStrike" cap="none" spc="0">
-              <a:solidFill>
-                <a:schemeClr val="bg1"/>
-              </a:solidFill>
-              <a:latin typeface="Agave"/>
-              <a:ea typeface="Agave"/>
-              <a:cs typeface="Agave"/>
-            </a:endParaRPr>
-          </a:p>
-          <a:p>
-            <a:pPr>
-              <a:defRPr/>
-            </a:pPr>
-            <a:endParaRPr lang="en-US" sz="2600" b="0" i="0" u="none" strike="noStrike" cap="none" spc="0">
-              <a:solidFill>
-                <a:schemeClr val="bg1"/>
-              </a:solidFill>
-              <a:latin typeface="Agave"/>
-              <a:cs typeface="Agave"/>
-            </a:endParaRPr>
-          </a:p>
-          <a:p>
-            <a:pPr>
-              <a:defRPr/>
-            </a:pPr>
-            <a:r>
-              <a:rPr lang="en-US" sz="2600" b="0" i="0" u="none" strike="noStrike" cap="none" spc="0">
-                <a:solidFill>
-                  <a:schemeClr val="accent3"/>
-                </a:solidFill>
-                <a:latin typeface="Agave"/>
-                <a:ea typeface="Agave"/>
-                <a:cs typeface="Agave"/>
-              </a:rPr>
-              <a:t>Dietary habits are readily </a:t>
-            </a:r>
-            <a:r>
-              <a:rPr lang="en-US" sz="2600" b="0" i="0" u="none" strike="noStrike" cap="none" spc="0">
-                <a:solidFill>
-                  <a:schemeClr val="accent3"/>
-                </a:solidFill>
-                <a:latin typeface="Agave"/>
-                <a:ea typeface="Agave"/>
-                <a:cs typeface="Agave"/>
-              </a:rPr>
-              <a:t>modifiable</a:t>
-            </a:r>
-            <a:r>
-              <a:rPr lang="en-US" sz="2600" b="0" i="0" u="none" strike="noStrike" cap="none" spc="0">
-                <a:solidFill>
-                  <a:schemeClr val="bg1"/>
-                </a:solidFill>
-                <a:latin typeface="Agave"/>
-                <a:ea typeface="Agave"/>
-                <a:cs typeface="Agave"/>
-              </a:rPr>
-              <a:t>, but individuals and clinicians will consider dietary changes only </a:t>
-            </a:r>
-            <a:r>
-              <a:rPr lang="en-US" sz="2600" b="0" i="0" u="none" strike="noStrike" cap="none" spc="0">
-                <a:solidFill>
-                  <a:srgbClr val="00B0F0"/>
-                </a:solidFill>
-                <a:latin typeface="Agave"/>
-                <a:ea typeface="Agave"/>
-                <a:cs typeface="Agave"/>
-              </a:rPr>
-              <a:t>if they are aware of the </a:t>
-            </a:r>
-            <a:r>
-              <a:rPr lang="en-US" sz="2600" b="0" i="0" u="none" strike="noStrike" cap="none" spc="0">
-                <a:solidFill>
-                  <a:srgbClr val="00B0F0"/>
-                </a:solidFill>
-                <a:latin typeface="Agave"/>
-                <a:ea typeface="Agave"/>
-                <a:cs typeface="Agave"/>
-              </a:rPr>
-              <a:t>potential benefits of doing so</a:t>
-            </a:r>
-            <a:r>
-              <a:rPr lang="en-US" sz="2600" b="0" i="0" u="none" strike="noStrike" cap="none" spc="0">
-                <a:solidFill>
-                  <a:schemeClr val="bg1"/>
-                </a:solidFill>
-                <a:latin typeface="Agave"/>
-                <a:ea typeface="Agave"/>
-                <a:cs typeface="Agave"/>
-              </a:rPr>
-              <a:t>. </a:t>
-            </a:r>
-            <a:endParaRPr sz="2600" b="0" i="0" u="none" strike="noStrike" cap="none" spc="0">
-              <a:solidFill>
-                <a:schemeClr val="accent3"/>
-              </a:solidFill>
-              <a:latin typeface="Agave"/>
-              <a:ea typeface="Agave"/>
-              <a:cs typeface="Agave"/>
-            </a:endParaRPr>
-          </a:p>
-          <a:p>
-            <a:pPr>
-              <a:defRPr/>
-            </a:pPr>
-            <a:endParaRPr lang="en-US" sz="2600" b="0" i="0" u="none" strike="noStrike" cap="none" spc="0">
-              <a:solidFill>
-                <a:schemeClr val="bg1"/>
-              </a:solidFill>
-              <a:latin typeface="Agave"/>
-              <a:cs typeface="Agave"/>
-            </a:endParaRPr>
-          </a:p>
-          <a:p>
-            <a:pPr>
-              <a:defRPr/>
-            </a:pPr>
-            <a:r>
-              <a:rPr lang="en-US" sz="2600" b="0" i="0" u="none" strike="noStrike" cap="none" spc="0">
-                <a:solidFill>
-                  <a:srgbClr val="FFC000"/>
-                </a:solidFill>
-                <a:latin typeface="Agave"/>
-                <a:ea typeface="Agave"/>
-                <a:cs typeface="Agave"/>
-              </a:rPr>
-              <a:t>Are there any benefits in my current diet?</a:t>
-            </a:r>
-            <a:endParaRPr lang="en-US" sz="2600" b="0" i="0" u="none" strike="noStrike" cap="none" spc="0">
-              <a:solidFill>
-                <a:srgbClr val="FFC000"/>
-              </a:solidFill>
-              <a:latin typeface="Agave"/>
-              <a:ea typeface="Agave"/>
-              <a:cs typeface="Agave"/>
-            </a:endParaRPr>
-          </a:p>
-          <a:p>
-            <a:pPr>
-              <a:defRPr/>
-            </a:pPr>
-            <a:endParaRPr lang="en-US" sz="2600" b="0" i="0" u="none" strike="noStrike" cap="none" spc="0">
-              <a:solidFill>
-                <a:srgbClr val="FFC000"/>
-              </a:solidFill>
-              <a:latin typeface="Agave"/>
-              <a:ea typeface="Agave"/>
-              <a:cs typeface="Agave"/>
-            </a:endParaRPr>
-          </a:p>
-          <a:p>
-            <a:pPr>
-              <a:defRPr/>
-            </a:pPr>
-            <a:r>
-              <a:rPr lang="en-US" sz="2600" b="0" i="0" u="none" strike="noStrike" cap="none" spc="0">
-                <a:solidFill>
-                  <a:srgbClr val="FFC000"/>
-                </a:solidFill>
-                <a:latin typeface="Agave"/>
-                <a:ea typeface="Agave"/>
-                <a:cs typeface="Agave"/>
-              </a:rPr>
-              <a:t>How can I slowly replace some foods with more </a:t>
-            </a:r>
-            <a:r>
-              <a:rPr lang="en-US" sz="2600" b="0" i="0" u="none" strike="noStrike" cap="none" spc="0">
-                <a:solidFill>
-                  <a:srgbClr val="FFC000"/>
-                </a:solidFill>
-                <a:latin typeface="Agave"/>
-                <a:ea typeface="Agave"/>
-                <a:cs typeface="Agave"/>
-              </a:rPr>
-              <a:t>nutritious</a:t>
-            </a:r>
-            <a:r>
-              <a:rPr lang="en-US" sz="2600" b="0" i="0" u="none" strike="noStrike" cap="none" spc="0">
-                <a:solidFill>
-                  <a:srgbClr val="FFC000"/>
-                </a:solidFill>
-                <a:latin typeface="Agave"/>
-                <a:ea typeface="Agave"/>
-                <a:cs typeface="Agave"/>
-              </a:rPr>
-              <a:t> ones if I do change my diet?</a:t>
-            </a:r>
-            <a:endParaRPr lang="en-US" sz="2600" b="0" i="0" u="none" strike="noStrike" cap="none" spc="0">
-              <a:solidFill>
-                <a:schemeClr val="bg1"/>
-              </a:solidFill>
-              <a:latin typeface="Agave"/>
-              <a:cs typeface="Agave"/>
-            </a:endParaRPr>
-          </a:p>
-          <a:p>
-            <a:pPr>
-              <a:defRPr/>
-            </a:pPr>
-            <a:endParaRPr sz="2600" b="0" i="0" u="none" strike="noStrike" cap="none" spc="0">
-              <a:solidFill>
-                <a:schemeClr val="bg1"/>
-              </a:solidFill>
-              <a:latin typeface="Agave"/>
-              <a:cs typeface="Agave"/>
-            </a:endParaRPr>
-          </a:p>
-        </p:txBody>
-      </p:sp>
-      <p:sp>
-        <p:nvSpPr>
-          <p:cNvPr id="361070276" name="TextBox 6"/>
-          <p:cNvSpPr txBox="1"/>
-          <p:nvPr/>
-        </p:nvSpPr>
-        <p:spPr bwMode="auto">
-          <a:xfrm rot="0" flipH="0" flipV="0">
-            <a:off x="-80784" y="710786"/>
-            <a:ext cx="10567219" cy="782425"/>
-          </a:xfrm>
-          <a:prstGeom prst="rect">
-            <a:avLst/>
-          </a:prstGeom>
-        </p:spPr>
-        <p:txBody>
-          <a:bodyPr lIns="0" tIns="0" rIns="0" bIns="0" rtlCol="0" anchor="t">
-            <a:spAutoFit/>
-          </a:bodyPr>
-          <a:lstStyle/>
-          <a:p>
-            <a:pPr algn="ctr">
-              <a:lnSpc>
-                <a:spcPts val="6158"/>
-              </a:lnSpc>
-              <a:defRPr/>
-            </a:pPr>
-            <a:r>
-              <a:rPr lang="en-US" sz="2000" b="0">
-                <a:solidFill>
-                  <a:schemeClr val="accent1">
-                    <a:lumMod val="60000"/>
-                    <a:lumOff val="40000"/>
-                  </a:schemeClr>
-                </a:solidFill>
-                <a:latin typeface="Agave"/>
-                <a:ea typeface="Agave"/>
-                <a:cs typeface="Agave"/>
-              </a:rPr>
-              <a:t>Barnard et al, </a:t>
-            </a:r>
-            <a:r>
-              <a:rPr lang="en-US" sz="2000" b="0" i="0" u="none" strike="noStrike" cap="none" spc="0">
-                <a:solidFill>
-                  <a:schemeClr val="accent1">
-                    <a:lumMod val="60000"/>
-                    <a:lumOff val="40000"/>
-                  </a:schemeClr>
-                </a:solidFill>
-                <a:latin typeface="Agave"/>
-                <a:ea typeface="Agave"/>
-                <a:cs typeface="Agave"/>
-              </a:rPr>
-              <a:t>Nutrients 2014, 6, 897-910</a:t>
-            </a:r>
-            <a:endParaRPr sz="2600" b="0">
-              <a:solidFill>
-                <a:schemeClr val="bg1"/>
-              </a:solidFill>
-              <a:latin typeface="Tinos"/>
-              <a:cs typeface="Tinos"/>
-            </a:endParaRPr>
-          </a:p>
-        </p:txBody>
-      </p:sp>
-      <p:sp>
-        <p:nvSpPr>
-          <p:cNvPr id="425070444" name="TextBox 6"/>
-          <p:cNvSpPr txBox="1"/>
-          <p:nvPr/>
-        </p:nvSpPr>
-        <p:spPr bwMode="auto">
-          <a:xfrm rot="0" flipH="0" flipV="0">
-            <a:off x="501507" y="9279211"/>
-            <a:ext cx="4016786" cy="782298"/>
-          </a:xfrm>
-          <a:prstGeom prst="rect">
-            <a:avLst/>
-          </a:prstGeom>
-        </p:spPr>
-        <p:txBody>
-          <a:bodyPr lIns="0" tIns="0" rIns="0" bIns="0" rtlCol="0" anchor="t">
-            <a:spAutoFit/>
-          </a:bodyPr>
-          <a:lstStyle/>
-          <a:p>
-            <a:pPr algn="ctr">
-              <a:lnSpc>
-                <a:spcPts val="6156"/>
-              </a:lnSpc>
-              <a:defRPr/>
-            </a:pPr>
-            <a:r>
-              <a:rPr lang="en-US" sz="2600" b="0">
-                <a:solidFill>
-                  <a:schemeClr val="bg1"/>
-                </a:solidFill>
-                <a:latin typeface="Agave"/>
-                <a:ea typeface="Agave"/>
-                <a:cs typeface="Agave"/>
-              </a:rPr>
-              <a:t>Counsels on Lifestyle</a:t>
-            </a:r>
-            <a:endParaRPr sz="2600" b="0">
-              <a:solidFill>
-                <a:schemeClr val="bg1"/>
-              </a:solidFill>
-              <a:latin typeface="Tinos"/>
-              <a:cs typeface="Tinos"/>
-            </a:endParaRPr>
-          </a:p>
-        </p:txBody>
-      </p:sp>
-      <p:sp>
-        <p:nvSpPr>
-          <p:cNvPr id="224141577" name="TextBox 6"/>
-          <p:cNvSpPr txBox="1"/>
-          <p:nvPr/>
-        </p:nvSpPr>
-        <p:spPr bwMode="auto">
-          <a:xfrm rot="0" flipH="0" flipV="0">
-            <a:off x="-291593" y="163459"/>
-            <a:ext cx="11077038" cy="1056618"/>
-          </a:xfrm>
-          <a:prstGeom prst="rect">
-            <a:avLst/>
-          </a:prstGeom>
-        </p:spPr>
-        <p:txBody>
-          <a:bodyPr lIns="0" tIns="0" rIns="0" bIns="0" rtlCol="0" anchor="t">
-            <a:spAutoFit/>
-          </a:bodyPr>
-          <a:lstStyle/>
-          <a:p>
-            <a:pPr algn="ctr">
-              <a:lnSpc>
-                <a:spcPts val="6156"/>
-              </a:lnSpc>
-              <a:defRPr/>
-            </a:pPr>
-            <a:r>
-              <a:rPr lang="en-US" sz="2700" b="0" i="0" u="none" strike="noStrike" cap="none" spc="0">
-                <a:solidFill>
-                  <a:schemeClr val="bg1"/>
-                </a:solidFill>
-                <a:latin typeface="Agave"/>
-                <a:ea typeface="Agave"/>
-                <a:cs typeface="Agave"/>
-              </a:rPr>
-              <a:t>Animal Products and Type 2 Diabetes</a:t>
-            </a:r>
-            <a:endParaRPr sz="2700" b="0">
-              <a:solidFill>
-                <a:schemeClr val="bg1"/>
-              </a:solidFill>
-              <a:latin typeface="Tinos"/>
-              <a:cs typeface="Tinos"/>
-            </a:endParaRPr>
-          </a:p>
-          <a:p>
-            <a:pPr>
-              <a:defRPr/>
-            </a:pPr>
-            <a:endParaRPr>
-              <a:solidFill>
-                <a:schemeClr val="bg1"/>
-              </a:solidFill>
-            </a:endParaRPr>
-          </a:p>
-        </p:txBody>
-      </p:sp>
       <p:sp>
         <p:nvSpPr>
           <p:cNvPr id="987526966" name=""/>
@@ -5552,6 +4734,324 @@
           </a:p>
         </p:txBody>
       </p:sp>
+      <p:sp>
+        <p:nvSpPr>
+          <p:cNvPr id="1357002151" name=""/>
+          <p:cNvSpPr txBox="1"/>
+          <p:nvPr/>
+        </p:nvSpPr>
+        <p:spPr bwMode="auto">
+          <a:xfrm flipH="0" flipV="0">
+            <a:off x="1218619" y="1128180"/>
+            <a:ext cx="7702968" cy="7650839"/>
+          </a:xfrm>
+          <a:prstGeom prst="rect">
+            <a:avLst/>
+          </a:prstGeom>
+          <a:noFill/>
+        </p:spPr>
+        <p:txBody>
+          <a:bodyPr vertOverflow="overflow" horzOverflow="overflow" vert="horz" wrap="square" lIns="91440" tIns="45720" rIns="91440" bIns="45720" numCol="1" spcCol="0" rtlCol="0" fromWordArt="0" anchor="t" anchorCtr="0" forceAA="0" upright="0" compatLnSpc="0">
+            <a:spAutoFit/>
+          </a:bodyPr>
+          <a:p>
+            <a:pPr>
+              <a:defRPr/>
+            </a:pPr>
+            <a:r>
+              <a:rPr lang="en-US" sz="3600" b="0" i="0" u="none" strike="noStrike" cap="none" spc="0">
+                <a:solidFill>
+                  <a:srgbClr val="E99C34"/>
+                </a:solidFill>
+                <a:latin typeface="Agave"/>
+                <a:ea typeface="Agave"/>
+                <a:cs typeface="Agave"/>
+              </a:rPr>
+              <a:t>Meat consumption</a:t>
+            </a:r>
+            <a:r>
+              <a:rPr lang="en-US" sz="3600" b="0" i="0" u="none" strike="noStrike" cap="none" spc="0">
+                <a:solidFill>
+                  <a:schemeClr val="bg1"/>
+                </a:solidFill>
+                <a:latin typeface="Agave"/>
+                <a:ea typeface="Agave"/>
+                <a:cs typeface="Agave"/>
+              </a:rPr>
+              <a:t> is consistently associated with diabetes risk. </a:t>
+            </a:r>
+            <a:endParaRPr lang="en-US" sz="3600" b="0" i="0" u="none" strike="noStrike" cap="none" spc="0">
+              <a:solidFill>
+                <a:schemeClr val="bg1"/>
+              </a:solidFill>
+              <a:latin typeface="Agave"/>
+              <a:cs typeface="Agave"/>
+            </a:endParaRPr>
+          </a:p>
+          <a:p>
+            <a:pPr>
+              <a:defRPr/>
+            </a:pPr>
+            <a:endParaRPr lang="en-US" sz="3600" b="0" i="0" u="none" strike="noStrike" cap="none" spc="0">
+              <a:solidFill>
+                <a:schemeClr val="bg1"/>
+              </a:solidFill>
+              <a:latin typeface="Agave"/>
+              <a:cs typeface="Agave"/>
+            </a:endParaRPr>
+          </a:p>
+          <a:p>
+            <a:pPr>
+              <a:defRPr/>
+            </a:pPr>
+            <a:r>
+              <a:rPr lang="en-US" sz="3600" b="0" i="0" u="none" strike="noStrike" cap="none" spc="0">
+                <a:solidFill>
+                  <a:schemeClr val="bg1"/>
+                </a:solidFill>
+                <a:latin typeface="Agave"/>
+                <a:ea typeface="Agave"/>
+                <a:cs typeface="Agave"/>
+              </a:rPr>
+              <a:t>Recently published findings from the Chicago </a:t>
+            </a:r>
+            <a:r>
+              <a:rPr lang="en-US" sz="3600" b="0" i="0" u="none" strike="noStrike" cap="none" spc="0">
+                <a:solidFill>
+                  <a:schemeClr val="bg1"/>
+                </a:solidFill>
+                <a:latin typeface="Agave"/>
+                <a:ea typeface="Agave"/>
+                <a:cs typeface="Agave"/>
+              </a:rPr>
+              <a:t>Western Electric Study indicated an association between animal protein intake and obesity. </a:t>
+            </a:r>
+            <a:r>
+              <a:rPr lang="en-US" sz="3600" b="0" i="0" u="none" strike="noStrike" cap="none" spc="0">
+                <a:solidFill>
+                  <a:srgbClr val="00B0F0"/>
+                </a:solidFill>
+                <a:latin typeface="Agave"/>
+                <a:ea typeface="Agave"/>
+                <a:cs typeface="Agave"/>
+              </a:rPr>
+              <a:t>A diet eliminating meat was shown to</a:t>
+            </a:r>
+            <a:r>
+              <a:rPr lang="en-US" sz="3600" b="0" i="0" u="none" strike="noStrike" cap="none" spc="0">
+                <a:solidFill>
+                  <a:schemeClr val="bg1"/>
+                </a:solidFill>
+                <a:latin typeface="Agave"/>
+                <a:ea typeface="Agave"/>
+                <a:cs typeface="Agave"/>
+              </a:rPr>
+              <a:t>... </a:t>
+            </a:r>
+            <a:r>
+              <a:rPr lang="en-US" sz="3600" b="0" i="0" u="none" strike="noStrike" cap="none" spc="0">
+                <a:solidFill>
+                  <a:schemeClr val="bg1"/>
+                </a:solidFill>
+                <a:latin typeface="Agave"/>
+                <a:ea typeface="Agave"/>
+                <a:cs typeface="Agave"/>
+              </a:rPr>
+              <a:t> </a:t>
+            </a:r>
+            <a:r>
+              <a:rPr lang="en-US" sz="3600" b="0" i="0" u="none" strike="noStrike" cap="none" spc="0">
+                <a:solidFill>
+                  <a:srgbClr val="7EA30D"/>
+                </a:solidFill>
+                <a:latin typeface="Agave"/>
+                <a:ea typeface="Agave"/>
+                <a:cs typeface="Agave"/>
+              </a:rPr>
+              <a:t>improve insulin sensitivity, compared with a more conventional diabetic diet</a:t>
+            </a:r>
+            <a:endParaRPr sz="3600" b="0" i="0" u="none" strike="noStrike" cap="none" spc="0">
+              <a:solidFill>
+                <a:srgbClr val="7EA30D"/>
+              </a:solidFill>
+              <a:latin typeface="Agave"/>
+              <a:cs typeface="Agave"/>
+            </a:endParaRPr>
+          </a:p>
+          <a:p>
+            <a:pPr>
+              <a:defRPr/>
+            </a:pPr>
+            <a:endParaRPr lang="en-US" sz="3600" b="0" i="0" u="none" strike="noStrike" cap="none" spc="0">
+              <a:solidFill>
+                <a:schemeClr val="bg1"/>
+              </a:solidFill>
+              <a:latin typeface="Agave"/>
+              <a:cs typeface="Agave"/>
+            </a:endParaRPr>
+          </a:p>
+          <a:p>
+            <a:pPr>
+              <a:defRPr/>
+            </a:pPr>
+            <a:r>
+              <a:rPr lang="en-US" sz="2800" b="0" i="1" u="none" strike="noStrike" cap="none" spc="0">
+                <a:solidFill>
+                  <a:schemeClr val="bg1"/>
+                </a:solidFill>
+                <a:latin typeface="Agave"/>
+                <a:ea typeface="Agave"/>
+                <a:cs typeface="Agave"/>
+              </a:rPr>
+              <a:t>Barnard et al, Nutrients 2014, 6, 897-910</a:t>
+            </a:r>
+            <a:endParaRPr sz="2800" b="0" i="1" u="none" strike="noStrike" cap="none" spc="0">
+              <a:solidFill>
+                <a:schemeClr val="bg1"/>
+              </a:solidFill>
+              <a:latin typeface="Agave"/>
+              <a:ea typeface="Agave"/>
+              <a:cs typeface="Agave"/>
+            </a:endParaRPr>
+          </a:p>
+        </p:txBody>
+      </p:sp>
+      <p:sp>
+        <p:nvSpPr>
+          <p:cNvPr id="503462415" name="TextBox 6"/>
+          <p:cNvSpPr txBox="1"/>
+          <p:nvPr/>
+        </p:nvSpPr>
+        <p:spPr bwMode="auto">
+          <a:xfrm rot="0" flipH="0" flipV="0">
+            <a:off x="8875236" y="9443439"/>
+            <a:ext cx="1262859" cy="782552"/>
+          </a:xfrm>
+          <a:prstGeom prst="rect">
+            <a:avLst/>
+          </a:prstGeom>
+        </p:spPr>
+        <p:txBody>
+          <a:bodyPr lIns="0" tIns="0" rIns="0" bIns="0" rtlCol="0" anchor="t">
+            <a:spAutoFit/>
+          </a:bodyPr>
+          <a:lstStyle/>
+          <a:p>
+            <a:pPr algn="ctr">
+              <a:lnSpc>
+                <a:spcPts val="6158"/>
+              </a:lnSpc>
+              <a:defRPr/>
+            </a:pPr>
+            <a:r>
+              <a:rPr lang="en-US" sz="2600" b="0">
+                <a:solidFill>
+                  <a:schemeClr val="bg1"/>
+                </a:solidFill>
+                <a:latin typeface="Agave"/>
+                <a:ea typeface="Agave"/>
+                <a:cs typeface="Agave"/>
+              </a:rPr>
+              <a:t>2/3</a:t>
+            </a:r>
+            <a:endParaRPr sz="2600" b="0">
+              <a:solidFill>
+                <a:schemeClr val="bg1"/>
+              </a:solidFill>
+              <a:latin typeface="Tinos"/>
+              <a:cs typeface="Tinos"/>
+            </a:endParaRPr>
+          </a:p>
+        </p:txBody>
+      </p:sp>
+      <p:sp>
+        <p:nvSpPr>
+          <p:cNvPr id="1372582848" name="TextBox 6"/>
+          <p:cNvSpPr txBox="1"/>
+          <p:nvPr/>
+        </p:nvSpPr>
+        <p:spPr bwMode="auto">
+          <a:xfrm rot="0" flipH="0" flipV="0">
+            <a:off x="173058" y="9377743"/>
+            <a:ext cx="4017144" cy="782172"/>
+          </a:xfrm>
+          <a:prstGeom prst="rect">
+            <a:avLst/>
+          </a:prstGeom>
+        </p:spPr>
+        <p:txBody>
+          <a:bodyPr lIns="0" tIns="0" rIns="0" bIns="0" rtlCol="0" anchor="t">
+            <a:spAutoFit/>
+          </a:bodyPr>
+          <a:lstStyle/>
+          <a:p>
+            <a:pPr algn="ctr">
+              <a:lnSpc>
+                <a:spcPts val="6155"/>
+              </a:lnSpc>
+              <a:defRPr/>
+            </a:pPr>
+            <a:r>
+              <a:rPr lang="en-US" sz="2600" b="0">
+                <a:solidFill>
+                  <a:schemeClr val="bg1"/>
+                </a:solidFill>
+                <a:latin typeface="Agave"/>
+                <a:ea typeface="Agave"/>
+                <a:cs typeface="Agave"/>
+              </a:rPr>
+              <a:t>Counsels on Lifestyle</a:t>
+            </a:r>
+            <a:endParaRPr sz="2600" b="0">
+              <a:solidFill>
+                <a:schemeClr val="bg1"/>
+              </a:solidFill>
+              <a:latin typeface="Tinos"/>
+              <a:cs typeface="Tinos"/>
+            </a:endParaRPr>
+          </a:p>
+        </p:txBody>
+      </p:sp>
+      <p:cxnSp>
+        <p:nvCxnSpPr>
+          <p:cNvPr id="1774856396" name=""/>
+          <p:cNvCxnSpPr>
+            <a:cxnSpLocks/>
+          </p:cNvCxnSpPr>
+          <p:nvPr/>
+        </p:nvCxnSpPr>
+        <p:spPr bwMode="auto">
+          <a:xfrm flipH="0" flipV="0">
+            <a:off x="13611" y="9578863"/>
+            <a:ext cx="10247581" cy="75540"/>
+          </a:xfrm>
+          <a:prstGeom prst="line">
+            <a:avLst/>
+          </a:prstGeom>
+          <a:ln w="38099" cap="flat" cmpd="sng" algn="ctr">
+            <a:solidFill>
+              <a:schemeClr val="bg1"/>
+            </a:solidFill>
+            <a:prstDash val="solid"/>
+          </a:ln>
+        </p:spPr>
+        <p:style>
+          <a:lnRef idx="1">
+            <a:schemeClr val="accent1">
+              <a:shade val="50000"/>
+            </a:schemeClr>
+          </a:lnRef>
+          <a:fillRef idx="0">
+            <a:schemeClr val="accent1"/>
+          </a:fillRef>
+          <a:effectRef idx="0">
+            <a:schemeClr val="accent1"/>
+          </a:effectRef>
+          <a:fontRef idx="minor">
+            <a:schemeClr val="tx1"/>
+          </a:fontRef>
+        </p:style>
+      </p:cxnSp>
     </p:spTree>
   </p:cSld>
   <p:clrMapOvr>
@@ -5574,10 +5074,9 @@
     <p:bg>
       <p:bgPr shadeToTitle="0">
         <a:solidFill>
-          <a:schemeClr val="accent4">
-            <a:lumMod val="50000"/>
+          <a:srgbClr val="26233A">
             <a:alpha val="99999"/>
-          </a:schemeClr>
+          </a:srgbClr>
         </a:solidFill>
       </p:bgPr>
     </p:bg>
@@ -5595,705 +5094,6 @@
           <a:chExt cx="0" cy="0"/>
         </a:xfrm>
       </p:grpSpPr>
-      <p:sp>
-        <p:nvSpPr>
-          <p:cNvPr id="2003307179" name=""/>
-          <p:cNvSpPr/>
-          <p:nvPr/>
-        </p:nvSpPr>
-        <p:spPr bwMode="auto">
-          <a:xfrm flipH="0" flipV="0">
-            <a:off x="581145" y="1619247"/>
-            <a:ext cx="9081798" cy="7938594"/>
-          </a:xfrm>
-          <a:prstGeom prst="roundRect">
-            <a:avLst>
-              <a:gd name="adj" fmla="val 3765"/>
-            </a:avLst>
-          </a:prstGeom>
-          <a:solidFill>
-            <a:srgbClr val="232136"/>
-          </a:solidFill>
-          <a:ln w="25400" cap="flat" cmpd="sng" algn="ctr">
-            <a:noFill/>
-            <a:prstDash val="solid"/>
-          </a:ln>
-        </p:spPr>
-        <p:style>
-          <a:lnRef idx="2">
-            <a:schemeClr val="accent1">
-              <a:shade val="50000"/>
-            </a:schemeClr>
-          </a:lnRef>
-          <a:fillRef idx="1">
-            <a:schemeClr val="accent1"/>
-          </a:fillRef>
-          <a:effectRef idx="0">
-            <a:schemeClr val="accent1"/>
-          </a:effectRef>
-          <a:fontRef idx="minor">
-            <a:schemeClr val="lt1"/>
-          </a:fontRef>
-        </p:style>
-      </p:sp>
-      <p:sp>
-        <p:nvSpPr>
-          <p:cNvPr id="390018526" name="TextBox 6"/>
-          <p:cNvSpPr txBox="1"/>
-          <p:nvPr/>
-        </p:nvSpPr>
-        <p:spPr bwMode="auto">
-          <a:xfrm rot="0" flipH="0" flipV="0">
-            <a:off x="8875237" y="9443440"/>
-            <a:ext cx="1263222" cy="782552"/>
-          </a:xfrm>
-          <a:prstGeom prst="rect">
-            <a:avLst/>
-          </a:prstGeom>
-        </p:spPr>
-        <p:txBody>
-          <a:bodyPr lIns="0" tIns="0" rIns="0" bIns="0" rtlCol="0" anchor="t">
-            <a:spAutoFit/>
-          </a:bodyPr>
-          <a:lstStyle/>
-          <a:p>
-            <a:pPr algn="ctr">
-              <a:lnSpc>
-                <a:spcPts val="6159"/>
-              </a:lnSpc>
-              <a:defRPr/>
-            </a:pPr>
-            <a:r>
-              <a:rPr lang="en-US" sz="2600" b="0">
-                <a:solidFill>
-                  <a:schemeClr val="bg1"/>
-                </a:solidFill>
-                <a:latin typeface="Agave"/>
-                <a:ea typeface="Agave"/>
-                <a:cs typeface="Agave"/>
-              </a:rPr>
-              <a:t>3/3</a:t>
-            </a:r>
-            <a:endParaRPr sz="2600" b="0">
-              <a:solidFill>
-                <a:schemeClr val="bg1"/>
-              </a:solidFill>
-              <a:latin typeface="Tinos"/>
-              <a:cs typeface="Tinos"/>
-            </a:endParaRPr>
-          </a:p>
-        </p:txBody>
-      </p:sp>
-      <p:sp>
-        <p:nvSpPr>
-          <p:cNvPr id="1359300248" name=""/>
-          <p:cNvSpPr txBox="1"/>
-          <p:nvPr/>
-        </p:nvSpPr>
-        <p:spPr bwMode="auto">
-          <a:xfrm flipH="0" flipV="0">
-            <a:off x="1004101" y="1869804"/>
-            <a:ext cx="8309672" cy="7407000"/>
-          </a:xfrm>
-          <a:prstGeom prst="rect">
-            <a:avLst/>
-          </a:prstGeom>
-          <a:noFill/>
-        </p:spPr>
-        <p:txBody>
-          <a:bodyPr vertOverflow="overflow" horzOverflow="overflow" vert="horz" wrap="square" lIns="91440" tIns="45720" rIns="91440" bIns="45720" numCol="1" spcCol="0" rtlCol="0" fromWordArt="0" anchor="t" anchorCtr="0" forceAA="0" upright="0" compatLnSpc="0">
-            <a:spAutoFit/>
-          </a:bodyPr>
-          <a:p>
-            <a:pPr>
-              <a:defRPr/>
-            </a:pPr>
-            <a:r>
-              <a:rPr lang="en-US" sz="2400" b="0" i="0" u="none" strike="noStrike" cap="none" spc="0">
-                <a:solidFill>
-                  <a:schemeClr val="accent3"/>
-                </a:solidFill>
-                <a:latin typeface="Agave"/>
-                <a:ea typeface="Agave"/>
-                <a:cs typeface="Agave"/>
-              </a:rPr>
-              <a:t>When flesh is discarded,</a:t>
-            </a:r>
-            <a:r>
-              <a:rPr lang="en-US" sz="2400" b="0" i="0" u="none" strike="noStrike" cap="none" spc="0">
-                <a:solidFill>
-                  <a:schemeClr val="bg1"/>
-                </a:solidFill>
-                <a:latin typeface="Agave"/>
-                <a:ea typeface="Agave"/>
-                <a:cs typeface="Agave"/>
-              </a:rPr>
-              <a:t> its place should be supplied with </a:t>
-            </a:r>
-            <a:r>
-              <a:rPr lang="en-US" sz="2400" b="0" i="0" u="none" strike="noStrike" cap="none" spc="0">
-                <a:solidFill>
-                  <a:schemeClr val="bg1"/>
-                </a:solidFill>
-                <a:latin typeface="Agave"/>
-                <a:ea typeface="Agave"/>
-                <a:cs typeface="Agave"/>
-              </a:rPr>
-              <a:t>a </a:t>
-            </a:r>
-            <a:r>
-              <a:rPr lang="en-US" sz="2400" b="0" i="0" u="none" strike="noStrike" cap="none" spc="0">
-                <a:solidFill>
-                  <a:schemeClr val="accent3"/>
-                </a:solidFill>
-                <a:latin typeface="Agave"/>
-                <a:ea typeface="Agave"/>
-                <a:cs typeface="Agave"/>
-              </a:rPr>
-              <a:t>variety of grains, nuts, vegetables</a:t>
-            </a:r>
-            <a:r>
-              <a:rPr lang="en-US" sz="2400" b="0" i="0" u="none" strike="noStrike" cap="none" spc="0">
-                <a:solidFill>
-                  <a:schemeClr val="bg1"/>
-                </a:solidFill>
-                <a:latin typeface="Agave"/>
-                <a:ea typeface="Agave"/>
-                <a:cs typeface="Agave"/>
-              </a:rPr>
-              <a:t>, </a:t>
-            </a:r>
-            <a:r>
-              <a:rPr lang="en-US" sz="2400" b="0" i="0" u="none" strike="noStrike" cap="none" spc="0">
-                <a:solidFill>
-                  <a:schemeClr val="accent3"/>
-                </a:solidFill>
-                <a:latin typeface="Agave"/>
-                <a:ea typeface="Agave"/>
-                <a:cs typeface="Agave"/>
-              </a:rPr>
-              <a:t>and fruits</a:t>
-            </a:r>
-            <a:r>
-              <a:rPr lang="en-US" sz="2400" b="0" i="0" u="none" strike="noStrike" cap="none" spc="0">
-                <a:solidFill>
-                  <a:schemeClr val="bg1"/>
-                </a:solidFill>
-                <a:latin typeface="Agave"/>
-                <a:ea typeface="Agave"/>
-                <a:cs typeface="Agave"/>
-              </a:rPr>
-              <a:t>, </a:t>
-            </a:r>
-            <a:endParaRPr lang="en-US" sz="2400" b="0" i="0" u="none" strike="noStrike" cap="none" spc="0">
-              <a:solidFill>
-                <a:schemeClr val="bg1"/>
-              </a:solidFill>
-              <a:latin typeface="Agave"/>
-              <a:ea typeface="Agave"/>
-              <a:cs typeface="Agave"/>
-            </a:endParaRPr>
-          </a:p>
-          <a:p>
-            <a:pPr>
-              <a:defRPr/>
-            </a:pPr>
-            <a:endParaRPr lang="en-US" sz="2400" b="0" i="0" u="none" strike="noStrike" cap="none" spc="0">
-              <a:solidFill>
-                <a:schemeClr val="bg1"/>
-              </a:solidFill>
-              <a:latin typeface="Agave"/>
-              <a:cs typeface="Agave"/>
-            </a:endParaRPr>
-          </a:p>
-          <a:p>
-            <a:pPr>
-              <a:defRPr/>
-            </a:pPr>
-            <a:r>
-              <a:rPr lang="en-US" sz="2400" b="0" i="0" u="none" strike="noStrike" cap="none" spc="0">
-                <a:solidFill>
-                  <a:schemeClr val="accent3"/>
-                </a:solidFill>
-                <a:latin typeface="Agave"/>
-                <a:ea typeface="Agave"/>
-                <a:cs typeface="Agave"/>
-              </a:rPr>
-              <a:t>None should be urged </a:t>
-            </a:r>
-            <a:r>
-              <a:rPr lang="en-US" sz="2400" b="0" i="0" u="none" strike="noStrike" cap="none" spc="0">
-                <a:solidFill>
-                  <a:schemeClr val="accent3"/>
-                </a:solidFill>
-                <a:latin typeface="Agave"/>
-                <a:ea typeface="Agave"/>
-                <a:cs typeface="Agave"/>
-              </a:rPr>
-              <a:t>to make the change abruptly...</a:t>
-            </a:r>
-            <a:endParaRPr lang="en-US" sz="2400" b="0" i="0" u="none" strike="noStrike" cap="none" spc="0">
-              <a:solidFill>
-                <a:schemeClr val="accent3"/>
-              </a:solidFill>
-              <a:latin typeface="Agave"/>
-              <a:ea typeface="Agave"/>
-              <a:cs typeface="Agave"/>
-            </a:endParaRPr>
-          </a:p>
-          <a:p>
-            <a:pPr>
-              <a:defRPr/>
-            </a:pPr>
-            <a:endParaRPr lang="en-US" sz="2400" b="0" i="0" u="none" strike="noStrike" cap="none" spc="0">
-              <a:solidFill>
-                <a:schemeClr val="bg1"/>
-              </a:solidFill>
-              <a:latin typeface="Agave"/>
-              <a:ea typeface="Agave"/>
-              <a:cs typeface="Agave"/>
-            </a:endParaRPr>
-          </a:p>
-          <a:p>
-            <a:pPr>
-              <a:defRPr/>
-            </a:pPr>
-            <a:r>
-              <a:rPr lang="en-US" sz="2400" b="0" i="0" u="none" strike="noStrike" cap="none" spc="0">
-                <a:solidFill>
-                  <a:srgbClr val="FFC000"/>
-                </a:solidFill>
-                <a:latin typeface="Agave"/>
-                <a:ea typeface="Agave"/>
-                <a:cs typeface="Agave"/>
-              </a:rPr>
-              <a:t>L</a:t>
-            </a:r>
-            <a:r>
-              <a:rPr lang="en-US" sz="2400" b="0" i="0" u="none" strike="noStrike" cap="none" spc="0">
-                <a:solidFill>
-                  <a:srgbClr val="FFC000"/>
-                </a:solidFill>
-                <a:latin typeface="Agave"/>
-                <a:ea typeface="Agave"/>
-                <a:cs typeface="Agave"/>
-              </a:rPr>
-              <a:t>et</a:t>
-            </a:r>
-            <a:r>
-              <a:rPr lang="en-US" sz="2400" b="0" i="0" u="none" strike="noStrike" cap="none" spc="0">
-                <a:solidFill>
-                  <a:srgbClr val="FFC000"/>
-                </a:solidFill>
-                <a:latin typeface="Agave"/>
-                <a:ea typeface="Agave"/>
-                <a:cs typeface="Agave"/>
-              </a:rPr>
-              <a:t> the diet reform be progressive. Let the people be taught how to prepare food without the use of milk or butter</a:t>
-            </a:r>
-            <a:r>
-              <a:rPr lang="en-US" sz="2400" b="0" i="0" u="none" strike="noStrike" cap="none" spc="0">
-                <a:solidFill>
-                  <a:srgbClr val="92D050"/>
-                </a:solidFill>
-                <a:latin typeface="Agave"/>
-                <a:ea typeface="Agave"/>
-                <a:cs typeface="Agave"/>
-              </a:rPr>
-              <a:t>.</a:t>
-            </a:r>
-            <a:r>
-              <a:rPr lang="en-US" sz="2400" b="0" i="0" u="none" strike="noStrike" cap="none" spc="0">
-                <a:solidFill>
-                  <a:schemeClr val="bg1">
-                    <a:lumMod val="95000"/>
-                  </a:schemeClr>
-                </a:solidFill>
-                <a:latin typeface="Agave"/>
-                <a:ea typeface="Agave"/>
-                <a:cs typeface="Agave"/>
-              </a:rPr>
-              <a:t> Tell them that the time will soon come when there will be no safety in using eggs, milk, cream, or butter, </a:t>
-            </a:r>
-            <a:endParaRPr lang="en-US" sz="2400" b="0" i="0" u="none" strike="noStrike" cap="none" spc="0">
-              <a:solidFill>
-                <a:schemeClr val="bg1">
-                  <a:lumMod val="95000"/>
-                </a:schemeClr>
-              </a:solidFill>
-              <a:latin typeface="Agave"/>
-              <a:ea typeface="Agave"/>
-              <a:cs typeface="Agave"/>
-            </a:endParaRPr>
-          </a:p>
-          <a:p>
-            <a:pPr>
-              <a:defRPr/>
-            </a:pPr>
-            <a:r>
-              <a:rPr lang="en-US" sz="2400" b="0" i="1" u="none" strike="noStrike" cap="none" spc="0">
-                <a:solidFill>
-                  <a:srgbClr val="EB6F92"/>
-                </a:solidFill>
-                <a:latin typeface="Agave"/>
-                <a:ea typeface="Agave"/>
-                <a:cs typeface="Agave"/>
-              </a:rPr>
-              <a:t>—Testimonies for the Church, vol. 7, p. 135.</a:t>
-            </a:r>
-            <a:endParaRPr sz="2400" b="0" i="1" u="none" strike="noStrike" cap="none" spc="0">
-              <a:solidFill>
-                <a:srgbClr val="EB6F92"/>
-              </a:solidFill>
-              <a:latin typeface="Agave"/>
-              <a:ea typeface="Agave"/>
-              <a:cs typeface="Agave"/>
-            </a:endParaRPr>
-          </a:p>
-          <a:p>
-            <a:pPr>
-              <a:defRPr/>
-            </a:pPr>
-            <a:endParaRPr lang="en-US" sz="2400" b="0" i="0" u="none" strike="noStrike" cap="none" spc="0">
-              <a:solidFill>
-                <a:schemeClr val="bg1"/>
-              </a:solidFill>
-              <a:latin typeface="Agave"/>
-              <a:cs typeface="Agave"/>
-            </a:endParaRPr>
-          </a:p>
-          <a:p>
-            <a:pPr>
-              <a:defRPr/>
-            </a:pPr>
-            <a:r>
-              <a:rPr lang="en-US" sz="2400" b="0" i="0" u="none" strike="noStrike" cap="none" spc="0">
-                <a:solidFill>
-                  <a:schemeClr val="bg1"/>
-                </a:solidFill>
-                <a:latin typeface="Agave"/>
-                <a:ea typeface="Agave"/>
-                <a:cs typeface="Agave"/>
-              </a:rPr>
-              <a:t>....</a:t>
-            </a:r>
-            <a:r>
-              <a:rPr lang="en-US" sz="2400" b="0" i="0" u="none" strike="noStrike" cap="none" spc="0">
-                <a:solidFill>
-                  <a:schemeClr val="accent3"/>
-                </a:solidFill>
-                <a:latin typeface="Agave"/>
-                <a:ea typeface="Agave"/>
-                <a:cs typeface="Agave"/>
-              </a:rPr>
-              <a:t>With care and skill</a:t>
-            </a:r>
-            <a:r>
-              <a:rPr lang="en-US" sz="2400" b="0" i="0" u="none" strike="noStrike" cap="none" spc="0">
-                <a:solidFill>
-                  <a:schemeClr val="bg1"/>
-                </a:solidFill>
-                <a:latin typeface="Agave"/>
-                <a:ea typeface="Agave"/>
-                <a:cs typeface="Agave"/>
-              </a:rPr>
-              <a:t>, dishes may be prepared</a:t>
-            </a:r>
-            <a:endParaRPr lang="en-US" sz="2400" b="0" i="0" u="none" strike="noStrike" cap="none" spc="0">
-              <a:solidFill>
-                <a:schemeClr val="bg1"/>
-              </a:solidFill>
-              <a:latin typeface="Agave"/>
-              <a:ea typeface="Agave"/>
-              <a:cs typeface="Agave"/>
-            </a:endParaRPr>
-          </a:p>
-          <a:p>
-            <a:pPr>
-              <a:defRPr/>
-            </a:pPr>
-            <a:r>
-              <a:rPr lang="en-US" sz="2400" b="0" i="0" u="none" strike="noStrike" cap="none" spc="0">
-                <a:solidFill>
-                  <a:schemeClr val="bg1"/>
-                </a:solidFill>
-                <a:latin typeface="Agave"/>
-                <a:ea typeface="Agave"/>
-                <a:cs typeface="Agave"/>
-              </a:rPr>
-              <a:t>that will be both nutritious and appetizing...</a:t>
-            </a:r>
-            <a:r>
-              <a:rPr lang="en-US" sz="2400" b="0" i="0" u="none" strike="noStrike" cap="none" spc="0">
-                <a:solidFill>
-                  <a:schemeClr val="bg1"/>
-                </a:solidFill>
-                <a:latin typeface="Agave"/>
-                <a:ea typeface="Agave"/>
-                <a:cs typeface="Agave"/>
-              </a:rPr>
-              <a:t> </a:t>
-            </a:r>
-            <a:r>
-              <a:rPr lang="en-US" sz="2400" b="0" i="0" u="none" strike="noStrike" cap="none" spc="0">
-                <a:solidFill>
-                  <a:schemeClr val="bg1"/>
-                </a:solidFill>
-                <a:latin typeface="Agave"/>
-                <a:ea typeface="Agave"/>
-                <a:cs typeface="Agave"/>
-              </a:rPr>
-              <a:t>In all cases, </a:t>
-            </a:r>
-            <a:r>
-              <a:rPr lang="en-US" sz="2400" b="0" i="0" u="none" strike="noStrike" cap="none" spc="0">
-                <a:solidFill>
-                  <a:schemeClr val="accent3"/>
-                </a:solidFill>
-                <a:latin typeface="Agave"/>
-                <a:ea typeface="Agave"/>
-                <a:cs typeface="Agave"/>
-              </a:rPr>
-              <a:t>educate the conscience, enlist the will, supply good, </a:t>
-            </a:r>
-            <a:r>
-              <a:rPr lang="en-US" sz="2400" b="0" i="0" u="none" strike="noStrike" cap="none" spc="0">
-                <a:solidFill>
-                  <a:schemeClr val="accent3"/>
-                </a:solidFill>
-                <a:latin typeface="Agave"/>
-                <a:ea typeface="Agave"/>
-                <a:cs typeface="Agave"/>
-              </a:rPr>
-              <a:t>wholesome food,</a:t>
-            </a:r>
-            <a:r>
-              <a:rPr lang="en-US" sz="2400" b="0" i="0" u="none" strike="noStrike" cap="none" spc="0">
-                <a:solidFill>
-                  <a:schemeClr val="bg1"/>
-                </a:solidFill>
-                <a:latin typeface="Agave"/>
-                <a:ea typeface="Agave"/>
-                <a:cs typeface="Agave"/>
-              </a:rPr>
-              <a:t> and the change will be readily made, and the </a:t>
-            </a:r>
-            <a:r>
-              <a:rPr lang="en-US" sz="2400" b="0" i="0" u="none" strike="noStrike" cap="none" spc="0">
-                <a:solidFill>
-                  <a:schemeClr val="bg1"/>
-                </a:solidFill>
-                <a:latin typeface="Agave"/>
-                <a:ea typeface="Agave"/>
-                <a:cs typeface="Agave"/>
-              </a:rPr>
-              <a:t>demand for flesh will soon cease. </a:t>
-            </a:r>
-            <a:endParaRPr sz="2400" b="0" i="0" u="none" strike="noStrike" cap="none" spc="0">
-              <a:solidFill>
-                <a:schemeClr val="accent3"/>
-              </a:solidFill>
-              <a:latin typeface="Agave"/>
-              <a:cs typeface="Agave"/>
-            </a:endParaRPr>
-          </a:p>
-          <a:p>
-            <a:pPr>
-              <a:defRPr/>
-            </a:pPr>
-            <a:r>
-              <a:rPr lang="en-US" sz="2400" b="0" i="1" u="none" strike="noStrike" cap="none" spc="0">
-                <a:solidFill>
-                  <a:srgbClr val="EB6F92"/>
-                </a:solidFill>
-                <a:latin typeface="Agave"/>
-                <a:ea typeface="Agave"/>
-                <a:cs typeface="Agave"/>
-              </a:rPr>
-              <a:t>—The Ministry of Healing, 316, [1905]</a:t>
-            </a:r>
-            <a:endParaRPr sz="2400" b="0" i="1" u="none" strike="noStrike" cap="none" spc="0">
-              <a:solidFill>
-                <a:srgbClr val="EB6F92"/>
-              </a:solidFill>
-              <a:latin typeface="Agave"/>
-              <a:ea typeface="Agave"/>
-              <a:cs typeface="Agave"/>
-            </a:endParaRPr>
-          </a:p>
-        </p:txBody>
-      </p:sp>
-      <p:sp>
-        <p:nvSpPr>
-          <p:cNvPr id="1782274913" name="TextBox 6"/>
-          <p:cNvSpPr txBox="1"/>
-          <p:nvPr/>
-        </p:nvSpPr>
-        <p:spPr bwMode="auto">
-          <a:xfrm rot="0" flipH="0" flipV="0">
-            <a:off x="-80784" y="710786"/>
-            <a:ext cx="10567578" cy="782425"/>
-          </a:xfrm>
-          <a:prstGeom prst="rect">
-            <a:avLst/>
-          </a:prstGeom>
-        </p:spPr>
-        <p:txBody>
-          <a:bodyPr lIns="0" tIns="0" rIns="0" bIns="0" rtlCol="0" anchor="t">
-            <a:spAutoFit/>
-          </a:bodyPr>
-          <a:lstStyle/>
-          <a:p>
-            <a:pPr algn="ctr">
-              <a:lnSpc>
-                <a:spcPts val="6157"/>
-              </a:lnSpc>
-              <a:defRPr/>
-            </a:pPr>
-            <a:r>
-              <a:rPr lang="en-US" sz="2000" b="0">
-                <a:solidFill>
-                  <a:schemeClr val="accent1">
-                    <a:lumMod val="60000"/>
-                    <a:lumOff val="40000"/>
-                  </a:schemeClr>
-                </a:solidFill>
-                <a:latin typeface="Agave"/>
-                <a:ea typeface="Agave"/>
-                <a:cs typeface="Agave"/>
-              </a:rPr>
-              <a:t>Barnard et al, </a:t>
-            </a:r>
-            <a:r>
-              <a:rPr lang="en-US" sz="2000" b="0" i="0" u="none" strike="noStrike" cap="none" spc="0">
-                <a:solidFill>
-                  <a:schemeClr val="accent1">
-                    <a:lumMod val="60000"/>
-                    <a:lumOff val="40000"/>
-                  </a:schemeClr>
-                </a:solidFill>
-                <a:latin typeface="Agave"/>
-                <a:ea typeface="Agave"/>
-                <a:cs typeface="Agave"/>
-              </a:rPr>
-              <a:t>Nutrients 2014, 6, 897-910</a:t>
-            </a:r>
-            <a:endParaRPr sz="2600" b="0">
-              <a:solidFill>
-                <a:schemeClr val="bg1"/>
-              </a:solidFill>
-              <a:latin typeface="Tinos"/>
-              <a:cs typeface="Tinos"/>
-            </a:endParaRPr>
-          </a:p>
-        </p:txBody>
-      </p:sp>
-      <p:sp>
-        <p:nvSpPr>
-          <p:cNvPr id="1517692667" name="TextBox 6"/>
-          <p:cNvSpPr txBox="1"/>
-          <p:nvPr/>
-        </p:nvSpPr>
-        <p:spPr bwMode="auto">
-          <a:xfrm rot="0" flipH="0" flipV="0">
-            <a:off x="501507" y="9279211"/>
-            <a:ext cx="4016786" cy="782298"/>
-          </a:xfrm>
-          <a:prstGeom prst="rect">
-            <a:avLst/>
-          </a:prstGeom>
-        </p:spPr>
-        <p:txBody>
-          <a:bodyPr lIns="0" tIns="0" rIns="0" bIns="0" rtlCol="0" anchor="t">
-            <a:spAutoFit/>
-          </a:bodyPr>
-          <a:lstStyle/>
-          <a:p>
-            <a:pPr algn="ctr">
-              <a:lnSpc>
-                <a:spcPts val="6156"/>
-              </a:lnSpc>
-              <a:defRPr/>
-            </a:pPr>
-            <a:r>
-              <a:rPr lang="en-US" sz="2600" b="0">
-                <a:solidFill>
-                  <a:schemeClr val="bg1"/>
-                </a:solidFill>
-                <a:latin typeface="Agave"/>
-                <a:ea typeface="Agave"/>
-                <a:cs typeface="Agave"/>
-              </a:rPr>
-              <a:t>Counsels on Lifestyle</a:t>
-            </a:r>
-            <a:endParaRPr sz="2600" b="0">
-              <a:solidFill>
-                <a:schemeClr val="bg1"/>
-              </a:solidFill>
-              <a:latin typeface="Tinos"/>
-              <a:cs typeface="Tinos"/>
-            </a:endParaRPr>
-          </a:p>
-        </p:txBody>
-      </p:sp>
-      <p:sp>
-        <p:nvSpPr>
-          <p:cNvPr id="1348480353" name="TextBox 6"/>
-          <p:cNvSpPr txBox="1"/>
-          <p:nvPr/>
-        </p:nvSpPr>
-        <p:spPr bwMode="auto">
-          <a:xfrm rot="0" flipH="0" flipV="0">
-            <a:off x="-291593" y="163459"/>
-            <a:ext cx="11077038" cy="1056618"/>
-          </a:xfrm>
-          <a:prstGeom prst="rect">
-            <a:avLst/>
-          </a:prstGeom>
-        </p:spPr>
-        <p:txBody>
-          <a:bodyPr lIns="0" tIns="0" rIns="0" bIns="0" rtlCol="0" anchor="t">
-            <a:spAutoFit/>
-          </a:bodyPr>
-          <a:lstStyle/>
-          <a:p>
-            <a:pPr algn="ctr">
-              <a:lnSpc>
-                <a:spcPts val="6156"/>
-              </a:lnSpc>
-              <a:defRPr/>
-            </a:pPr>
-            <a:r>
-              <a:rPr lang="en-US" sz="2700" b="0" i="0" u="none" strike="noStrike" cap="none" spc="0">
-                <a:solidFill>
-                  <a:schemeClr val="bg1"/>
-                </a:solidFill>
-                <a:latin typeface="Agave"/>
-                <a:ea typeface="Agave"/>
-                <a:cs typeface="Agave"/>
-              </a:rPr>
-              <a:t>Animal Products and Type 2 Diabetes</a:t>
-            </a:r>
-            <a:endParaRPr sz="2700" b="0">
-              <a:solidFill>
-                <a:schemeClr val="bg1"/>
-              </a:solidFill>
-              <a:latin typeface="Tinos"/>
-              <a:cs typeface="Tinos"/>
-            </a:endParaRPr>
-          </a:p>
-          <a:p>
-            <a:pPr>
-              <a:defRPr/>
-            </a:pPr>
-            <a:endParaRPr>
-              <a:solidFill>
-                <a:schemeClr val="bg1"/>
-              </a:solidFill>
-            </a:endParaRPr>
-          </a:p>
-        </p:txBody>
-      </p:sp>
       <p:sp>
         <p:nvSpPr>
           <p:cNvPr id="1355248024" name=""/>
@@ -6342,6 +5142,393 @@
           </a:p>
         </p:txBody>
       </p:sp>
+      <p:sp>
+        <p:nvSpPr>
+          <p:cNvPr id="1638471948" name=""/>
+          <p:cNvSpPr txBox="1"/>
+          <p:nvPr/>
+        </p:nvSpPr>
+        <p:spPr bwMode="auto">
+          <a:xfrm flipH="0" flipV="0">
+            <a:off x="1218619" y="1128179"/>
+            <a:ext cx="7711967" cy="7650839"/>
+          </a:xfrm>
+          <a:prstGeom prst="rect">
+            <a:avLst/>
+          </a:prstGeom>
+          <a:noFill/>
+        </p:spPr>
+        <p:txBody>
+          <a:bodyPr vertOverflow="overflow" horzOverflow="overflow" vert="horz" wrap="square" lIns="91440" tIns="45720" rIns="91440" bIns="45720" numCol="1" spcCol="0" rtlCol="0" fromWordArt="0" anchor="t" anchorCtr="0" forceAA="0" upright="0" compatLnSpc="0">
+            <a:spAutoFit/>
+          </a:bodyPr>
+          <a:p>
+            <a:pPr>
+              <a:defRPr/>
+            </a:pPr>
+            <a:r>
+              <a:rPr lang="en-US" sz="3600" b="0" i="0" u="none" strike="noStrike" cap="none" spc="0">
+                <a:solidFill>
+                  <a:schemeClr val="bg1"/>
+                </a:solidFill>
+                <a:latin typeface="Agave"/>
+                <a:ea typeface="Agave"/>
+                <a:cs typeface="Agave"/>
+              </a:rPr>
+              <a:t>When flesh is discarded, its place should be supplied with a </a:t>
+            </a:r>
+            <a:r>
+              <a:rPr lang="en-US" sz="3600" b="0" i="0" u="none" strike="noStrike" cap="none" spc="0">
+                <a:solidFill>
+                  <a:srgbClr val="92D050"/>
+                </a:solidFill>
+                <a:latin typeface="Agave"/>
+                <a:ea typeface="Agave"/>
+                <a:cs typeface="Agave"/>
+              </a:rPr>
+              <a:t>variety of grains, nuts, vegetables, and fruits</a:t>
+            </a:r>
+            <a:r>
+              <a:rPr lang="en-US" sz="3600" b="0" i="0" u="none" strike="noStrike" cap="none" spc="0">
+                <a:solidFill>
+                  <a:schemeClr val="bg1"/>
+                </a:solidFill>
+                <a:latin typeface="Agave"/>
+                <a:ea typeface="Agave"/>
+                <a:cs typeface="Agave"/>
+              </a:rPr>
+              <a:t>...</a:t>
+            </a:r>
+            <a:endParaRPr lang="en-US" sz="3600" b="0" i="0" u="none" strike="noStrike" cap="none" spc="0">
+              <a:solidFill>
+                <a:schemeClr val="bg1"/>
+              </a:solidFill>
+              <a:latin typeface="Agave"/>
+              <a:cs typeface="Agave"/>
+            </a:endParaRPr>
+          </a:p>
+          <a:p>
+            <a:pPr>
+              <a:defRPr/>
+            </a:pPr>
+            <a:endParaRPr lang="en-US" sz="3600" b="0" i="0" u="none" strike="noStrike" cap="none" spc="0">
+              <a:solidFill>
+                <a:schemeClr val="bg1"/>
+              </a:solidFill>
+              <a:latin typeface="Agave"/>
+              <a:cs typeface="Agave"/>
+            </a:endParaRPr>
+          </a:p>
+          <a:p>
+            <a:pPr>
+              <a:defRPr/>
+            </a:pPr>
+            <a:r>
+              <a:rPr lang="en-US" sz="3600" b="0" i="0" u="none" strike="noStrike" cap="none" spc="0">
+                <a:solidFill>
+                  <a:srgbClr val="E99C34"/>
+                </a:solidFill>
+                <a:latin typeface="Agave"/>
+                <a:ea typeface="Agave"/>
+                <a:cs typeface="Agave"/>
+              </a:rPr>
+              <a:t>None should be urged to make the change abruptly</a:t>
+            </a:r>
+            <a:r>
+              <a:rPr lang="en-US" sz="3600" b="0" i="0" u="none" strike="noStrike" cap="none" spc="0">
+                <a:solidFill>
+                  <a:schemeClr val="bg1"/>
+                </a:solidFill>
+                <a:latin typeface="Agave"/>
+                <a:ea typeface="Agave"/>
+                <a:cs typeface="Agave"/>
+              </a:rPr>
+              <a:t>...</a:t>
+            </a:r>
+            <a:endParaRPr lang="en-US" sz="3600" b="0" i="0" u="none" strike="noStrike" cap="none" spc="0">
+              <a:solidFill>
+                <a:schemeClr val="bg1"/>
+              </a:solidFill>
+              <a:latin typeface="Agave"/>
+              <a:cs typeface="Agave"/>
+            </a:endParaRPr>
+          </a:p>
+          <a:p>
+            <a:pPr>
+              <a:defRPr/>
+            </a:pPr>
+            <a:endParaRPr lang="en-US" sz="3600" b="0" i="0" u="none" strike="noStrike" cap="none" spc="0">
+              <a:solidFill>
+                <a:schemeClr val="bg1"/>
+              </a:solidFill>
+              <a:latin typeface="Agave"/>
+              <a:cs typeface="Agave"/>
+            </a:endParaRPr>
+          </a:p>
+          <a:p>
+            <a:pPr>
+              <a:defRPr/>
+            </a:pPr>
+            <a:r>
+              <a:rPr lang="en-US" sz="3600" b="0" i="0" u="none" strike="noStrike" cap="none" spc="0">
+                <a:solidFill>
+                  <a:schemeClr val="bg1"/>
+                </a:solidFill>
+                <a:latin typeface="Agave"/>
+                <a:ea typeface="Agave"/>
+                <a:cs typeface="Agave"/>
+              </a:rPr>
+              <a:t>....</a:t>
+            </a:r>
+            <a:r>
+              <a:rPr lang="en-US" sz="3600" b="0" i="0" u="none" strike="noStrike" cap="none" spc="0">
+                <a:solidFill>
+                  <a:srgbClr val="00B0F0"/>
+                </a:solidFill>
+                <a:latin typeface="Agave"/>
+                <a:ea typeface="Agave"/>
+                <a:cs typeface="Agave"/>
+              </a:rPr>
+              <a:t>With care and skill</a:t>
+            </a:r>
+            <a:r>
+              <a:rPr lang="en-US" sz="3600" b="0" i="0" u="none" strike="noStrike" cap="none" spc="0">
+                <a:solidFill>
+                  <a:schemeClr val="bg1"/>
+                </a:solidFill>
+                <a:latin typeface="Agave"/>
+                <a:ea typeface="Agave"/>
+                <a:cs typeface="Agave"/>
+              </a:rPr>
+              <a:t>, dishes may be prepared </a:t>
+            </a:r>
+            <a:r>
+              <a:rPr lang="en-US" sz="3600" b="0" i="0" u="none" strike="noStrike" cap="none" spc="0">
+                <a:solidFill>
+                  <a:schemeClr val="bg1"/>
+                </a:solidFill>
+                <a:latin typeface="Agave"/>
+                <a:ea typeface="Agave"/>
+                <a:cs typeface="Agave"/>
+              </a:rPr>
+              <a:t>that will be </a:t>
+            </a:r>
+            <a:r>
+              <a:rPr lang="en-US" sz="3600" b="0" i="0" u="none" strike="noStrike" cap="none" spc="0">
+                <a:solidFill>
+                  <a:srgbClr val="92D050"/>
+                </a:solidFill>
+                <a:latin typeface="Agave"/>
+                <a:ea typeface="Agave"/>
+                <a:cs typeface="Agave"/>
+              </a:rPr>
+              <a:t>both nutritious and appetizing</a:t>
+            </a:r>
+            <a:r>
+              <a:rPr lang="en-US" sz="3600" b="0" i="0" u="none" strike="noStrike" cap="none" spc="0">
+                <a:solidFill>
+                  <a:schemeClr val="bg1"/>
+                </a:solidFill>
+                <a:latin typeface="Agave"/>
+                <a:ea typeface="Agave"/>
+                <a:cs typeface="Agave"/>
+              </a:rPr>
+              <a:t>... </a:t>
+            </a:r>
+            <a:endParaRPr lang="en-US" sz="3600" b="0" i="0" u="none" strike="noStrike" cap="none" spc="0">
+              <a:solidFill>
+                <a:schemeClr val="bg1"/>
+              </a:solidFill>
+              <a:latin typeface="Agave"/>
+              <a:ea typeface="Agave"/>
+              <a:cs typeface="Agave"/>
+            </a:endParaRPr>
+          </a:p>
+          <a:p>
+            <a:pPr>
+              <a:defRPr/>
+            </a:pPr>
+            <a:r>
+              <a:rPr lang="en-US" sz="3600" b="0" i="0" u="none" strike="noStrike" cap="none" spc="0">
+                <a:solidFill>
+                  <a:schemeClr val="bg1"/>
+                </a:solidFill>
+                <a:latin typeface="Agave"/>
+                <a:ea typeface="Agave"/>
+                <a:cs typeface="Agave"/>
+              </a:rPr>
+              <a:t> </a:t>
+            </a:r>
+            <a:endParaRPr lang="en-US" sz="3600" b="0" i="0" u="none" strike="noStrike" cap="none" spc="0">
+              <a:solidFill>
+                <a:schemeClr val="bg1"/>
+              </a:solidFill>
+              <a:latin typeface="Agave"/>
+              <a:cs typeface="Agave"/>
+            </a:endParaRPr>
+          </a:p>
+          <a:p>
+            <a:pPr>
+              <a:defRPr/>
+            </a:pPr>
+            <a:r>
+              <a:rPr lang="en-US" sz="2800" b="0" i="1" u="none" strike="noStrike" cap="none" spc="0">
+                <a:solidFill>
+                  <a:schemeClr val="bg1"/>
+                </a:solidFill>
+                <a:latin typeface="Agave"/>
+                <a:ea typeface="Agave"/>
+                <a:cs typeface="Agave"/>
+              </a:rPr>
+              <a:t>The Ministry of Healing, 316, [1905]</a:t>
+            </a:r>
+            <a:endParaRPr sz="2800" b="0" i="1" u="none" strike="noStrike" cap="none" spc="0">
+              <a:solidFill>
+                <a:schemeClr val="bg1"/>
+              </a:solidFill>
+              <a:latin typeface="Agave"/>
+              <a:ea typeface="Agave"/>
+              <a:cs typeface="Agave"/>
+            </a:endParaRPr>
+          </a:p>
+        </p:txBody>
+      </p:sp>
+      <p:sp>
+        <p:nvSpPr>
+          <p:cNvPr id="980408499" name="TextBox 6"/>
+          <p:cNvSpPr txBox="1"/>
+          <p:nvPr/>
+        </p:nvSpPr>
+        <p:spPr bwMode="auto">
+          <a:xfrm rot="0" flipH="0" flipV="0">
+            <a:off x="8875236" y="9443439"/>
+            <a:ext cx="1262859" cy="782552"/>
+          </a:xfrm>
+          <a:prstGeom prst="rect">
+            <a:avLst/>
+          </a:prstGeom>
+        </p:spPr>
+        <p:txBody>
+          <a:bodyPr lIns="0" tIns="0" rIns="0" bIns="0" rtlCol="0" anchor="t">
+            <a:spAutoFit/>
+          </a:bodyPr>
+          <a:lstStyle/>
+          <a:p>
+            <a:pPr algn="ctr">
+              <a:lnSpc>
+                <a:spcPts val="6158"/>
+              </a:lnSpc>
+              <a:defRPr/>
+            </a:pPr>
+            <a:r>
+              <a:rPr lang="en-US" sz="2600" b="0">
+                <a:solidFill>
+                  <a:schemeClr val="bg1"/>
+                </a:solidFill>
+                <a:latin typeface="Agave"/>
+                <a:ea typeface="Agave"/>
+                <a:cs typeface="Agave"/>
+              </a:rPr>
+              <a:t>3/3</a:t>
+            </a:r>
+            <a:endParaRPr sz="2600" b="0">
+              <a:solidFill>
+                <a:schemeClr val="bg1"/>
+              </a:solidFill>
+              <a:latin typeface="Tinos"/>
+              <a:cs typeface="Tinos"/>
+            </a:endParaRPr>
+          </a:p>
+        </p:txBody>
+      </p:sp>
+      <p:sp>
+        <p:nvSpPr>
+          <p:cNvPr id="393245528" name="TextBox 6"/>
+          <p:cNvSpPr txBox="1"/>
+          <p:nvPr/>
+        </p:nvSpPr>
+        <p:spPr bwMode="auto">
+          <a:xfrm rot="0" flipH="0" flipV="0">
+            <a:off x="173058" y="9377743"/>
+            <a:ext cx="4017144" cy="782172"/>
+          </a:xfrm>
+          <a:prstGeom prst="rect">
+            <a:avLst/>
+          </a:prstGeom>
+        </p:spPr>
+        <p:txBody>
+          <a:bodyPr lIns="0" tIns="0" rIns="0" bIns="0" rtlCol="0" anchor="t">
+            <a:spAutoFit/>
+          </a:bodyPr>
+          <a:lstStyle/>
+          <a:p>
+            <a:pPr algn="ctr">
+              <a:lnSpc>
+                <a:spcPts val="6155"/>
+              </a:lnSpc>
+              <a:defRPr/>
+            </a:pPr>
+            <a:r>
+              <a:rPr lang="en-US" sz="2600" b="0">
+                <a:solidFill>
+                  <a:schemeClr val="bg1"/>
+                </a:solidFill>
+                <a:latin typeface="Agave"/>
+                <a:ea typeface="Agave"/>
+                <a:cs typeface="Agave"/>
+              </a:rPr>
+              <a:t>Counsels on Lifestyle</a:t>
+            </a:r>
+            <a:endParaRPr sz="2600" b="0">
+              <a:solidFill>
+                <a:schemeClr val="bg1"/>
+              </a:solidFill>
+              <a:latin typeface="Tinos"/>
+              <a:cs typeface="Tinos"/>
+            </a:endParaRPr>
+          </a:p>
+        </p:txBody>
+      </p:sp>
+      <p:cxnSp>
+        <p:nvCxnSpPr>
+          <p:cNvPr id="366337672" name=""/>
+          <p:cNvCxnSpPr>
+            <a:cxnSpLocks/>
+          </p:cNvCxnSpPr>
+          <p:nvPr/>
+        </p:nvCxnSpPr>
+        <p:spPr bwMode="auto">
+          <a:xfrm flipH="0" flipV="0">
+            <a:off x="13611" y="9578863"/>
+            <a:ext cx="10247581" cy="75540"/>
+          </a:xfrm>
+          <a:prstGeom prst="line">
+            <a:avLst/>
+          </a:prstGeom>
+          <a:ln w="38099" cap="flat" cmpd="sng" algn="ctr">
+            <a:solidFill>
+              <a:schemeClr val="bg1"/>
+            </a:solidFill>
+            <a:prstDash val="solid"/>
+          </a:ln>
+        </p:spPr>
+        <p:style>
+          <a:lnRef idx="1">
+            <a:schemeClr val="accent1">
+              <a:shade val="50000"/>
+            </a:schemeClr>
+          </a:lnRef>
+          <a:fillRef idx="0">
+            <a:schemeClr val="accent1"/>
+          </a:fillRef>
+          <a:effectRef idx="0">
+            <a:schemeClr val="accent1"/>
+          </a:effectRef>
+          <a:fontRef idx="minor">
+            <a:schemeClr val="tx1"/>
+          </a:fontRef>
+        </p:style>
+      </p:cxnSp>
     </p:spTree>
   </p:cSld>
   <p:clrMapOvr>

--- a/posts/2/slides.pptx
+++ b/posts/2/slides.pptx
@@ -3977,7 +3977,7 @@
         <p:spPr bwMode="auto">
           <a:xfrm flipH="0" flipV="0">
             <a:off x="3562348" y="8382701"/>
-            <a:ext cx="5155685" cy="488039"/>
+            <a:ext cx="5155684" cy="488039"/>
           </a:xfrm>
           <a:prstGeom prst="rect">
             <a:avLst/>
@@ -4505,54 +4505,6 @@
                 <a:cs typeface="Agave"/>
               </a:rPr>
               <a:t>1/3</a:t>
-            </a:r>
-            <a:endParaRPr sz="2600" b="0">
-              <a:solidFill>
-                <a:schemeClr val="bg1"/>
-              </a:solidFill>
-              <a:latin typeface="Tinos"/>
-              <a:cs typeface="Tinos"/>
-            </a:endParaRPr>
-          </a:p>
-        </p:txBody>
-      </p:sp>
-      <p:sp>
-        <p:nvSpPr>
-          <p:cNvPr id="1960901752" name="TextBox 6"/>
-          <p:cNvSpPr txBox="1"/>
-          <p:nvPr/>
-        </p:nvSpPr>
-        <p:spPr bwMode="auto">
-          <a:xfrm rot="0" flipH="0" flipV="0">
-            <a:off x="173058" y="9377743"/>
-            <a:ext cx="4017144" cy="782172"/>
-          </a:xfrm>
-          <a:prstGeom prst="rect">
-            <a:avLst/>
-          </a:prstGeom>
-        </p:spPr>
-        <p:txBody>
-          <a:bodyPr lIns="0" tIns="0" rIns="0" bIns="0" rtlCol="0" anchor="t">
-            <a:spAutoFit/>
-          </a:bodyPr>
-          <a:lstStyle/>
-          <a:p>
-            <a:pPr algn="ctr">
-              <a:lnSpc>
-                <a:spcPts val="6155"/>
-              </a:lnSpc>
-              <a:defRPr/>
-            </a:pPr>
-            <a:r>
-              <a:rPr lang="en-US" sz="2600" b="0">
-                <a:solidFill>
-                  <a:schemeClr val="bg1"/>
-                </a:solidFill>
-                <a:latin typeface="Agave"/>
-                <a:ea typeface="Agave"/>
-                <a:cs typeface="Agave"/>
-              </a:rPr>
-              <a:t>Counsels on Lifestyle</a:t>
             </a:r>
             <a:endParaRPr sz="2600" b="0">
               <a:solidFill>
@@ -4644,6 +4596,54 @@
           </a:fontRef>
         </p:style>
       </p:cxnSp>
+      <p:sp>
+        <p:nvSpPr>
+          <p:cNvPr id="1740746128" name="TextBox 6"/>
+          <p:cNvSpPr txBox="1"/>
+          <p:nvPr/>
+        </p:nvSpPr>
+        <p:spPr bwMode="auto">
+          <a:xfrm rot="0" flipH="0" flipV="0">
+            <a:off x="173055" y="9377742"/>
+            <a:ext cx="4594244" cy="782044"/>
+          </a:xfrm>
+          <a:prstGeom prst="rect">
+            <a:avLst/>
+          </a:prstGeom>
+        </p:spPr>
+        <p:txBody>
+          <a:bodyPr lIns="0" tIns="0" rIns="0" bIns="0" rtlCol="0" anchor="t">
+            <a:spAutoFit/>
+          </a:bodyPr>
+          <a:lstStyle/>
+          <a:p>
+            <a:pPr algn="ctr">
+              <a:lnSpc>
+                <a:spcPts val="6154"/>
+              </a:lnSpc>
+              <a:defRPr/>
+            </a:pPr>
+            <a:r>
+              <a:rPr lang="en-US" sz="2600" b="0">
+                <a:solidFill>
+                  <a:schemeClr val="bg1"/>
+                </a:solidFill>
+                <a:latin typeface="Agave"/>
+                <a:ea typeface="Agave"/>
+                <a:cs typeface="Agave"/>
+              </a:rPr>
+              <a:t>The Health Message Works!</a:t>
+            </a:r>
+            <a:endParaRPr sz="2600" b="0">
+              <a:solidFill>
+                <a:schemeClr val="bg1"/>
+              </a:solidFill>
+              <a:latin typeface="Tinos"/>
+              <a:cs typeface="Tinos"/>
+            </a:endParaRPr>
+          </a:p>
+        </p:txBody>
+      </p:sp>
     </p:spTree>
   </p:cSld>
   <p:clrMapOvr>
@@ -4743,7 +4743,7 @@
         <p:spPr bwMode="auto">
           <a:xfrm flipH="0" flipV="0">
             <a:off x="1218619" y="1128180"/>
-            <a:ext cx="7702968" cy="7650839"/>
+            <a:ext cx="7702967" cy="7650839"/>
           </a:xfrm>
           <a:prstGeom prst="rect">
             <a:avLst/>
@@ -4953,54 +4953,6 @@
                 <a:cs typeface="Agave"/>
               </a:rPr>
               <a:t>2/3</a:t>
-            </a:r>
-            <a:endParaRPr sz="2600" b="0">
-              <a:solidFill>
-                <a:schemeClr val="bg1"/>
-              </a:solidFill>
-              <a:latin typeface="Tinos"/>
-              <a:cs typeface="Tinos"/>
-            </a:endParaRPr>
-          </a:p>
-        </p:txBody>
-      </p:sp>
-      <p:sp>
-        <p:nvSpPr>
-          <p:cNvPr id="1372582848" name="TextBox 6"/>
-          <p:cNvSpPr txBox="1"/>
-          <p:nvPr/>
-        </p:nvSpPr>
-        <p:spPr bwMode="auto">
-          <a:xfrm rot="0" flipH="0" flipV="0">
-            <a:off x="173058" y="9377743"/>
-            <a:ext cx="4017144" cy="782172"/>
-          </a:xfrm>
-          <a:prstGeom prst="rect">
-            <a:avLst/>
-          </a:prstGeom>
-        </p:spPr>
-        <p:txBody>
-          <a:bodyPr lIns="0" tIns="0" rIns="0" bIns="0" rtlCol="0" anchor="t">
-            <a:spAutoFit/>
-          </a:bodyPr>
-          <a:lstStyle/>
-          <a:p>
-            <a:pPr algn="ctr">
-              <a:lnSpc>
-                <a:spcPts val="6155"/>
-              </a:lnSpc>
-              <a:defRPr/>
-            </a:pPr>
-            <a:r>
-              <a:rPr lang="en-US" sz="2600" b="0">
-                <a:solidFill>
-                  <a:schemeClr val="bg1"/>
-                </a:solidFill>
-                <a:latin typeface="Agave"/>
-                <a:ea typeface="Agave"/>
-                <a:cs typeface="Agave"/>
-              </a:rPr>
-              <a:t>Counsels on Lifestyle</a:t>
             </a:r>
             <a:endParaRPr sz="2600" b="0">
               <a:solidFill>
@@ -5031,6 +4983,139 @@
           <a:ln w="38099" cap="flat" cmpd="sng" algn="ctr">
             <a:solidFill>
               <a:schemeClr val="bg1"/>
+            </a:solidFill>
+            <a:prstDash val="solid"/>
+          </a:ln>
+        </p:spPr>
+        <p:style>
+          <a:lnRef idx="1">
+            <a:schemeClr val="accent1">
+              <a:shade val="50000"/>
+            </a:schemeClr>
+          </a:lnRef>
+          <a:fillRef idx="0">
+            <a:schemeClr val="accent1"/>
+          </a:fillRef>
+          <a:effectRef idx="0">
+            <a:schemeClr val="accent1"/>
+          </a:effectRef>
+          <a:fontRef idx="minor">
+            <a:schemeClr val="tx1"/>
+          </a:fontRef>
+        </p:style>
+      </p:cxnSp>
+      <p:sp>
+        <p:nvSpPr>
+          <p:cNvPr id="1100372528" name="TextBox 6"/>
+          <p:cNvSpPr txBox="1"/>
+          <p:nvPr/>
+        </p:nvSpPr>
+        <p:spPr bwMode="auto">
+          <a:xfrm rot="0" flipH="0" flipV="0">
+            <a:off x="173055" y="9377742"/>
+            <a:ext cx="4594244" cy="782044"/>
+          </a:xfrm>
+          <a:prstGeom prst="rect">
+            <a:avLst/>
+          </a:prstGeom>
+        </p:spPr>
+        <p:txBody>
+          <a:bodyPr lIns="0" tIns="0" rIns="0" bIns="0" rtlCol="0" anchor="t">
+            <a:spAutoFit/>
+          </a:bodyPr>
+          <a:lstStyle/>
+          <a:p>
+            <a:pPr algn="ctr">
+              <a:lnSpc>
+                <a:spcPts val="6154"/>
+              </a:lnSpc>
+              <a:defRPr/>
+            </a:pPr>
+            <a:r>
+              <a:rPr lang="en-US" sz="2600" b="0">
+                <a:solidFill>
+                  <a:schemeClr val="bg1"/>
+                </a:solidFill>
+                <a:latin typeface="Agave"/>
+                <a:ea typeface="Agave"/>
+                <a:cs typeface="Agave"/>
+              </a:rPr>
+              <a:t>The Health Message Works!</a:t>
+            </a:r>
+            <a:endParaRPr sz="2600" b="0">
+              <a:solidFill>
+                <a:schemeClr val="bg1"/>
+              </a:solidFill>
+              <a:latin typeface="Tinos"/>
+              <a:cs typeface="Tinos"/>
+            </a:endParaRPr>
+          </a:p>
+        </p:txBody>
+      </p:sp>
+      <p:sp>
+        <p:nvSpPr>
+          <p:cNvPr id="1286658237" name=""/>
+          <p:cNvSpPr txBox="1"/>
+          <p:nvPr/>
+        </p:nvSpPr>
+        <p:spPr bwMode="auto">
+          <a:xfrm flipH="0" flipV="0">
+            <a:off x="3517758" y="155342"/>
+            <a:ext cx="6558330" cy="488039"/>
+          </a:xfrm>
+          <a:prstGeom prst="rect">
+            <a:avLst/>
+          </a:prstGeom>
+          <a:noFill/>
+        </p:spPr>
+        <p:txBody>
+          <a:bodyPr vertOverflow="overflow" horzOverflow="overflow" vert="horz" wrap="square" lIns="91440" tIns="45720" rIns="91440" bIns="45720" numCol="1" spcCol="0" rtlCol="0" fromWordArt="0" anchor="t" anchorCtr="0" forceAA="0" upright="0" compatLnSpc="0">
+            <a:spAutoFit/>
+          </a:bodyPr>
+          <a:p>
+            <a:pPr algn="r">
+              <a:defRPr/>
+            </a:pPr>
+            <a:r>
+              <a:rPr sz="2600" b="0">
+                <a:solidFill>
+                  <a:schemeClr val="bg1"/>
+                </a:solidFill>
+                <a:latin typeface="Agave"/>
+                <a:ea typeface="Agave"/>
+                <a:cs typeface="Agave"/>
+              </a:rPr>
+              <a:t>Scientific Research - 2014</a:t>
+            </a:r>
+            <a:endParaRPr sz="2600" b="0">
+              <a:solidFill>
+                <a:schemeClr val="bg1"/>
+              </a:solidFill>
+              <a:latin typeface="Agave"/>
+              <a:cs typeface="Agave"/>
+            </a:endParaRPr>
+          </a:p>
+        </p:txBody>
+      </p:sp>
+      <p:cxnSp>
+        <p:nvCxnSpPr>
+          <p:cNvPr id="1007618518" name=""/>
+          <p:cNvCxnSpPr>
+            <a:cxnSpLocks/>
+          </p:cNvCxnSpPr>
+          <p:nvPr/>
+        </p:nvCxnSpPr>
+        <p:spPr bwMode="auto">
+          <a:xfrm flipH="0" flipV="0">
+            <a:off x="1785" y="698934"/>
+            <a:ext cx="10247580" cy="75539"/>
+          </a:xfrm>
+          <a:prstGeom prst="line">
+            <a:avLst/>
+          </a:prstGeom>
+          <a:ln w="38099" cap="flat" cmpd="sng" algn="ctr">
+            <a:solidFill>
+              <a:srgbClr val="FFFFFF"/>
             </a:solidFill>
             <a:prstDash val="solid"/>
           </a:ln>
@@ -5441,54 +5526,6 @@
           </a:p>
         </p:txBody>
       </p:sp>
-      <p:sp>
-        <p:nvSpPr>
-          <p:cNvPr id="393245528" name="TextBox 6"/>
-          <p:cNvSpPr txBox="1"/>
-          <p:nvPr/>
-        </p:nvSpPr>
-        <p:spPr bwMode="auto">
-          <a:xfrm rot="0" flipH="0" flipV="0">
-            <a:off x="173058" y="9377743"/>
-            <a:ext cx="4017144" cy="782172"/>
-          </a:xfrm>
-          <a:prstGeom prst="rect">
-            <a:avLst/>
-          </a:prstGeom>
-        </p:spPr>
-        <p:txBody>
-          <a:bodyPr lIns="0" tIns="0" rIns="0" bIns="0" rtlCol="0" anchor="t">
-            <a:spAutoFit/>
-          </a:bodyPr>
-          <a:lstStyle/>
-          <a:p>
-            <a:pPr algn="ctr">
-              <a:lnSpc>
-                <a:spcPts val="6155"/>
-              </a:lnSpc>
-              <a:defRPr/>
-            </a:pPr>
-            <a:r>
-              <a:rPr lang="en-US" sz="2600" b="0">
-                <a:solidFill>
-                  <a:schemeClr val="bg1"/>
-                </a:solidFill>
-                <a:latin typeface="Agave"/>
-                <a:ea typeface="Agave"/>
-                <a:cs typeface="Agave"/>
-              </a:rPr>
-              <a:t>Counsels on Lifestyle</a:t>
-            </a:r>
-            <a:endParaRPr sz="2600" b="0">
-              <a:solidFill>
-                <a:schemeClr val="bg1"/>
-              </a:solidFill>
-              <a:latin typeface="Tinos"/>
-              <a:cs typeface="Tinos"/>
-            </a:endParaRPr>
-          </a:p>
-        </p:txBody>
-      </p:sp>
       <p:cxnSp>
         <p:nvCxnSpPr>
           <p:cNvPr id="366337672" name=""/>
@@ -5508,6 +5545,139 @@
           <a:ln w="38099" cap="flat" cmpd="sng" algn="ctr">
             <a:solidFill>
               <a:schemeClr val="bg1"/>
+            </a:solidFill>
+            <a:prstDash val="solid"/>
+          </a:ln>
+        </p:spPr>
+        <p:style>
+          <a:lnRef idx="1">
+            <a:schemeClr val="accent1">
+              <a:shade val="50000"/>
+            </a:schemeClr>
+          </a:lnRef>
+          <a:fillRef idx="0">
+            <a:schemeClr val="accent1"/>
+          </a:fillRef>
+          <a:effectRef idx="0">
+            <a:schemeClr val="accent1"/>
+          </a:effectRef>
+          <a:fontRef idx="minor">
+            <a:schemeClr val="tx1"/>
+          </a:fontRef>
+        </p:style>
+      </p:cxnSp>
+      <p:sp>
+        <p:nvSpPr>
+          <p:cNvPr id="1291444890" name="TextBox 6"/>
+          <p:cNvSpPr txBox="1"/>
+          <p:nvPr/>
+        </p:nvSpPr>
+        <p:spPr bwMode="auto">
+          <a:xfrm rot="0" flipH="0" flipV="0">
+            <a:off x="173055" y="9377742"/>
+            <a:ext cx="4594244" cy="782044"/>
+          </a:xfrm>
+          <a:prstGeom prst="rect">
+            <a:avLst/>
+          </a:prstGeom>
+        </p:spPr>
+        <p:txBody>
+          <a:bodyPr lIns="0" tIns="0" rIns="0" bIns="0" rtlCol="0" anchor="t">
+            <a:spAutoFit/>
+          </a:bodyPr>
+          <a:lstStyle/>
+          <a:p>
+            <a:pPr algn="ctr">
+              <a:lnSpc>
+                <a:spcPts val="6154"/>
+              </a:lnSpc>
+              <a:defRPr/>
+            </a:pPr>
+            <a:r>
+              <a:rPr lang="en-US" sz="2600" b="0">
+                <a:solidFill>
+                  <a:schemeClr val="bg1"/>
+                </a:solidFill>
+                <a:latin typeface="Agave"/>
+                <a:ea typeface="Agave"/>
+                <a:cs typeface="Agave"/>
+              </a:rPr>
+              <a:t>The Health Message Works!</a:t>
+            </a:r>
+            <a:endParaRPr sz="2600" b="0">
+              <a:solidFill>
+                <a:schemeClr val="bg1"/>
+              </a:solidFill>
+              <a:latin typeface="Tinos"/>
+              <a:cs typeface="Tinos"/>
+            </a:endParaRPr>
+          </a:p>
+        </p:txBody>
+      </p:sp>
+      <p:sp>
+        <p:nvSpPr>
+          <p:cNvPr id="278169845" name=""/>
+          <p:cNvSpPr txBox="1"/>
+          <p:nvPr/>
+        </p:nvSpPr>
+        <p:spPr bwMode="auto">
+          <a:xfrm flipH="0" flipV="0">
+            <a:off x="3517758" y="155342"/>
+            <a:ext cx="6548250" cy="488039"/>
+          </a:xfrm>
+          <a:prstGeom prst="rect">
+            <a:avLst/>
+          </a:prstGeom>
+          <a:noFill/>
+        </p:spPr>
+        <p:txBody>
+          <a:bodyPr vertOverflow="overflow" horzOverflow="overflow" vert="horz" wrap="square" lIns="91440" tIns="45720" rIns="91440" bIns="45720" numCol="1" spcCol="0" rtlCol="0" fromWordArt="0" anchor="t" anchorCtr="0" forceAA="0" upright="0" compatLnSpc="0">
+            <a:spAutoFit/>
+          </a:bodyPr>
+          <a:p>
+            <a:pPr algn="r">
+              <a:defRPr/>
+            </a:pPr>
+            <a:r>
+              <a:rPr sz="2600" b="0">
+                <a:solidFill>
+                  <a:schemeClr val="bg1"/>
+                </a:solidFill>
+                <a:latin typeface="Agave"/>
+                <a:ea typeface="Agave"/>
+                <a:cs typeface="Agave"/>
+              </a:rPr>
+              <a:t>Ellen G. White - 1905</a:t>
+            </a:r>
+            <a:endParaRPr sz="2600" b="0">
+              <a:solidFill>
+                <a:schemeClr val="bg1"/>
+              </a:solidFill>
+              <a:latin typeface="Agave"/>
+              <a:cs typeface="Agave"/>
+            </a:endParaRPr>
+          </a:p>
+        </p:txBody>
+      </p:sp>
+      <p:cxnSp>
+        <p:nvCxnSpPr>
+          <p:cNvPr id="604935964" name=""/>
+          <p:cNvCxnSpPr>
+            <a:cxnSpLocks/>
+          </p:cNvCxnSpPr>
+          <p:nvPr/>
+        </p:nvCxnSpPr>
+        <p:spPr bwMode="auto">
+          <a:xfrm flipH="0" flipV="0">
+            <a:off x="1785" y="698934"/>
+            <a:ext cx="10247580" cy="75539"/>
+          </a:xfrm>
+          <a:prstGeom prst="line">
+            <a:avLst/>
+          </a:prstGeom>
+          <a:ln w="38099" cap="flat" cmpd="sng" algn="ctr">
+            <a:solidFill>
+              <a:srgbClr val="FFFFFF"/>
             </a:solidFill>
             <a:prstDash val="solid"/>
           </a:ln>
